--- a/fig/embedded_frame_to_emitter.pptx
+++ b/fig/embedded_frame_to_emitter.pptx
@@ -197,7 +197,7 @@
           <a:p>
             <a:fld id="{62C99043-9FC5-4BF5-BD58-60C9FB78D318}" type="datetimeFigureOut">
               <a:rPr lang="en-US" smtClean="0"/>
-              <a:t>10/26/2020</a:t>
+              <a:t>11/26/2020</a:t>
             </a:fld>
             <a:endParaRPr lang="en-US"/>
           </a:p>
@@ -637,7 +637,7 @@
           <a:p>
             <a:fld id="{D1F97E29-0E3F-4B99-A9ED-470A1831EC9F}" type="datetime1">
               <a:rPr lang="en-US" smtClean="0"/>
-              <a:t>10/26/2020</a:t>
+              <a:t>11/26/2020</a:t>
             </a:fld>
             <a:endParaRPr lang="en-US"/>
           </a:p>
@@ -967,7 +967,7 @@
           <a:p>
             <a:fld id="{8E01B7D2-C181-4B9D-9C09-218A8EA96AB7}" type="datetime1">
               <a:rPr lang="en-US" smtClean="0"/>
-              <a:t>10/26/2020</a:t>
+              <a:t>11/26/2020</a:t>
             </a:fld>
             <a:endParaRPr lang="en-US"/>
           </a:p>
@@ -1147,7 +1147,7 @@
           <a:p>
             <a:fld id="{2CFC8955-08FD-40DE-9323-14178C31DC71}" type="datetime1">
               <a:rPr lang="en-US" smtClean="0"/>
-              <a:t>10/26/2020</a:t>
+              <a:t>11/26/2020</a:t>
             </a:fld>
             <a:endParaRPr lang="en-US"/>
           </a:p>
@@ -1317,7 +1317,7 @@
           <a:p>
             <a:fld id="{1278314F-6144-4250-A9EF-B8208E61A2BF}" type="datetime1">
               <a:rPr lang="en-US" smtClean="0"/>
-              <a:t>10/26/2020</a:t>
+              <a:t>11/26/2020</a:t>
             </a:fld>
             <a:endParaRPr lang="en-US"/>
           </a:p>
@@ -1594,7 +1594,7 @@
           <a:p>
             <a:fld id="{C65318F9-C526-4CE6-B7BA-8FEF2D1D2323}" type="datetime1">
               <a:rPr lang="en-US" smtClean="0"/>
-              <a:t>10/26/2020</a:t>
+              <a:t>11/26/2020</a:t>
             </a:fld>
             <a:endParaRPr lang="en-US"/>
           </a:p>
@@ -1988,7 +1988,7 @@
           <a:p>
             <a:fld id="{7B66A9F1-6808-4792-8DAA-1C26F5F2B025}" type="datetime1">
               <a:rPr lang="en-US" smtClean="0"/>
-              <a:t>10/26/2020</a:t>
+              <a:t>11/26/2020</a:t>
             </a:fld>
             <a:endParaRPr lang="en-US"/>
           </a:p>
@@ -2470,7 +2470,7 @@
           <a:p>
             <a:fld id="{14EE655A-3D7C-4A80-825E-04958E92D2F1}" type="datetime1">
               <a:rPr lang="en-US" smtClean="0"/>
-              <a:t>10/26/2020</a:t>
+              <a:t>11/26/2020</a:t>
             </a:fld>
             <a:endParaRPr lang="en-US"/>
           </a:p>
@@ -2593,7 +2593,7 @@
           <a:p>
             <a:fld id="{16FF041E-7D40-4078-8338-D5DAFB1A6756}" type="datetime1">
               <a:rPr lang="en-US" smtClean="0"/>
-              <a:t>10/26/2020</a:t>
+              <a:t>11/26/2020</a:t>
             </a:fld>
             <a:endParaRPr lang="en-US"/>
           </a:p>
@@ -2688,7 +2688,7 @@
           <a:p>
             <a:fld id="{5AEA18C8-6C95-421C-9CB9-8D8F4764D53C}" type="datetime1">
               <a:rPr lang="en-US" smtClean="0"/>
-              <a:t>10/26/2020</a:t>
+              <a:t>11/26/2020</a:t>
             </a:fld>
             <a:endParaRPr lang="en-US"/>
           </a:p>
@@ -3034,7 +3034,7 @@
           <a:p>
             <a:fld id="{0E87B4D7-567C-43DA-9ABC-1D0E836AC3E9}" type="datetime1">
               <a:rPr lang="en-US" smtClean="0"/>
-              <a:t>10/26/2020</a:t>
+              <a:t>11/26/2020</a:t>
             </a:fld>
             <a:endParaRPr lang="en-US"/>
           </a:p>
@@ -3427,7 +3427,7 @@
           <a:p>
             <a:fld id="{B5290E3C-37B5-49E5-B779-123EF4A9EB69}" type="datetime1">
               <a:rPr lang="en-US" smtClean="0"/>
-              <a:t>10/26/2020</a:t>
+              <a:t>11/26/2020</a:t>
             </a:fld>
             <a:endParaRPr lang="en-US"/>
           </a:p>
@@ -3705,7 +3705,7 @@
           <a:p>
             <a:fld id="{5E063D95-9933-498C-A792-D8217AE78B36}" type="datetime1">
               <a:rPr lang="en-US" smtClean="0"/>
-              <a:t>10/26/2020</a:t>
+              <a:t>11/26/2020</a:t>
             </a:fld>
             <a:endParaRPr lang="en-US"/>
           </a:p>
@@ -4226,7 +4226,7 @@
         </p:nvSpPr>
         <p:spPr>
           <a:xfrm>
-            <a:off x="1424198" y="4043611"/>
+            <a:off x="1596992" y="3813018"/>
             <a:ext cx="3162119" cy="2095099"/>
           </a:xfrm>
           <a:prstGeom prst="rect">
@@ -4272,7 +4272,7 @@
         </p:nvSpPr>
         <p:spPr>
           <a:xfrm>
-            <a:off x="1424198" y="4043611"/>
+            <a:off x="1596992" y="3813018"/>
             <a:ext cx="397042" cy="409074"/>
           </a:xfrm>
           <a:prstGeom prst="rect">
@@ -4325,7 +4325,7 @@
         </p:nvSpPr>
         <p:spPr>
           <a:xfrm>
-            <a:off x="1817230" y="4043611"/>
+            <a:off x="1990024" y="3813018"/>
             <a:ext cx="397042" cy="409074"/>
           </a:xfrm>
           <a:prstGeom prst="rect">
@@ -4378,7 +4378,7 @@
         </p:nvSpPr>
         <p:spPr>
           <a:xfrm>
-            <a:off x="2214272" y="4043611"/>
+            <a:off x="2387066" y="3813018"/>
             <a:ext cx="397042" cy="409074"/>
           </a:xfrm>
           <a:prstGeom prst="rect">
@@ -4431,7 +4431,7 @@
         </p:nvSpPr>
         <p:spPr>
           <a:xfrm>
-            <a:off x="2611314" y="4043611"/>
+            <a:off x="2784108" y="3813018"/>
             <a:ext cx="397042" cy="409074"/>
           </a:xfrm>
           <a:prstGeom prst="rect">
@@ -4484,7 +4484,7 @@
         </p:nvSpPr>
         <p:spPr>
           <a:xfrm>
-            <a:off x="3004346" y="4043611"/>
+            <a:off x="3177140" y="3813018"/>
             <a:ext cx="397042" cy="409074"/>
           </a:xfrm>
           <a:prstGeom prst="rect">
@@ -4537,7 +4537,7 @@
         </p:nvSpPr>
         <p:spPr>
           <a:xfrm>
-            <a:off x="3401388" y="4043611"/>
+            <a:off x="3574182" y="3813018"/>
             <a:ext cx="397042" cy="409074"/>
           </a:xfrm>
           <a:prstGeom prst="rect">
@@ -4590,7 +4590,7 @@
         </p:nvSpPr>
         <p:spPr>
           <a:xfrm>
-            <a:off x="3794420" y="4043611"/>
+            <a:off x="3967214" y="3813018"/>
             <a:ext cx="397042" cy="409074"/>
           </a:xfrm>
           <a:prstGeom prst="rect">
@@ -4643,7 +4643,7 @@
         </p:nvSpPr>
         <p:spPr>
           <a:xfrm>
-            <a:off x="4188902" y="4043611"/>
+            <a:off x="4361696" y="3813018"/>
             <a:ext cx="397042" cy="409074"/>
           </a:xfrm>
           <a:prstGeom prst="rect">
@@ -4696,7 +4696,7 @@
         </p:nvSpPr>
         <p:spPr>
           <a:xfrm>
-            <a:off x="1424198" y="4452685"/>
+            <a:off x="1596992" y="4222092"/>
             <a:ext cx="397042" cy="409074"/>
           </a:xfrm>
           <a:prstGeom prst="rect">
@@ -4749,7 +4749,7 @@
         </p:nvSpPr>
         <p:spPr>
           <a:xfrm>
-            <a:off x="1817230" y="4452685"/>
+            <a:off x="1990024" y="4222092"/>
             <a:ext cx="397042" cy="409074"/>
           </a:xfrm>
           <a:prstGeom prst="rect">
@@ -4802,7 +4802,7 @@
         </p:nvSpPr>
         <p:spPr>
           <a:xfrm>
-            <a:off x="2214272" y="4452685"/>
+            <a:off x="2387066" y="4222092"/>
             <a:ext cx="397042" cy="409074"/>
           </a:xfrm>
           <a:prstGeom prst="rect">
@@ -4855,7 +4855,7 @@
         </p:nvSpPr>
         <p:spPr>
           <a:xfrm>
-            <a:off x="2611314" y="4452685"/>
+            <a:off x="2784108" y="4222092"/>
             <a:ext cx="397042" cy="409074"/>
           </a:xfrm>
           <a:prstGeom prst="rect">
@@ -4908,7 +4908,7 @@
         </p:nvSpPr>
         <p:spPr>
           <a:xfrm>
-            <a:off x="3004346" y="4452685"/>
+            <a:off x="3177140" y="4222092"/>
             <a:ext cx="397042" cy="409074"/>
           </a:xfrm>
           <a:prstGeom prst="rect">
@@ -4961,7 +4961,7 @@
         </p:nvSpPr>
         <p:spPr>
           <a:xfrm>
-            <a:off x="3401388" y="4452685"/>
+            <a:off x="3574182" y="4222092"/>
             <a:ext cx="397042" cy="409074"/>
           </a:xfrm>
           <a:prstGeom prst="rect">
@@ -5014,7 +5014,7 @@
         </p:nvSpPr>
         <p:spPr>
           <a:xfrm>
-            <a:off x="3794420" y="4452685"/>
+            <a:off x="3967214" y="4222092"/>
             <a:ext cx="397042" cy="409074"/>
           </a:xfrm>
           <a:prstGeom prst="rect">
@@ -5067,7 +5067,7 @@
         </p:nvSpPr>
         <p:spPr>
           <a:xfrm>
-            <a:off x="4188902" y="4452685"/>
+            <a:off x="4361696" y="4222092"/>
             <a:ext cx="397042" cy="409074"/>
           </a:xfrm>
           <a:prstGeom prst="rect">
@@ -5120,7 +5120,7 @@
         </p:nvSpPr>
         <p:spPr>
           <a:xfrm>
-            <a:off x="1427897" y="4861759"/>
+            <a:off x="1600691" y="4631166"/>
             <a:ext cx="397042" cy="409074"/>
           </a:xfrm>
           <a:prstGeom prst="rect">
@@ -5173,7 +5173,7 @@
         </p:nvSpPr>
         <p:spPr>
           <a:xfrm>
-            <a:off x="1820074" y="4861759"/>
+            <a:off x="1992868" y="4631166"/>
             <a:ext cx="397042" cy="409074"/>
           </a:xfrm>
           <a:prstGeom prst="rect">
@@ -5226,7 +5226,7 @@
         </p:nvSpPr>
         <p:spPr>
           <a:xfrm>
-            <a:off x="2216175" y="4861759"/>
+            <a:off x="2388969" y="4631166"/>
             <a:ext cx="396769" cy="409074"/>
           </a:xfrm>
           <a:prstGeom prst="rect">
@@ -5279,7 +5279,7 @@
         </p:nvSpPr>
         <p:spPr>
           <a:xfrm>
-            <a:off x="2612944" y="4861759"/>
+            <a:off x="2785738" y="4631166"/>
             <a:ext cx="403468" cy="409074"/>
           </a:xfrm>
           <a:prstGeom prst="rect">
@@ -5332,7 +5332,7 @@
         </p:nvSpPr>
         <p:spPr>
           <a:xfrm>
-            <a:off x="3003234" y="4861759"/>
+            <a:off x="3176028" y="4631166"/>
             <a:ext cx="397042" cy="409074"/>
           </a:xfrm>
           <a:prstGeom prst="rect">
@@ -5385,7 +5385,7 @@
         </p:nvSpPr>
         <p:spPr>
           <a:xfrm>
-            <a:off x="3400831" y="4861759"/>
+            <a:off x="3573625" y="4631166"/>
             <a:ext cx="397042" cy="409074"/>
           </a:xfrm>
           <a:prstGeom prst="rect">
@@ -5438,7 +5438,7 @@
         </p:nvSpPr>
         <p:spPr>
           <a:xfrm>
-            <a:off x="3793863" y="4861759"/>
+            <a:off x="3966657" y="4631166"/>
             <a:ext cx="397042" cy="409074"/>
           </a:xfrm>
           <a:prstGeom prst="rect">
@@ -5491,7 +5491,7 @@
         </p:nvSpPr>
         <p:spPr>
           <a:xfrm>
-            <a:off x="4188902" y="4861759"/>
+            <a:off x="4361696" y="4631166"/>
             <a:ext cx="397042" cy="409074"/>
           </a:xfrm>
           <a:prstGeom prst="rect">
@@ -5544,7 +5544,7 @@
         </p:nvSpPr>
         <p:spPr>
           <a:xfrm>
-            <a:off x="1371600" y="3694150"/>
+            <a:off x="1544394" y="3463557"/>
             <a:ext cx="3674035" cy="369332"/>
           </a:xfrm>
           <a:prstGeom prst="rect">
@@ -5574,13 +5574,15 @@
               </a:ext>
             </a:extLst>
           </p:cNvPr>
-          <p:cNvSpPr/>
+          <p:cNvSpPr>
+            <a:spLocks noChangeAspect="1"/>
+          </p:cNvSpPr>
           <p:nvPr/>
         </p:nvSpPr>
         <p:spPr>
           <a:xfrm>
-            <a:off x="6787923" y="3878816"/>
-            <a:ext cx="3670969" cy="2553182"/>
+            <a:off x="6347152" y="2946872"/>
+            <a:ext cx="5506454" cy="3829773"/>
           </a:xfrm>
           <a:prstGeom prst="rect">
             <a:avLst/>
@@ -5625,7 +5627,7 @@
         </p:nvSpPr>
         <p:spPr>
           <a:xfrm>
-            <a:off x="5092494" y="4657222"/>
+            <a:off x="5006972" y="4487301"/>
             <a:ext cx="1126603" cy="717631"/>
           </a:xfrm>
           <a:prstGeom prst="rightArrow">
@@ -5671,8 +5673,8 @@
         </p:nvSpPr>
         <p:spPr>
           <a:xfrm>
-            <a:off x="7907430" y="3482482"/>
-            <a:ext cx="1442977" cy="369332"/>
+            <a:off x="8094087" y="2538506"/>
+            <a:ext cx="2236370" cy="369332"/>
           </a:xfrm>
           <a:prstGeom prst="rect">
             <a:avLst/>
@@ -5687,7 +5689,7 @@
           <a:p>
             <a:r>
               <a:rPr lang="en-US" dirty="0"/>
-              <a:t>Array Emitter</a:t>
+              <a:t>Large Array Emitter</a:t>
             </a:r>
           </a:p>
         </p:txBody>
@@ -5706,7 +5708,7 @@
         </p:nvSpPr>
         <p:spPr>
           <a:xfrm>
-            <a:off x="8782878" y="4165042"/>
+            <a:off x="9575656" y="3798034"/>
             <a:ext cx="1346522" cy="307777"/>
           </a:xfrm>
           <a:prstGeom prst="rect">
@@ -5807,7 +5809,7 @@
         </p:blipFill>
         <p:spPr bwMode="auto">
           <a:xfrm>
-            <a:off x="7383179" y="4657222"/>
+            <a:off x="6947316" y="4427821"/>
             <a:ext cx="513149" cy="433938"/>
           </a:xfrm>
           <a:prstGeom prst="rect">
@@ -5854,7 +5856,7 @@
         </p:blipFill>
         <p:spPr bwMode="auto">
           <a:xfrm>
-            <a:off x="9010096" y="5726026"/>
+            <a:off x="10330457" y="5830028"/>
             <a:ext cx="648978" cy="548800"/>
           </a:xfrm>
           <a:prstGeom prst="rect">
@@ -5886,7 +5888,7 @@
         </p:nvSpPr>
         <p:spPr>
           <a:xfrm>
-            <a:off x="7173842" y="4380223"/>
+            <a:off x="6737979" y="4150822"/>
             <a:ext cx="931822" cy="276999"/>
           </a:xfrm>
           <a:prstGeom prst="rect">
@@ -5964,7 +5966,7 @@
         </p:nvSpPr>
         <p:spPr>
           <a:xfrm>
-            <a:off x="8868674" y="5505448"/>
+            <a:off x="10189035" y="5609450"/>
             <a:ext cx="931822" cy="276999"/>
           </a:xfrm>
           <a:prstGeom prst="rect">
@@ -6018,7 +6020,7 @@
         </p:blipFill>
         <p:spPr bwMode="auto">
           <a:xfrm>
-            <a:off x="8331450" y="4312643"/>
+            <a:off x="9124228" y="3945635"/>
             <a:ext cx="1679115" cy="872207"/>
           </a:xfrm>
           <a:prstGeom prst="rect">

--- a/fig/embedded_frame_to_emitter.pptx
+++ b/fig/embedded_frame_to_emitter.pptx
@@ -2,13 +2,10 @@
 <file path=ppt/presentation.xml><?xml version="1.0" encoding="utf-8"?>
 <p:presentation xmlns:a="http://schemas.openxmlformats.org/drawingml/2006/main" xmlns:r="http://schemas.openxmlformats.org/officeDocument/2006/relationships" xmlns:p="http://schemas.openxmlformats.org/presentationml/2006/main" saveSubsetFonts="1">
   <p:sldMasterIdLst>
-    <p:sldMasterId id="2147483756" r:id="rId1"/>
+    <p:sldMasterId id="2147483648" r:id="rId1"/>
   </p:sldMasterIdLst>
-  <p:notesMasterIdLst>
-    <p:notesMasterId r:id="rId3"/>
-  </p:notesMasterIdLst>
   <p:sldIdLst>
-    <p:sldId id="300" r:id="rId2"/>
+    <p:sldId id="256" r:id="rId2"/>
   </p:sldIdLst>
   <p:sldSz cx="12192000" cy="6858000"/>
   <p:notesSz cx="6858000" cy="9144000"/>
@@ -16,7 +13,7 @@
     <a:defPPr>
       <a:defRPr lang="en-US"/>
     </a:defPPr>
-    <a:lvl1pPr marL="0" algn="l" defTabSz="457200" rtl="0" eaLnBrk="1" latinLnBrk="0" hangingPunct="1">
+    <a:lvl1pPr marL="0" algn="l" defTabSz="914400" rtl="0" eaLnBrk="1" latinLnBrk="0" hangingPunct="1">
       <a:defRPr sz="1800" kern="1200">
         <a:solidFill>
           <a:schemeClr val="tx1"/>
@@ -26,7 +23,7 @@
         <a:cs typeface="+mn-cs"/>
       </a:defRPr>
     </a:lvl1pPr>
-    <a:lvl2pPr marL="457200" algn="l" defTabSz="457200" rtl="0" eaLnBrk="1" latinLnBrk="0" hangingPunct="1">
+    <a:lvl2pPr marL="457200" algn="l" defTabSz="914400" rtl="0" eaLnBrk="1" latinLnBrk="0" hangingPunct="1">
       <a:defRPr sz="1800" kern="1200">
         <a:solidFill>
           <a:schemeClr val="tx1"/>
@@ -36,7 +33,7 @@
         <a:cs typeface="+mn-cs"/>
       </a:defRPr>
     </a:lvl2pPr>
-    <a:lvl3pPr marL="914400" algn="l" defTabSz="457200" rtl="0" eaLnBrk="1" latinLnBrk="0" hangingPunct="1">
+    <a:lvl3pPr marL="914400" algn="l" defTabSz="914400" rtl="0" eaLnBrk="1" latinLnBrk="0" hangingPunct="1">
       <a:defRPr sz="1800" kern="1200">
         <a:solidFill>
           <a:schemeClr val="tx1"/>
@@ -46,7 +43,7 @@
         <a:cs typeface="+mn-cs"/>
       </a:defRPr>
     </a:lvl3pPr>
-    <a:lvl4pPr marL="1371600" algn="l" defTabSz="457200" rtl="0" eaLnBrk="1" latinLnBrk="0" hangingPunct="1">
+    <a:lvl4pPr marL="1371600" algn="l" defTabSz="914400" rtl="0" eaLnBrk="1" latinLnBrk="0" hangingPunct="1">
       <a:defRPr sz="1800" kern="1200">
         <a:solidFill>
           <a:schemeClr val="tx1"/>
@@ -56,7 +53,7 @@
         <a:cs typeface="+mn-cs"/>
       </a:defRPr>
     </a:lvl4pPr>
-    <a:lvl5pPr marL="1828800" algn="l" defTabSz="457200" rtl="0" eaLnBrk="1" latinLnBrk="0" hangingPunct="1">
+    <a:lvl5pPr marL="1828800" algn="l" defTabSz="914400" rtl="0" eaLnBrk="1" latinLnBrk="0" hangingPunct="1">
       <a:defRPr sz="1800" kern="1200">
         <a:solidFill>
           <a:schemeClr val="tx1"/>
@@ -66,7 +63,7 @@
         <a:cs typeface="+mn-cs"/>
       </a:defRPr>
     </a:lvl5pPr>
-    <a:lvl6pPr marL="2286000" algn="l" defTabSz="457200" rtl="0" eaLnBrk="1" latinLnBrk="0" hangingPunct="1">
+    <a:lvl6pPr marL="2286000" algn="l" defTabSz="914400" rtl="0" eaLnBrk="1" latinLnBrk="0" hangingPunct="1">
       <a:defRPr sz="1800" kern="1200">
         <a:solidFill>
           <a:schemeClr val="tx1"/>
@@ -76,7 +73,7 @@
         <a:cs typeface="+mn-cs"/>
       </a:defRPr>
     </a:lvl6pPr>
-    <a:lvl7pPr marL="2743200" algn="l" defTabSz="457200" rtl="0" eaLnBrk="1" latinLnBrk="0" hangingPunct="1">
+    <a:lvl7pPr marL="2743200" algn="l" defTabSz="914400" rtl="0" eaLnBrk="1" latinLnBrk="0" hangingPunct="1">
       <a:defRPr sz="1800" kern="1200">
         <a:solidFill>
           <a:schemeClr val="tx1"/>
@@ -86,7 +83,7 @@
         <a:cs typeface="+mn-cs"/>
       </a:defRPr>
     </a:lvl7pPr>
-    <a:lvl8pPr marL="3200400" algn="l" defTabSz="457200" rtl="0" eaLnBrk="1" latinLnBrk="0" hangingPunct="1">
+    <a:lvl8pPr marL="3200400" algn="l" defTabSz="914400" rtl="0" eaLnBrk="1" latinLnBrk="0" hangingPunct="1">
       <a:defRPr sz="1800" kern="1200">
         <a:solidFill>
           <a:schemeClr val="tx1"/>
@@ -96,7 +93,7 @@
         <a:cs typeface="+mn-cs"/>
       </a:defRPr>
     </a:lvl8pPr>
-    <a:lvl9pPr marL="3657600" algn="l" defTabSz="457200" rtl="0" eaLnBrk="1" latinLnBrk="0" hangingPunct="1">
+    <a:lvl9pPr marL="3657600" algn="l" defTabSz="914400" rtl="0" eaLnBrk="1" latinLnBrk="0" hangingPunct="1">
       <a:defRPr sz="1800" kern="1200">
         <a:solidFill>
           <a:schemeClr val="tx1"/>
@@ -107,22 +104,12 @@
       </a:defRPr>
     </a:lvl9pPr>
   </p:defaultTextStyle>
-  <p:extLst>
-    <p:ext uri="{EFAFB233-063F-42B5-8137-9DF3F51BA10A}">
-      <p15:sldGuideLst xmlns:p15="http://schemas.microsoft.com/office/powerpoint/2012/main"/>
-    </p:ext>
-  </p:extLst>
 </p:presentation>
 </file>
 
-<file path=ppt/notesMasters/notesMaster1.xml><?xml version="1.0" encoding="utf-8"?>
-<p:notesMaster xmlns:a="http://schemas.openxmlformats.org/drawingml/2006/main" xmlns:r="http://schemas.openxmlformats.org/officeDocument/2006/relationships" xmlns:p="http://schemas.openxmlformats.org/presentationml/2006/main">
-  <p:cSld>
-    <p:bg>
-      <p:bgRef idx="1001">
-        <a:schemeClr val="bg1"/>
-      </p:bgRef>
-    </p:bg>
+<file path=ppt/slideLayouts/slideLayout1.xml><?xml version="1.0" encoding="utf-8"?>
+<p:sldLayout xmlns:a="http://schemas.openxmlformats.org/drawingml/2006/main" xmlns:r="http://schemas.openxmlformats.org/officeDocument/2006/relationships" xmlns:p="http://schemas.openxmlformats.org/presentationml/2006/main" type="title" preserve="1">
+  <p:cSld name="Title Slide">
     <p:spTree>
       <p:nvGrpSpPr>
         <p:cNvPr id="1" name=""/>
@@ -139,65 +126,135 @@
       </p:grpSpPr>
       <p:sp>
         <p:nvSpPr>
-          <p:cNvPr id="2" name="Header Placeholder 1"/>
-          <p:cNvSpPr>
-            <a:spLocks noGrp="1"/>
-          </p:cNvSpPr>
-          <p:nvPr>
-            <p:ph type="hdr" sz="quarter"/>
+          <p:cNvPr id="2" name="Title 1">
+            <a:extLst>
+              <a:ext uri="{FF2B5EF4-FFF2-40B4-BE49-F238E27FC236}">
+                <a16:creationId xmlns:a16="http://schemas.microsoft.com/office/drawing/2014/main" id="{99F79C2D-262D-47CE-9615-E970C702E890}"/>
+              </a:ext>
+            </a:extLst>
+          </p:cNvPr>
+          <p:cNvSpPr>
+            <a:spLocks noGrp="1"/>
+          </p:cNvSpPr>
+          <p:nvPr>
+            <p:ph type="ctrTitle"/>
           </p:nvPr>
         </p:nvSpPr>
         <p:spPr>
           <a:xfrm>
-            <a:off x="0" y="0"/>
-            <a:ext cx="2971800" cy="458788"/>
-          </a:xfrm>
-          <a:prstGeom prst="rect">
-            <a:avLst/>
-          </a:prstGeom>
-        </p:spPr>
-        <p:txBody>
-          <a:bodyPr vert="horz" lIns="91440" tIns="45720" rIns="91440" bIns="45720" rtlCol="0"/>
+            <a:off x="1524000" y="1122363"/>
+            <a:ext cx="9144000" cy="2387600"/>
+          </a:xfrm>
+        </p:spPr>
+        <p:txBody>
+          <a:bodyPr anchor="b"/>
           <a:lstStyle>
-            <a:lvl1pPr algn="l">
-              <a:defRPr sz="1200"/>
+            <a:lvl1pPr algn="ctr">
+              <a:defRPr sz="6000"/>
             </a:lvl1pPr>
           </a:lstStyle>
           <a:p>
-            <a:endParaRPr lang="en-US"/>
-          </a:p>
-        </p:txBody>
-      </p:sp>
-      <p:sp>
-        <p:nvSpPr>
-          <p:cNvPr id="3" name="Date Placeholder 2"/>
-          <p:cNvSpPr>
-            <a:spLocks noGrp="1"/>
-          </p:cNvSpPr>
-          <p:nvPr>
-            <p:ph type="dt" idx="1"/>
+            <a:r>
+              <a:rPr lang="en-US"/>
+              <a:t>Click to edit Master title style</a:t>
+            </a:r>
+          </a:p>
+        </p:txBody>
+      </p:sp>
+      <p:sp>
+        <p:nvSpPr>
+          <p:cNvPr id="3" name="Subtitle 2">
+            <a:extLst>
+              <a:ext uri="{FF2B5EF4-FFF2-40B4-BE49-F238E27FC236}">
+                <a16:creationId xmlns:a16="http://schemas.microsoft.com/office/drawing/2014/main" id="{BAF30915-F2DD-4583-9B45-3B6A6DC56B54}"/>
+              </a:ext>
+            </a:extLst>
+          </p:cNvPr>
+          <p:cNvSpPr>
+            <a:spLocks noGrp="1"/>
+          </p:cNvSpPr>
+          <p:nvPr>
+            <p:ph type="subTitle" idx="1"/>
           </p:nvPr>
         </p:nvSpPr>
         <p:spPr>
           <a:xfrm>
-            <a:off x="3884613" y="0"/>
-            <a:ext cx="2971800" cy="458788"/>
-          </a:xfrm>
-          <a:prstGeom prst="rect">
-            <a:avLst/>
-          </a:prstGeom>
-        </p:spPr>
-        <p:txBody>
-          <a:bodyPr vert="horz" lIns="91440" tIns="45720" rIns="91440" bIns="45720" rtlCol="0"/>
+            <a:off x="1524000" y="3602038"/>
+            <a:ext cx="9144000" cy="1655762"/>
+          </a:xfrm>
+        </p:spPr>
+        <p:txBody>
+          <a:bodyPr/>
           <a:lstStyle>
-            <a:lvl1pPr algn="r">
-              <a:defRPr sz="1200"/>
+            <a:lvl1pPr marL="0" indent="0" algn="ctr">
+              <a:buNone/>
+              <a:defRPr sz="2400"/>
             </a:lvl1pPr>
+            <a:lvl2pPr marL="457200" indent="0" algn="ctr">
+              <a:buNone/>
+              <a:defRPr sz="2000"/>
+            </a:lvl2pPr>
+            <a:lvl3pPr marL="914400" indent="0" algn="ctr">
+              <a:buNone/>
+              <a:defRPr sz="1800"/>
+            </a:lvl3pPr>
+            <a:lvl4pPr marL="1371600" indent="0" algn="ctr">
+              <a:buNone/>
+              <a:defRPr sz="1600"/>
+            </a:lvl4pPr>
+            <a:lvl5pPr marL="1828800" indent="0" algn="ctr">
+              <a:buNone/>
+              <a:defRPr sz="1600"/>
+            </a:lvl5pPr>
+            <a:lvl6pPr marL="2286000" indent="0" algn="ctr">
+              <a:buNone/>
+              <a:defRPr sz="1600"/>
+            </a:lvl6pPr>
+            <a:lvl7pPr marL="2743200" indent="0" algn="ctr">
+              <a:buNone/>
+              <a:defRPr sz="1600"/>
+            </a:lvl7pPr>
+            <a:lvl8pPr marL="3200400" indent="0" algn="ctr">
+              <a:buNone/>
+              <a:defRPr sz="1600"/>
+            </a:lvl8pPr>
+            <a:lvl9pPr marL="3657600" indent="0" algn="ctr">
+              <a:buNone/>
+              <a:defRPr sz="1600"/>
+            </a:lvl9pPr>
           </a:lstStyle>
           <a:p>
-            <a:fld id="{62C99043-9FC5-4BF5-BD58-60C9FB78D318}" type="datetimeFigureOut">
+            <a:r>
+              <a:rPr lang="en-US"/>
+              <a:t>Click to edit Master subtitle style</a:t>
+            </a:r>
+          </a:p>
+        </p:txBody>
+      </p:sp>
+      <p:sp>
+        <p:nvSpPr>
+          <p:cNvPr id="4" name="Date Placeholder 3">
+            <a:extLst>
+              <a:ext uri="{FF2B5EF4-FFF2-40B4-BE49-F238E27FC236}">
+                <a16:creationId xmlns:a16="http://schemas.microsoft.com/office/drawing/2014/main" id="{52F0F818-A179-4B75-B691-1485FE133741}"/>
+              </a:ext>
+            </a:extLst>
+          </p:cNvPr>
+          <p:cNvSpPr>
+            <a:spLocks noGrp="1"/>
+          </p:cNvSpPr>
+          <p:nvPr>
+            <p:ph type="dt" sz="half" idx="10"/>
+          </p:nvPr>
+        </p:nvSpPr>
+        <p:spPr/>
+        <p:txBody>
+          <a:bodyPr/>
+          <a:lstStyle/>
+          <a:p>
+            <a:fld id="{D232AAB5-972F-441E-8D23-4C60FE1A280B}" type="datetimeFigureOut">
               <a:rPr lang="en-US" smtClean="0"/>
-              <a:t>11/26/2020</a:t>
+              <a:t>12/1/2020</a:t>
             </a:fld>
             <a:endParaRPr lang="en-US"/>
           </a:p>
@@ -205,31 +262,23 @@
       </p:sp>
       <p:sp>
         <p:nvSpPr>
-          <p:cNvPr id="4" name="Slide Image Placeholder 3"/>
-          <p:cNvSpPr>
-            <a:spLocks noGrp="1" noRot="1" noChangeAspect="1"/>
-          </p:cNvSpPr>
-          <p:nvPr>
-            <p:ph type="sldImg" idx="2"/>
-          </p:nvPr>
-        </p:nvSpPr>
-        <p:spPr>
-          <a:xfrm>
-            <a:off x="685800" y="1143000"/>
-            <a:ext cx="5486400" cy="3086100"/>
-          </a:xfrm>
-          <a:prstGeom prst="rect">
-            <a:avLst/>
-          </a:prstGeom>
-          <a:noFill/>
-          <a:ln w="12700">
-            <a:solidFill>
-              <a:prstClr val="black"/>
-            </a:solidFill>
-          </a:ln>
-        </p:spPr>
-        <p:txBody>
-          <a:bodyPr vert="horz" lIns="91440" tIns="45720" rIns="91440" bIns="45720" rtlCol="0" anchor="ctr"/>
+          <p:cNvPr id="5" name="Footer Placeholder 4">
+            <a:extLst>
+              <a:ext uri="{FF2B5EF4-FFF2-40B4-BE49-F238E27FC236}">
+                <a16:creationId xmlns:a16="http://schemas.microsoft.com/office/drawing/2014/main" id="{D2D41937-B559-4AEA-A38A-6E6AE262FAB1}"/>
+              </a:ext>
+            </a:extLst>
+          </p:cNvPr>
+          <p:cNvSpPr>
+            <a:spLocks noGrp="1"/>
+          </p:cNvSpPr>
+          <p:nvPr>
+            <p:ph type="ftr" sz="quarter" idx="11"/>
+          </p:nvPr>
+        </p:nvSpPr>
+        <p:spPr/>
+        <p:txBody>
+          <a:bodyPr/>
           <a:lstStyle/>
           <a:p>
             <a:endParaRPr lang="en-US"/>
@@ -238,122 +287,26 @@
       </p:sp>
       <p:sp>
         <p:nvSpPr>
-          <p:cNvPr id="5" name="Notes Placeholder 4"/>
-          <p:cNvSpPr>
-            <a:spLocks noGrp="1"/>
-          </p:cNvSpPr>
-          <p:nvPr>
-            <p:ph type="body" sz="quarter" idx="3"/>
-          </p:nvPr>
-        </p:nvSpPr>
-        <p:spPr>
-          <a:xfrm>
-            <a:off x="685800" y="4400550"/>
-            <a:ext cx="5486400" cy="3600450"/>
-          </a:xfrm>
-          <a:prstGeom prst="rect">
-            <a:avLst/>
-          </a:prstGeom>
-        </p:spPr>
-        <p:txBody>
-          <a:bodyPr vert="horz" lIns="91440" tIns="45720" rIns="91440" bIns="45720" rtlCol="0"/>
-          <a:lstStyle/>
-          <a:p>
-            <a:pPr lvl="0"/>
-            <a:r>
-              <a:rPr lang="en-US"/>
-              <a:t>Edit Master text styles</a:t>
-            </a:r>
-          </a:p>
-          <a:p>
-            <a:pPr lvl="1"/>
-            <a:r>
-              <a:rPr lang="en-US"/>
-              <a:t>Second level</a:t>
-            </a:r>
-          </a:p>
-          <a:p>
-            <a:pPr lvl="2"/>
-            <a:r>
-              <a:rPr lang="en-US"/>
-              <a:t>Third level</a:t>
-            </a:r>
-          </a:p>
-          <a:p>
-            <a:pPr lvl="3"/>
-            <a:r>
-              <a:rPr lang="en-US"/>
-              <a:t>Fourth level</a:t>
-            </a:r>
-          </a:p>
-          <a:p>
-            <a:pPr lvl="4"/>
-            <a:r>
-              <a:rPr lang="en-US"/>
-              <a:t>Fifth level</a:t>
-            </a:r>
-          </a:p>
-        </p:txBody>
-      </p:sp>
-      <p:sp>
-        <p:nvSpPr>
-          <p:cNvPr id="6" name="Footer Placeholder 5"/>
-          <p:cNvSpPr>
-            <a:spLocks noGrp="1"/>
-          </p:cNvSpPr>
-          <p:nvPr>
-            <p:ph type="ftr" sz="quarter" idx="4"/>
-          </p:nvPr>
-        </p:nvSpPr>
-        <p:spPr>
-          <a:xfrm>
-            <a:off x="0" y="8685213"/>
-            <a:ext cx="2971800" cy="458787"/>
-          </a:xfrm>
-          <a:prstGeom prst="rect">
-            <a:avLst/>
-          </a:prstGeom>
-        </p:spPr>
-        <p:txBody>
-          <a:bodyPr vert="horz" lIns="91440" tIns="45720" rIns="91440" bIns="45720" rtlCol="0" anchor="b"/>
-          <a:lstStyle>
-            <a:lvl1pPr algn="l">
-              <a:defRPr sz="1200"/>
-            </a:lvl1pPr>
-          </a:lstStyle>
-          <a:p>
-            <a:endParaRPr lang="en-US"/>
-          </a:p>
-        </p:txBody>
-      </p:sp>
-      <p:sp>
-        <p:nvSpPr>
-          <p:cNvPr id="7" name="Slide Number Placeholder 6"/>
-          <p:cNvSpPr>
-            <a:spLocks noGrp="1"/>
-          </p:cNvSpPr>
-          <p:nvPr>
-            <p:ph type="sldNum" sz="quarter" idx="5"/>
-          </p:nvPr>
-        </p:nvSpPr>
-        <p:spPr>
-          <a:xfrm>
-            <a:off x="3884613" y="8685213"/>
-            <a:ext cx="2971800" cy="458787"/>
-          </a:xfrm>
-          <a:prstGeom prst="rect">
-            <a:avLst/>
-          </a:prstGeom>
-        </p:spPr>
-        <p:txBody>
-          <a:bodyPr vert="horz" lIns="91440" tIns="45720" rIns="91440" bIns="45720" rtlCol="0" anchor="b"/>
-          <a:lstStyle>
-            <a:lvl1pPr algn="r">
-              <a:defRPr sz="1200"/>
-            </a:lvl1pPr>
-          </a:lstStyle>
-          <a:p>
-            <a:fld id="{247864EC-9423-43F7-BA4E-B899B5D8A0CC}" type="slidenum">
+          <p:cNvPr id="6" name="Slide Number Placeholder 5">
+            <a:extLst>
+              <a:ext uri="{FF2B5EF4-FFF2-40B4-BE49-F238E27FC236}">
+                <a16:creationId xmlns:a16="http://schemas.microsoft.com/office/drawing/2014/main" id="{C5094CE8-E98F-4B29-9F20-EE7D697BD25B}"/>
+              </a:ext>
+            </a:extLst>
+          </p:cNvPr>
+          <p:cNvSpPr>
+            <a:spLocks noGrp="1"/>
+          </p:cNvSpPr>
+          <p:nvPr>
+            <p:ph type="sldNum" sz="quarter" idx="12"/>
+          </p:nvPr>
+        </p:nvSpPr>
+        <p:spPr/>
+        <p:txBody>
+          <a:bodyPr/>
+          <a:lstStyle/>
+          <a:p>
+            <a:fld id="{635447A4-35D3-4552-88EF-B58717EEFE40}" type="slidenum">
               <a:rPr lang="en-US" smtClean="0"/>
               <a:t>‹#›</a:t>
             </a:fld>
@@ -364,486 +317,7 @@
     </p:spTree>
     <p:extLst>
       <p:ext uri="{BB962C8B-B14F-4D97-AF65-F5344CB8AC3E}">
-        <p14:creationId xmlns:p14="http://schemas.microsoft.com/office/powerpoint/2010/main" val="3910178194"/>
-      </p:ext>
-    </p:extLst>
-  </p:cSld>
-  <p:clrMap bg1="lt1" tx1="dk1" bg2="lt2" tx2="dk2" accent1="accent1" accent2="accent2" accent3="accent3" accent4="accent4" accent5="accent5" accent6="accent6" hlink="hlink" folHlink="folHlink"/>
-  <p:notesStyle>
-    <a:lvl1pPr marL="0" algn="l" defTabSz="914400" rtl="0" eaLnBrk="1" latinLnBrk="0" hangingPunct="1">
-      <a:defRPr sz="1200" kern="1200">
-        <a:solidFill>
-          <a:schemeClr val="tx1"/>
-        </a:solidFill>
-        <a:latin typeface="+mn-lt"/>
-        <a:ea typeface="+mn-ea"/>
-        <a:cs typeface="+mn-cs"/>
-      </a:defRPr>
-    </a:lvl1pPr>
-    <a:lvl2pPr marL="457200" algn="l" defTabSz="914400" rtl="0" eaLnBrk="1" latinLnBrk="0" hangingPunct="1">
-      <a:defRPr sz="1200" kern="1200">
-        <a:solidFill>
-          <a:schemeClr val="tx1"/>
-        </a:solidFill>
-        <a:latin typeface="+mn-lt"/>
-        <a:ea typeface="+mn-ea"/>
-        <a:cs typeface="+mn-cs"/>
-      </a:defRPr>
-    </a:lvl2pPr>
-    <a:lvl3pPr marL="914400" algn="l" defTabSz="914400" rtl="0" eaLnBrk="1" latinLnBrk="0" hangingPunct="1">
-      <a:defRPr sz="1200" kern="1200">
-        <a:solidFill>
-          <a:schemeClr val="tx1"/>
-        </a:solidFill>
-        <a:latin typeface="+mn-lt"/>
-        <a:ea typeface="+mn-ea"/>
-        <a:cs typeface="+mn-cs"/>
-      </a:defRPr>
-    </a:lvl3pPr>
-    <a:lvl4pPr marL="1371600" algn="l" defTabSz="914400" rtl="0" eaLnBrk="1" latinLnBrk="0" hangingPunct="1">
-      <a:defRPr sz="1200" kern="1200">
-        <a:solidFill>
-          <a:schemeClr val="tx1"/>
-        </a:solidFill>
-        <a:latin typeface="+mn-lt"/>
-        <a:ea typeface="+mn-ea"/>
-        <a:cs typeface="+mn-cs"/>
-      </a:defRPr>
-    </a:lvl4pPr>
-    <a:lvl5pPr marL="1828800" algn="l" defTabSz="914400" rtl="0" eaLnBrk="1" latinLnBrk="0" hangingPunct="1">
-      <a:defRPr sz="1200" kern="1200">
-        <a:solidFill>
-          <a:schemeClr val="tx1"/>
-        </a:solidFill>
-        <a:latin typeface="+mn-lt"/>
-        <a:ea typeface="+mn-ea"/>
-        <a:cs typeface="+mn-cs"/>
-      </a:defRPr>
-    </a:lvl5pPr>
-    <a:lvl6pPr marL="2286000" algn="l" defTabSz="914400" rtl="0" eaLnBrk="1" latinLnBrk="0" hangingPunct="1">
-      <a:defRPr sz="1200" kern="1200">
-        <a:solidFill>
-          <a:schemeClr val="tx1"/>
-        </a:solidFill>
-        <a:latin typeface="+mn-lt"/>
-        <a:ea typeface="+mn-ea"/>
-        <a:cs typeface="+mn-cs"/>
-      </a:defRPr>
-    </a:lvl6pPr>
-    <a:lvl7pPr marL="2743200" algn="l" defTabSz="914400" rtl="0" eaLnBrk="1" latinLnBrk="0" hangingPunct="1">
-      <a:defRPr sz="1200" kern="1200">
-        <a:solidFill>
-          <a:schemeClr val="tx1"/>
-        </a:solidFill>
-        <a:latin typeface="+mn-lt"/>
-        <a:ea typeface="+mn-ea"/>
-        <a:cs typeface="+mn-cs"/>
-      </a:defRPr>
-    </a:lvl7pPr>
-    <a:lvl8pPr marL="3200400" algn="l" defTabSz="914400" rtl="0" eaLnBrk="1" latinLnBrk="0" hangingPunct="1">
-      <a:defRPr sz="1200" kern="1200">
-        <a:solidFill>
-          <a:schemeClr val="tx1"/>
-        </a:solidFill>
-        <a:latin typeface="+mn-lt"/>
-        <a:ea typeface="+mn-ea"/>
-        <a:cs typeface="+mn-cs"/>
-      </a:defRPr>
-    </a:lvl8pPr>
-    <a:lvl9pPr marL="3657600" algn="l" defTabSz="914400" rtl="0" eaLnBrk="1" latinLnBrk="0" hangingPunct="1">
-      <a:defRPr sz="1200" kern="1200">
-        <a:solidFill>
-          <a:schemeClr val="tx1"/>
-        </a:solidFill>
-        <a:latin typeface="+mn-lt"/>
-        <a:ea typeface="+mn-ea"/>
-        <a:cs typeface="+mn-cs"/>
-      </a:defRPr>
-    </a:lvl9pPr>
-  </p:notesStyle>
-</p:notesMaster>
-</file>
-
-<file path=ppt/slideLayouts/slideLayout1.xml><?xml version="1.0" encoding="utf-8"?>
-<p:sldLayout xmlns:a="http://schemas.openxmlformats.org/drawingml/2006/main" xmlns:r="http://schemas.openxmlformats.org/officeDocument/2006/relationships" xmlns:p="http://schemas.openxmlformats.org/presentationml/2006/main" showMasterSp="0" type="title" preserve="1">
-  <p:cSld name="Title Slide">
-    <p:bg>
-      <p:bgPr>
-        <a:solidFill>
-          <a:schemeClr val="accent1"/>
-        </a:solidFill>
-        <a:effectLst/>
-      </p:bgPr>
-    </p:bg>
-    <p:spTree>
-      <p:nvGrpSpPr>
-        <p:cNvPr id="1" name=""/>
-        <p:cNvGrpSpPr/>
-        <p:nvPr/>
-      </p:nvGrpSpPr>
-      <p:grpSpPr>
-        <a:xfrm>
-          <a:off x="0" y="0"/>
-          <a:ext cx="0" cy="0"/>
-          <a:chOff x="0" y="0"/>
-          <a:chExt cx="0" cy="0"/>
-        </a:xfrm>
-      </p:grpSpPr>
-      <p:sp>
-        <p:nvSpPr>
-          <p:cNvPr id="2" name="Title 1"/>
-          <p:cNvSpPr>
-            <a:spLocks noGrp="1"/>
-          </p:cNvSpPr>
-          <p:nvPr>
-            <p:ph type="ctrTitle"/>
-          </p:nvPr>
-        </p:nvSpPr>
-        <p:spPr>
-          <a:xfrm>
-            <a:off x="1915128" y="1788454"/>
-            <a:ext cx="8361229" cy="2098226"/>
-          </a:xfrm>
-        </p:spPr>
-        <p:txBody>
-          <a:bodyPr anchor="b">
-            <a:noAutofit/>
-          </a:bodyPr>
-          <a:lstStyle>
-            <a:lvl1pPr algn="ctr">
-              <a:defRPr sz="7200" cap="all" baseline="0">
-                <a:solidFill>
-                  <a:schemeClr val="tx2"/>
-                </a:solidFill>
-              </a:defRPr>
-            </a:lvl1pPr>
-          </a:lstStyle>
-          <a:p>
-            <a:r>
-              <a:rPr lang="en-US"/>
-              <a:t>Click to edit Master title style</a:t>
-            </a:r>
-            <a:endParaRPr lang="en-US" dirty="0"/>
-          </a:p>
-        </p:txBody>
-      </p:sp>
-      <p:sp>
-        <p:nvSpPr>
-          <p:cNvPr id="3" name="Subtitle 2"/>
-          <p:cNvSpPr>
-            <a:spLocks noGrp="1"/>
-          </p:cNvSpPr>
-          <p:nvPr>
-            <p:ph type="subTitle" idx="1"/>
-          </p:nvPr>
-        </p:nvSpPr>
-        <p:spPr>
-          <a:xfrm>
-            <a:off x="2679906" y="3956279"/>
-            <a:ext cx="6831673" cy="1086237"/>
-          </a:xfrm>
-        </p:spPr>
-        <p:txBody>
-          <a:bodyPr>
-            <a:normAutofit/>
-          </a:bodyPr>
-          <a:lstStyle>
-            <a:lvl1pPr marL="0" indent="0" algn="ctr">
-              <a:lnSpc>
-                <a:spcPct val="112000"/>
-              </a:lnSpc>
-              <a:spcBef>
-                <a:spcPts val="0"/>
-              </a:spcBef>
-              <a:spcAft>
-                <a:spcPts val="0"/>
-              </a:spcAft>
-              <a:buNone/>
-              <a:defRPr sz="2300">
-                <a:solidFill>
-                  <a:schemeClr val="bg2"/>
-                </a:solidFill>
-              </a:defRPr>
-            </a:lvl1pPr>
-            <a:lvl2pPr marL="457200" indent="0" algn="ctr">
-              <a:buNone/>
-              <a:defRPr sz="2000"/>
-            </a:lvl2pPr>
-            <a:lvl3pPr marL="914400" indent="0" algn="ctr">
-              <a:buNone/>
-              <a:defRPr sz="1800"/>
-            </a:lvl3pPr>
-            <a:lvl4pPr marL="1371600" indent="0" algn="ctr">
-              <a:buNone/>
-              <a:defRPr sz="1600"/>
-            </a:lvl4pPr>
-            <a:lvl5pPr marL="1828800" indent="0" algn="ctr">
-              <a:buNone/>
-              <a:defRPr sz="1600"/>
-            </a:lvl5pPr>
-            <a:lvl6pPr marL="2286000" indent="0" algn="ctr">
-              <a:buNone/>
-              <a:defRPr sz="1600"/>
-            </a:lvl6pPr>
-            <a:lvl7pPr marL="2743200" indent="0" algn="ctr">
-              <a:buNone/>
-              <a:defRPr sz="1600"/>
-            </a:lvl7pPr>
-            <a:lvl8pPr marL="3200400" indent="0" algn="ctr">
-              <a:buNone/>
-              <a:defRPr sz="1600"/>
-            </a:lvl8pPr>
-            <a:lvl9pPr marL="3657600" indent="0" algn="ctr">
-              <a:buNone/>
-              <a:defRPr sz="1600"/>
-            </a:lvl9pPr>
-          </a:lstStyle>
-          <a:p>
-            <a:r>
-              <a:rPr lang="en-US"/>
-              <a:t>Click to edit Master subtitle style</a:t>
-            </a:r>
-            <a:endParaRPr lang="en-US" dirty="0"/>
-          </a:p>
-        </p:txBody>
-      </p:sp>
-      <p:sp>
-        <p:nvSpPr>
-          <p:cNvPr id="4" name="Date Placeholder 3"/>
-          <p:cNvSpPr>
-            <a:spLocks noGrp="1"/>
-          </p:cNvSpPr>
-          <p:nvPr>
-            <p:ph type="dt" sz="half" idx="10"/>
-          </p:nvPr>
-        </p:nvSpPr>
-        <p:spPr>
-          <a:xfrm>
-            <a:off x="752858" y="6453386"/>
-            <a:ext cx="1607944" cy="404614"/>
-          </a:xfrm>
-        </p:spPr>
-        <p:txBody>
-          <a:bodyPr/>
-          <a:lstStyle>
-            <a:lvl1pPr>
-              <a:defRPr baseline="0">
-                <a:solidFill>
-                  <a:schemeClr val="tx2"/>
-                </a:solidFill>
-              </a:defRPr>
-            </a:lvl1pPr>
-          </a:lstStyle>
-          <a:p>
-            <a:fld id="{D1F97E29-0E3F-4B99-A9ED-470A1831EC9F}" type="datetime1">
-              <a:rPr lang="en-US" smtClean="0"/>
-              <a:t>11/26/2020</a:t>
-            </a:fld>
-            <a:endParaRPr lang="en-US"/>
-          </a:p>
-        </p:txBody>
-      </p:sp>
-      <p:sp>
-        <p:nvSpPr>
-          <p:cNvPr id="5" name="Footer Placeholder 4"/>
-          <p:cNvSpPr>
-            <a:spLocks noGrp="1"/>
-          </p:cNvSpPr>
-          <p:nvPr>
-            <p:ph type="ftr" sz="quarter" idx="11"/>
-          </p:nvPr>
-        </p:nvSpPr>
-        <p:spPr>
-          <a:xfrm>
-            <a:off x="2584054" y="6453386"/>
-            <a:ext cx="7023377" cy="404614"/>
-          </a:xfrm>
-        </p:spPr>
-        <p:txBody>
-          <a:bodyPr/>
-          <a:lstStyle>
-            <a:lvl1pPr algn="ctr">
-              <a:defRPr baseline="0">
-                <a:solidFill>
-                  <a:schemeClr val="tx2"/>
-                </a:solidFill>
-              </a:defRPr>
-            </a:lvl1pPr>
-          </a:lstStyle>
-          <a:p>
-            <a:endParaRPr lang="en-US"/>
-          </a:p>
-        </p:txBody>
-      </p:sp>
-      <p:sp>
-        <p:nvSpPr>
-          <p:cNvPr id="6" name="Slide Number Placeholder 5"/>
-          <p:cNvSpPr>
-            <a:spLocks noGrp="1"/>
-          </p:cNvSpPr>
-          <p:nvPr>
-            <p:ph type="sldNum" sz="quarter" idx="12"/>
-          </p:nvPr>
-        </p:nvSpPr>
-        <p:spPr>
-          <a:xfrm>
-            <a:off x="9830683" y="6453386"/>
-            <a:ext cx="1596292" cy="404614"/>
-          </a:xfrm>
-        </p:spPr>
-        <p:txBody>
-          <a:bodyPr/>
-          <a:lstStyle>
-            <a:lvl1pPr>
-              <a:defRPr baseline="0">
-                <a:solidFill>
-                  <a:schemeClr val="tx2"/>
-                </a:solidFill>
-              </a:defRPr>
-            </a:lvl1pPr>
-          </a:lstStyle>
-          <a:p>
-            <a:fld id="{F028C567-C893-478B-8134-9B7E019C1A37}" type="slidenum">
-              <a:rPr lang="en-US" smtClean="0"/>
-              <a:t>‹#›</a:t>
-            </a:fld>
-            <a:endParaRPr lang="en-US"/>
-          </a:p>
-        </p:txBody>
-      </p:sp>
-      <p:grpSp>
-        <p:nvGrpSpPr>
-          <p:cNvPr id="9" name="Group 8"/>
-          <p:cNvGrpSpPr/>
-          <p:nvPr/>
-        </p:nvGrpSpPr>
-        <p:grpSpPr>
-          <a:xfrm>
-            <a:off x="752858" y="744469"/>
-            <a:ext cx="10674117" cy="5349671"/>
-            <a:chOff x="752858" y="744469"/>
-            <a:chExt cx="10674117" cy="5349671"/>
-          </a:xfrm>
-        </p:grpSpPr>
-        <p:sp>
-          <p:nvSpPr>
-            <p:cNvPr id="11" name="Freeform 6"/>
-            <p:cNvSpPr/>
-            <p:nvPr/>
-          </p:nvSpPr>
-          <p:spPr bwMode="auto">
-            <a:xfrm>
-              <a:off x="8151962" y="1685652"/>
-              <a:ext cx="3275013" cy="4408488"/>
-            </a:xfrm>
-            <a:custGeom>
-              <a:avLst/>
-              <a:gdLst/>
-              <a:ahLst/>
-              <a:cxnLst/>
-              <a:rect l="l" t="t" r="r" b="b"/>
-              <a:pathLst>
-                <a:path w="10000" h="10000">
-                  <a:moveTo>
-                    <a:pt x="8761" y="0"/>
-                  </a:moveTo>
-                  <a:lnTo>
-                    <a:pt x="10000" y="0"/>
-                  </a:lnTo>
-                  <a:lnTo>
-                    <a:pt x="10000" y="10000"/>
-                  </a:lnTo>
-                  <a:lnTo>
-                    <a:pt x="0" y="10000"/>
-                  </a:lnTo>
-                  <a:lnTo>
-                    <a:pt x="0" y="9126"/>
-                  </a:lnTo>
-                  <a:lnTo>
-                    <a:pt x="8761" y="9127"/>
-                  </a:lnTo>
-                  <a:lnTo>
-                    <a:pt x="8761" y="0"/>
-                  </a:lnTo>
-                  <a:close/>
-                </a:path>
-              </a:pathLst>
-            </a:custGeom>
-            <a:solidFill>
-              <a:schemeClr val="tx2"/>
-            </a:solidFill>
-            <a:ln w="0">
-              <a:noFill/>
-              <a:prstDash val="solid"/>
-              <a:round/>
-              <a:headEnd/>
-              <a:tailEnd/>
-            </a:ln>
-          </p:spPr>
-        </p:sp>
-        <p:sp>
-          <p:nvSpPr>
-            <p:cNvPr id="14" name="Freeform 6"/>
-            <p:cNvSpPr/>
-            <p:nvPr/>
-          </p:nvSpPr>
-          <p:spPr bwMode="auto">
-            <a:xfrm flipH="1" flipV="1">
-              <a:off x="752858" y="744469"/>
-              <a:ext cx="3275668" cy="4408488"/>
-            </a:xfrm>
-            <a:custGeom>
-              <a:avLst/>
-              <a:gdLst/>
-              <a:ahLst/>
-              <a:cxnLst/>
-              <a:rect l="l" t="t" r="r" b="b"/>
-              <a:pathLst>
-                <a:path w="10002" h="10000">
-                  <a:moveTo>
-                    <a:pt x="8763" y="0"/>
-                  </a:moveTo>
-                  <a:lnTo>
-                    <a:pt x="10002" y="0"/>
-                  </a:lnTo>
-                  <a:lnTo>
-                    <a:pt x="10002" y="10000"/>
-                  </a:lnTo>
-                  <a:lnTo>
-                    <a:pt x="2" y="10000"/>
-                  </a:lnTo>
-                  <a:cubicBezTo>
-                    <a:pt x="-2" y="9698"/>
-                    <a:pt x="4" y="9427"/>
-                    <a:pt x="0" y="9125"/>
-                  </a:cubicBezTo>
-                  <a:lnTo>
-                    <a:pt x="8763" y="9128"/>
-                  </a:lnTo>
-                  <a:lnTo>
-                    <a:pt x="8763" y="0"/>
-                  </a:lnTo>
-                  <a:close/>
-                </a:path>
-              </a:pathLst>
-            </a:custGeom>
-            <a:solidFill>
-              <a:schemeClr val="tx2"/>
-            </a:solidFill>
-            <a:ln w="0">
-              <a:noFill/>
-              <a:prstDash val="solid"/>
-              <a:round/>
-              <a:headEnd/>
-              <a:tailEnd/>
-            </a:ln>
-          </p:spPr>
-        </p:sp>
-      </p:grpSp>
-    </p:spTree>
-    <p:extLst>
-      <p:ext uri="{BB962C8B-B14F-4D97-AF65-F5344CB8AC3E}">
-        <p14:creationId xmlns:p14="http://schemas.microsoft.com/office/powerpoint/2010/main" val="2527456766"/>
+        <p14:creationId xmlns:p14="http://schemas.microsoft.com/office/powerpoint/2010/main" val="1555896291"/>
       </p:ext>
     </p:extLst>
   </p:cSld>
@@ -872,7 +346,13 @@
       </p:grpSpPr>
       <p:sp>
         <p:nvSpPr>
-          <p:cNvPr id="2" name="Title 1"/>
+          <p:cNvPr id="2" name="Title 1">
+            <a:extLst>
+              <a:ext uri="{FF2B5EF4-FFF2-40B4-BE49-F238E27FC236}">
+                <a16:creationId xmlns:a16="http://schemas.microsoft.com/office/drawing/2014/main" id="{C70F50AB-1B8C-4980-9D74-D487F829ECBC}"/>
+              </a:ext>
+            </a:extLst>
+          </p:cNvPr>
           <p:cNvSpPr>
             <a:spLocks noGrp="1"/>
           </p:cNvSpPr>
@@ -889,13 +369,18 @@
               <a:rPr lang="en-US"/>
               <a:t>Click to edit Master title style</a:t>
             </a:r>
-            <a:endParaRPr lang="en-US" dirty="0"/>
-          </a:p>
-        </p:txBody>
-      </p:sp>
-      <p:sp>
-        <p:nvSpPr>
-          <p:cNvPr id="3" name="Vertical Text Placeholder 2"/>
+          </a:p>
+        </p:txBody>
+      </p:sp>
+      <p:sp>
+        <p:nvSpPr>
+          <p:cNvPr id="3" name="Vertical Text Placeholder 2">
+            <a:extLst>
+              <a:ext uri="{FF2B5EF4-FFF2-40B4-BE49-F238E27FC236}">
+                <a16:creationId xmlns:a16="http://schemas.microsoft.com/office/drawing/2014/main" id="{7A6D4107-8CBE-4151-9F66-1B7E25909ED4}"/>
+              </a:ext>
+            </a:extLst>
+          </p:cNvPr>
           <p:cNvSpPr>
             <a:spLocks noGrp="1"/>
           </p:cNvSpPr>
@@ -903,12 +388,7 @@
             <p:ph type="body" orient="vert" idx="1"/>
           </p:nvPr>
         </p:nvSpPr>
-        <p:spPr>
-          <a:xfrm>
-            <a:off x="1371600" y="2295525"/>
-            <a:ext cx="9601200" cy="3571875"/>
-          </a:xfrm>
-        </p:spPr>
+        <p:spPr/>
         <p:txBody>
           <a:bodyPr vert="eaVert"/>
           <a:lstStyle/>
@@ -946,13 +426,18 @@
               <a:rPr lang="en-US"/>
               <a:t>Fifth level</a:t>
             </a:r>
-            <a:endParaRPr lang="en-US" dirty="0"/>
-          </a:p>
-        </p:txBody>
-      </p:sp>
-      <p:sp>
-        <p:nvSpPr>
-          <p:cNvPr id="4" name="Date Placeholder 3"/>
+          </a:p>
+        </p:txBody>
+      </p:sp>
+      <p:sp>
+        <p:nvSpPr>
+          <p:cNvPr id="4" name="Date Placeholder 3">
+            <a:extLst>
+              <a:ext uri="{FF2B5EF4-FFF2-40B4-BE49-F238E27FC236}">
+                <a16:creationId xmlns:a16="http://schemas.microsoft.com/office/drawing/2014/main" id="{D996BF1E-74DC-44AC-B058-DF1A74BA5A76}"/>
+              </a:ext>
+            </a:extLst>
+          </p:cNvPr>
           <p:cNvSpPr>
             <a:spLocks noGrp="1"/>
           </p:cNvSpPr>
@@ -965,9 +450,9 @@
           <a:bodyPr/>
           <a:lstStyle/>
           <a:p>
-            <a:fld id="{8E01B7D2-C181-4B9D-9C09-218A8EA96AB7}" type="datetime1">
+            <a:fld id="{D232AAB5-972F-441E-8D23-4C60FE1A280B}" type="datetimeFigureOut">
               <a:rPr lang="en-US" smtClean="0"/>
-              <a:t>11/26/2020</a:t>
+              <a:t>12/1/2020</a:t>
             </a:fld>
             <a:endParaRPr lang="en-US"/>
           </a:p>
@@ -975,7 +460,13 @@
       </p:sp>
       <p:sp>
         <p:nvSpPr>
-          <p:cNvPr id="5" name="Footer Placeholder 4"/>
+          <p:cNvPr id="5" name="Footer Placeholder 4">
+            <a:extLst>
+              <a:ext uri="{FF2B5EF4-FFF2-40B4-BE49-F238E27FC236}">
+                <a16:creationId xmlns:a16="http://schemas.microsoft.com/office/drawing/2014/main" id="{497A6E8E-688F-4B38-9DE1-862FFE438C82}"/>
+              </a:ext>
+            </a:extLst>
+          </p:cNvPr>
           <p:cNvSpPr>
             <a:spLocks noGrp="1"/>
           </p:cNvSpPr>
@@ -994,7 +485,13 @@
       </p:sp>
       <p:sp>
         <p:nvSpPr>
-          <p:cNvPr id="6" name="Slide Number Placeholder 5"/>
+          <p:cNvPr id="6" name="Slide Number Placeholder 5">
+            <a:extLst>
+              <a:ext uri="{FF2B5EF4-FFF2-40B4-BE49-F238E27FC236}">
+                <a16:creationId xmlns:a16="http://schemas.microsoft.com/office/drawing/2014/main" id="{B4363AD6-EA93-4B9D-A145-3E8BF7DB3689}"/>
+              </a:ext>
+            </a:extLst>
+          </p:cNvPr>
           <p:cNvSpPr>
             <a:spLocks noGrp="1"/>
           </p:cNvSpPr>
@@ -1007,7 +504,7 @@
           <a:bodyPr/>
           <a:lstStyle/>
           <a:p>
-            <a:fld id="{F028C567-C893-478B-8134-9B7E019C1A37}" type="slidenum">
+            <a:fld id="{635447A4-35D3-4552-88EF-B58717EEFE40}" type="slidenum">
               <a:rPr lang="en-US" smtClean="0"/>
               <a:t>‹#›</a:t>
             </a:fld>
@@ -1018,7 +515,7 @@
     </p:spTree>
     <p:extLst>
       <p:ext uri="{BB962C8B-B14F-4D97-AF65-F5344CB8AC3E}">
-        <p14:creationId xmlns:p14="http://schemas.microsoft.com/office/powerpoint/2010/main" val="3845715009"/>
+        <p14:creationId xmlns:p14="http://schemas.microsoft.com/office/powerpoint/2010/main" val="1230819121"/>
       </p:ext>
     </p:extLst>
   </p:cSld>
@@ -1047,7 +544,13 @@
       </p:grpSpPr>
       <p:sp>
         <p:nvSpPr>
-          <p:cNvPr id="2" name="Vertical Title 1"/>
+          <p:cNvPr id="2" name="Vertical Title 1">
+            <a:extLst>
+              <a:ext uri="{FF2B5EF4-FFF2-40B4-BE49-F238E27FC236}">
+                <a16:creationId xmlns:a16="http://schemas.microsoft.com/office/drawing/2014/main" id="{14238104-ED37-4D43-A126-796D6FBB422B}"/>
+              </a:ext>
+            </a:extLst>
+          </p:cNvPr>
           <p:cNvSpPr>
             <a:spLocks noGrp="1"/>
           </p:cNvSpPr>
@@ -1057,8 +560,8 @@
         </p:nvSpPr>
         <p:spPr>
           <a:xfrm>
-            <a:off x="9596561" y="624156"/>
-            <a:ext cx="1565766" cy="5243244"/>
+            <a:off x="8724900" y="365125"/>
+            <a:ext cx="2628900" cy="5811838"/>
           </a:xfrm>
         </p:spPr>
         <p:txBody>
@@ -1069,13 +572,18 @@
               <a:rPr lang="en-US"/>
               <a:t>Click to edit Master title style</a:t>
             </a:r>
-            <a:endParaRPr lang="en-US" dirty="0"/>
-          </a:p>
-        </p:txBody>
-      </p:sp>
-      <p:sp>
-        <p:nvSpPr>
-          <p:cNvPr id="3" name="Vertical Text Placeholder 2"/>
+          </a:p>
+        </p:txBody>
+      </p:sp>
+      <p:sp>
+        <p:nvSpPr>
+          <p:cNvPr id="3" name="Vertical Text Placeholder 2">
+            <a:extLst>
+              <a:ext uri="{FF2B5EF4-FFF2-40B4-BE49-F238E27FC236}">
+                <a16:creationId xmlns:a16="http://schemas.microsoft.com/office/drawing/2014/main" id="{5D45E4B6-F205-4EB3-9B47-A0E184892ACD}"/>
+              </a:ext>
+            </a:extLst>
+          </p:cNvPr>
           <p:cNvSpPr>
             <a:spLocks noGrp="1"/>
           </p:cNvSpPr>
@@ -1085,8 +593,8 @@
         </p:nvSpPr>
         <p:spPr>
           <a:xfrm>
-            <a:off x="1371600" y="624156"/>
-            <a:ext cx="8179641" cy="5243244"/>
+            <a:off x="838200" y="365125"/>
+            <a:ext cx="7734300" cy="5811838"/>
           </a:xfrm>
         </p:spPr>
         <p:txBody>
@@ -1126,13 +634,18 @@
               <a:rPr lang="en-US"/>
               <a:t>Fifth level</a:t>
             </a:r>
-            <a:endParaRPr lang="en-US" dirty="0"/>
-          </a:p>
-        </p:txBody>
-      </p:sp>
-      <p:sp>
-        <p:nvSpPr>
-          <p:cNvPr id="4" name="Date Placeholder 3"/>
+          </a:p>
+        </p:txBody>
+      </p:sp>
+      <p:sp>
+        <p:nvSpPr>
+          <p:cNvPr id="4" name="Date Placeholder 3">
+            <a:extLst>
+              <a:ext uri="{FF2B5EF4-FFF2-40B4-BE49-F238E27FC236}">
+                <a16:creationId xmlns:a16="http://schemas.microsoft.com/office/drawing/2014/main" id="{2A51D404-5175-4142-8C07-CFBD30C6C730}"/>
+              </a:ext>
+            </a:extLst>
+          </p:cNvPr>
           <p:cNvSpPr>
             <a:spLocks noGrp="1"/>
           </p:cNvSpPr>
@@ -1145,9 +658,9 @@
           <a:bodyPr/>
           <a:lstStyle/>
           <a:p>
-            <a:fld id="{2CFC8955-08FD-40DE-9323-14178C31DC71}" type="datetime1">
+            <a:fld id="{D232AAB5-972F-441E-8D23-4C60FE1A280B}" type="datetimeFigureOut">
               <a:rPr lang="en-US" smtClean="0"/>
-              <a:t>11/26/2020</a:t>
+              <a:t>12/1/2020</a:t>
             </a:fld>
             <a:endParaRPr lang="en-US"/>
           </a:p>
@@ -1155,7 +668,13 @@
       </p:sp>
       <p:sp>
         <p:nvSpPr>
-          <p:cNvPr id="5" name="Footer Placeholder 4"/>
+          <p:cNvPr id="5" name="Footer Placeholder 4">
+            <a:extLst>
+              <a:ext uri="{FF2B5EF4-FFF2-40B4-BE49-F238E27FC236}">
+                <a16:creationId xmlns:a16="http://schemas.microsoft.com/office/drawing/2014/main" id="{808E9C51-664B-4DF9-86B6-E83743C0CD99}"/>
+              </a:ext>
+            </a:extLst>
+          </p:cNvPr>
           <p:cNvSpPr>
             <a:spLocks noGrp="1"/>
           </p:cNvSpPr>
@@ -1174,7 +693,13 @@
       </p:sp>
       <p:sp>
         <p:nvSpPr>
-          <p:cNvPr id="6" name="Slide Number Placeholder 5"/>
+          <p:cNvPr id="6" name="Slide Number Placeholder 5">
+            <a:extLst>
+              <a:ext uri="{FF2B5EF4-FFF2-40B4-BE49-F238E27FC236}">
+                <a16:creationId xmlns:a16="http://schemas.microsoft.com/office/drawing/2014/main" id="{A73E6ABF-49FC-44A7-8106-9A1D732751B2}"/>
+              </a:ext>
+            </a:extLst>
+          </p:cNvPr>
           <p:cNvSpPr>
             <a:spLocks noGrp="1"/>
           </p:cNvSpPr>
@@ -1187,7 +712,7 @@
           <a:bodyPr/>
           <a:lstStyle/>
           <a:p>
-            <a:fld id="{F028C567-C893-478B-8134-9B7E019C1A37}" type="slidenum">
+            <a:fld id="{635447A4-35D3-4552-88EF-B58717EEFE40}" type="slidenum">
               <a:rPr lang="en-US" smtClean="0"/>
               <a:t>‹#›</a:t>
             </a:fld>
@@ -1198,7 +723,7 @@
     </p:spTree>
     <p:extLst>
       <p:ext uri="{BB962C8B-B14F-4D97-AF65-F5344CB8AC3E}">
-        <p14:creationId xmlns:p14="http://schemas.microsoft.com/office/powerpoint/2010/main" val="462921973"/>
+        <p14:creationId xmlns:p14="http://schemas.microsoft.com/office/powerpoint/2010/main" val="2851573458"/>
       </p:ext>
     </p:extLst>
   </p:cSld>
@@ -1227,7 +752,13 @@
       </p:grpSpPr>
       <p:sp>
         <p:nvSpPr>
-          <p:cNvPr id="2" name="Title 1"/>
+          <p:cNvPr id="2" name="Title 1">
+            <a:extLst>
+              <a:ext uri="{FF2B5EF4-FFF2-40B4-BE49-F238E27FC236}">
+                <a16:creationId xmlns:a16="http://schemas.microsoft.com/office/drawing/2014/main" id="{289EF673-E929-4211-A028-B105AB890786}"/>
+              </a:ext>
+            </a:extLst>
+          </p:cNvPr>
           <p:cNvSpPr>
             <a:spLocks noGrp="1"/>
           </p:cNvSpPr>
@@ -1244,13 +775,18 @@
               <a:rPr lang="en-US"/>
               <a:t>Click to edit Master title style</a:t>
             </a:r>
-            <a:endParaRPr lang="en-US" dirty="0"/>
-          </a:p>
-        </p:txBody>
-      </p:sp>
-      <p:sp>
-        <p:nvSpPr>
-          <p:cNvPr id="3" name="Content Placeholder 2"/>
+          </a:p>
+        </p:txBody>
+      </p:sp>
+      <p:sp>
+        <p:nvSpPr>
+          <p:cNvPr id="3" name="Content Placeholder 2">
+            <a:extLst>
+              <a:ext uri="{FF2B5EF4-FFF2-40B4-BE49-F238E27FC236}">
+                <a16:creationId xmlns:a16="http://schemas.microsoft.com/office/drawing/2014/main" id="{559B69C9-F165-41C1-A993-C11302787124}"/>
+              </a:ext>
+            </a:extLst>
+          </p:cNvPr>
           <p:cNvSpPr>
             <a:spLocks noGrp="1"/>
           </p:cNvSpPr>
@@ -1296,13 +832,18 @@
               <a:rPr lang="en-US"/>
               <a:t>Fifth level</a:t>
             </a:r>
-            <a:endParaRPr lang="en-US" dirty="0"/>
-          </a:p>
-        </p:txBody>
-      </p:sp>
-      <p:sp>
-        <p:nvSpPr>
-          <p:cNvPr id="4" name="Date Placeholder 3"/>
+          </a:p>
+        </p:txBody>
+      </p:sp>
+      <p:sp>
+        <p:nvSpPr>
+          <p:cNvPr id="4" name="Date Placeholder 3">
+            <a:extLst>
+              <a:ext uri="{FF2B5EF4-FFF2-40B4-BE49-F238E27FC236}">
+                <a16:creationId xmlns:a16="http://schemas.microsoft.com/office/drawing/2014/main" id="{8A08D42A-5356-45E0-8E22-AD4ABE640622}"/>
+              </a:ext>
+            </a:extLst>
+          </p:cNvPr>
           <p:cNvSpPr>
             <a:spLocks noGrp="1"/>
           </p:cNvSpPr>
@@ -1315,9 +856,9 @@
           <a:bodyPr/>
           <a:lstStyle/>
           <a:p>
-            <a:fld id="{1278314F-6144-4250-A9EF-B8208E61A2BF}" type="datetime1">
+            <a:fld id="{D232AAB5-972F-441E-8D23-4C60FE1A280B}" type="datetimeFigureOut">
               <a:rPr lang="en-US" smtClean="0"/>
-              <a:t>11/26/2020</a:t>
+              <a:t>12/1/2020</a:t>
             </a:fld>
             <a:endParaRPr lang="en-US"/>
           </a:p>
@@ -1325,7 +866,13 @@
       </p:sp>
       <p:sp>
         <p:nvSpPr>
-          <p:cNvPr id="5" name="Footer Placeholder 4"/>
+          <p:cNvPr id="5" name="Footer Placeholder 4">
+            <a:extLst>
+              <a:ext uri="{FF2B5EF4-FFF2-40B4-BE49-F238E27FC236}">
+                <a16:creationId xmlns:a16="http://schemas.microsoft.com/office/drawing/2014/main" id="{6DDD351F-125F-4F4B-A2F0-00CF3817B063}"/>
+              </a:ext>
+            </a:extLst>
+          </p:cNvPr>
           <p:cNvSpPr>
             <a:spLocks noGrp="1"/>
           </p:cNvSpPr>
@@ -1344,7 +891,13 @@
       </p:sp>
       <p:sp>
         <p:nvSpPr>
-          <p:cNvPr id="6" name="Slide Number Placeholder 5"/>
+          <p:cNvPr id="6" name="Slide Number Placeholder 5">
+            <a:extLst>
+              <a:ext uri="{FF2B5EF4-FFF2-40B4-BE49-F238E27FC236}">
+                <a16:creationId xmlns:a16="http://schemas.microsoft.com/office/drawing/2014/main" id="{D48E437A-BAA9-49FC-8BF3-DCE9EAADB178}"/>
+              </a:ext>
+            </a:extLst>
+          </p:cNvPr>
           <p:cNvSpPr>
             <a:spLocks noGrp="1"/>
           </p:cNvSpPr>
@@ -1357,7 +910,7 @@
           <a:bodyPr/>
           <a:lstStyle/>
           <a:p>
-            <a:fld id="{F028C567-C893-478B-8134-9B7E019C1A37}" type="slidenum">
+            <a:fld id="{635447A4-35D3-4552-88EF-B58717EEFE40}" type="slidenum">
               <a:rPr lang="en-US" smtClean="0"/>
               <a:t>‹#›</a:t>
             </a:fld>
@@ -1368,7 +921,7 @@
     </p:spTree>
     <p:extLst>
       <p:ext uri="{BB962C8B-B14F-4D97-AF65-F5344CB8AC3E}">
-        <p14:creationId xmlns:p14="http://schemas.microsoft.com/office/powerpoint/2010/main" val="851305605"/>
+        <p14:creationId xmlns:p14="http://schemas.microsoft.com/office/powerpoint/2010/main" val="1261981653"/>
       </p:ext>
     </p:extLst>
   </p:cSld>
@@ -1379,13 +932,8 @@
 </file>
 
 <file path=ppt/slideLayouts/slideLayout3.xml><?xml version="1.0" encoding="utf-8"?>
-<p:sldLayout xmlns:a="http://schemas.openxmlformats.org/drawingml/2006/main" xmlns:r="http://schemas.openxmlformats.org/officeDocument/2006/relationships" xmlns:p="http://schemas.openxmlformats.org/presentationml/2006/main" showMasterSp="0" type="secHead" preserve="1">
+<p:sldLayout xmlns:a="http://schemas.openxmlformats.org/drawingml/2006/main" xmlns:r="http://schemas.openxmlformats.org/officeDocument/2006/relationships" xmlns:p="http://schemas.openxmlformats.org/presentationml/2006/main" type="secHead" preserve="1">
   <p:cSld name="Section Header">
-    <p:bg>
-      <p:bgRef idx="1001">
-        <a:schemeClr val="bg2"/>
-      </p:bgRef>
-    </p:bg>
     <p:spTree>
       <p:nvGrpSpPr>
         <p:cNvPr id="1" name=""/>
@@ -1402,7 +950,13 @@
       </p:grpSpPr>
       <p:sp>
         <p:nvSpPr>
-          <p:cNvPr id="2" name="Title 1"/>
+          <p:cNvPr id="2" name="Title 1">
+            <a:extLst>
+              <a:ext uri="{FF2B5EF4-FFF2-40B4-BE49-F238E27FC236}">
+                <a16:creationId xmlns:a16="http://schemas.microsoft.com/office/drawing/2014/main" id="{00ECB903-745A-405B-8E7B-0D2CECFDE996}"/>
+              </a:ext>
+            </a:extLst>
+          </p:cNvPr>
           <p:cNvSpPr>
             <a:spLocks noGrp="1"/>
           </p:cNvSpPr>
@@ -1412,21 +966,15 @@
         </p:nvSpPr>
         <p:spPr>
           <a:xfrm>
-            <a:off x="765025" y="1301360"/>
-            <a:ext cx="9612971" cy="2852737"/>
-          </a:xfrm>
-        </p:spPr>
-        <p:txBody>
-          <a:bodyPr anchor="b">
-            <a:normAutofit/>
-          </a:bodyPr>
+            <a:off x="831850" y="1709738"/>
+            <a:ext cx="10515600" cy="2852737"/>
+          </a:xfrm>
+        </p:spPr>
+        <p:txBody>
+          <a:bodyPr anchor="b"/>
           <a:lstStyle>
-            <a:lvl1pPr algn="r">
-              <a:defRPr sz="7200" cap="all" baseline="0">
-                <a:solidFill>
-                  <a:schemeClr val="accent1"/>
-                </a:solidFill>
-              </a:defRPr>
+            <a:lvl1pPr>
+              <a:defRPr sz="6000"/>
             </a:lvl1pPr>
           </a:lstStyle>
           <a:p>
@@ -1434,13 +982,18 @@
               <a:rPr lang="en-US"/>
               <a:t>Click to edit Master title style</a:t>
             </a:r>
-            <a:endParaRPr lang="en-US" dirty="0"/>
-          </a:p>
-        </p:txBody>
-      </p:sp>
-      <p:sp>
-        <p:nvSpPr>
-          <p:cNvPr id="3" name="Text Placeholder 2"/>
+          </a:p>
+        </p:txBody>
+      </p:sp>
+      <p:sp>
+        <p:nvSpPr>
+          <p:cNvPr id="3" name="Text Placeholder 2">
+            <a:extLst>
+              <a:ext uri="{FF2B5EF4-FFF2-40B4-BE49-F238E27FC236}">
+                <a16:creationId xmlns:a16="http://schemas.microsoft.com/office/drawing/2014/main" id="{DFABFAB5-FB74-4BBB-B383-35E81503B620}"/>
+              </a:ext>
+            </a:extLst>
+          </p:cNvPr>
           <p:cNvSpPr>
             <a:spLocks noGrp="1"/>
           </p:cNvSpPr>
@@ -1450,27 +1003,20 @@
         </p:nvSpPr>
         <p:spPr>
           <a:xfrm>
-            <a:off x="765025" y="4216328"/>
-            <a:ext cx="9612971" cy="1143324"/>
+            <a:off x="831850" y="4589463"/>
+            <a:ext cx="10515600" cy="1500187"/>
           </a:xfrm>
         </p:spPr>
         <p:txBody>
           <a:bodyPr/>
           <a:lstStyle>
-            <a:lvl1pPr marL="0" indent="0" algn="r">
-              <a:lnSpc>
-                <a:spcPct val="112000"/>
-              </a:lnSpc>
-              <a:spcBef>
-                <a:spcPts val="0"/>
-              </a:spcBef>
-              <a:spcAft>
-                <a:spcPts val="0"/>
-              </a:spcAft>
+            <a:lvl1pPr marL="0" indent="0">
               <a:buNone/>
               <a:defRPr sz="2400">
                 <a:solidFill>
-                  <a:schemeClr val="tx2"/>
+                  <a:schemeClr val="tx1">
+                    <a:tint val="75000"/>
+                  </a:schemeClr>
                 </a:solidFill>
               </a:defRPr>
             </a:lvl1pPr>
@@ -1566,7 +1112,13 @@
       </p:sp>
       <p:sp>
         <p:nvSpPr>
-          <p:cNvPr id="4" name="Date Placeholder 3"/>
+          <p:cNvPr id="4" name="Date Placeholder 3">
+            <a:extLst>
+              <a:ext uri="{FF2B5EF4-FFF2-40B4-BE49-F238E27FC236}">
+                <a16:creationId xmlns:a16="http://schemas.microsoft.com/office/drawing/2014/main" id="{26D619F1-8768-4B08-9C9A-E9D8265B07F8}"/>
+              </a:ext>
+            </a:extLst>
+          </p:cNvPr>
           <p:cNvSpPr>
             <a:spLocks noGrp="1"/>
           </p:cNvSpPr>
@@ -1574,27 +1126,14 @@
             <p:ph type="dt" sz="half" idx="10"/>
           </p:nvPr>
         </p:nvSpPr>
-        <p:spPr>
-          <a:xfrm>
-            <a:off x="738908" y="6453386"/>
-            <a:ext cx="1622409" cy="404614"/>
-          </a:xfrm>
-        </p:spPr>
+        <p:spPr/>
         <p:txBody>
           <a:bodyPr/>
-          <a:lstStyle>
-            <a:lvl1pPr>
-              <a:defRPr>
-                <a:solidFill>
-                  <a:schemeClr val="tx2"/>
-                </a:solidFill>
-              </a:defRPr>
-            </a:lvl1pPr>
-          </a:lstStyle>
-          <a:p>
-            <a:fld id="{C65318F9-C526-4CE6-B7BA-8FEF2D1D2323}" type="datetime1">
+          <a:lstStyle/>
+          <a:p>
+            <a:fld id="{D232AAB5-972F-441E-8D23-4C60FE1A280B}" type="datetimeFigureOut">
               <a:rPr lang="en-US" smtClean="0"/>
-              <a:t>11/26/2020</a:t>
+              <a:t>12/1/2020</a:t>
             </a:fld>
             <a:endParaRPr lang="en-US"/>
           </a:p>
@@ -1602,7 +1141,13 @@
       </p:sp>
       <p:sp>
         <p:nvSpPr>
-          <p:cNvPr id="5" name="Footer Placeholder 4"/>
+          <p:cNvPr id="5" name="Footer Placeholder 4">
+            <a:extLst>
+              <a:ext uri="{FF2B5EF4-FFF2-40B4-BE49-F238E27FC236}">
+                <a16:creationId xmlns:a16="http://schemas.microsoft.com/office/drawing/2014/main" id="{73FB605B-18F5-463D-A81C-6E0F86EF2FFD}"/>
+              </a:ext>
+            </a:extLst>
+          </p:cNvPr>
           <p:cNvSpPr>
             <a:spLocks noGrp="1"/>
           </p:cNvSpPr>
@@ -1610,23 +1155,10 @@
             <p:ph type="ftr" sz="quarter" idx="11"/>
           </p:nvPr>
         </p:nvSpPr>
-        <p:spPr>
-          <a:xfrm>
-            <a:off x="2584312" y="6453386"/>
-            <a:ext cx="7023377" cy="404614"/>
-          </a:xfrm>
-        </p:spPr>
+        <p:spPr/>
         <p:txBody>
           <a:bodyPr/>
-          <a:lstStyle>
-            <a:lvl1pPr algn="ctr">
-              <a:defRPr>
-                <a:solidFill>
-                  <a:schemeClr val="tx2"/>
-                </a:solidFill>
-              </a:defRPr>
-            </a:lvl1pPr>
-          </a:lstStyle>
+          <a:lstStyle/>
           <a:p>
             <a:endParaRPr lang="en-US"/>
           </a:p>
@@ -1634,7 +1166,13 @@
       </p:sp>
       <p:sp>
         <p:nvSpPr>
-          <p:cNvPr id="6" name="Slide Number Placeholder 5"/>
+          <p:cNvPr id="6" name="Slide Number Placeholder 5">
+            <a:extLst>
+              <a:ext uri="{FF2B5EF4-FFF2-40B4-BE49-F238E27FC236}">
+                <a16:creationId xmlns:a16="http://schemas.microsoft.com/office/drawing/2014/main" id="{6180AAA5-BB4E-4D92-95AA-9ED1F49C9453}"/>
+              </a:ext>
+            </a:extLst>
+          </p:cNvPr>
           <p:cNvSpPr>
             <a:spLocks noGrp="1"/>
           </p:cNvSpPr>
@@ -1642,25 +1180,12 @@
             <p:ph type="sldNum" sz="quarter" idx="12"/>
           </p:nvPr>
         </p:nvSpPr>
-        <p:spPr>
-          <a:xfrm>
-            <a:off x="9830683" y="6453386"/>
-            <a:ext cx="1596292" cy="404614"/>
-          </a:xfrm>
-        </p:spPr>
+        <p:spPr/>
         <p:txBody>
           <a:bodyPr/>
-          <a:lstStyle>
-            <a:lvl1pPr>
-              <a:defRPr>
-                <a:solidFill>
-                  <a:schemeClr val="tx2"/>
-                </a:solidFill>
-              </a:defRPr>
-            </a:lvl1pPr>
-          </a:lstStyle>
-          <a:p>
-            <a:fld id="{F028C567-C893-478B-8134-9B7E019C1A37}" type="slidenum">
+          <a:lstStyle/>
+          <a:p>
+            <a:fld id="{635447A4-35D3-4552-88EF-B58717EEFE40}" type="slidenum">
               <a:rPr lang="en-US" smtClean="0"/>
               <a:t>‹#›</a:t>
             </a:fld>
@@ -1668,71 +1193,15 @@
           </a:p>
         </p:txBody>
       </p:sp>
-      <p:sp>
-        <p:nvSpPr>
-          <p:cNvPr id="7" name="Freeform 6" title="Crop Mark"/>
-          <p:cNvSpPr/>
-          <p:nvPr/>
-        </p:nvSpPr>
-        <p:spPr bwMode="auto">
-          <a:xfrm>
-            <a:off x="8151962" y="1685652"/>
-            <a:ext cx="3275013" cy="4408488"/>
-          </a:xfrm>
-          <a:custGeom>
-            <a:avLst/>
-            <a:gdLst/>
-            <a:ahLst/>
-            <a:cxnLst/>
-            <a:rect l="0" t="0" r="r" b="b"/>
-            <a:pathLst>
-              <a:path w="4125" h="5554">
-                <a:moveTo>
-                  <a:pt x="3614" y="0"/>
-                </a:moveTo>
-                <a:lnTo>
-                  <a:pt x="4125" y="0"/>
-                </a:lnTo>
-                <a:lnTo>
-                  <a:pt x="4125" y="5554"/>
-                </a:lnTo>
-                <a:lnTo>
-                  <a:pt x="0" y="5554"/>
-                </a:lnTo>
-                <a:lnTo>
-                  <a:pt x="0" y="5074"/>
-                </a:lnTo>
-                <a:lnTo>
-                  <a:pt x="3614" y="5074"/>
-                </a:lnTo>
-                <a:lnTo>
-                  <a:pt x="3614" y="0"/>
-                </a:lnTo>
-                <a:close/>
-              </a:path>
-            </a:pathLst>
-          </a:custGeom>
-          <a:solidFill>
-            <a:schemeClr val="accent1"/>
-          </a:solidFill>
-          <a:ln w="0">
-            <a:noFill/>
-            <a:prstDash val="solid"/>
-            <a:round/>
-            <a:headEnd/>
-            <a:tailEnd/>
-          </a:ln>
-        </p:spPr>
-      </p:sp>
     </p:spTree>
     <p:extLst>
       <p:ext uri="{BB962C8B-B14F-4D97-AF65-F5344CB8AC3E}">
-        <p14:creationId xmlns:p14="http://schemas.microsoft.com/office/powerpoint/2010/main" val="3629185022"/>
+        <p14:creationId xmlns:p14="http://schemas.microsoft.com/office/powerpoint/2010/main" val="1668957120"/>
       </p:ext>
     </p:extLst>
   </p:cSld>
   <p:clrMapOvr>
-    <a:overrideClrMapping bg1="dk1" tx1="lt1" bg2="dk2" tx2="lt2" accent1="accent1" accent2="accent2" accent3="accent3" accent4="accent4" accent5="accent5" accent6="accent6" hlink="hlink" folHlink="folHlink"/>
+    <a:masterClrMapping/>
   </p:clrMapOvr>
 </p:sldLayout>
 </file>
@@ -1756,7 +1225,13 @@
       </p:grpSpPr>
       <p:sp>
         <p:nvSpPr>
-          <p:cNvPr id="2" name="Title 1"/>
+          <p:cNvPr id="2" name="Title 1">
+            <a:extLst>
+              <a:ext uri="{FF2B5EF4-FFF2-40B4-BE49-F238E27FC236}">
+                <a16:creationId xmlns:a16="http://schemas.microsoft.com/office/drawing/2014/main" id="{3AE90D87-7F99-4EFE-9052-E14E35A6FDFB}"/>
+              </a:ext>
+            </a:extLst>
+          </p:cNvPr>
           <p:cNvSpPr>
             <a:spLocks noGrp="1"/>
           </p:cNvSpPr>
@@ -1767,27 +1242,24 @@
         <p:spPr/>
         <p:txBody>
           <a:bodyPr/>
-          <a:lstStyle>
-            <a:lvl1pPr>
-              <a:defRPr>
-                <a:solidFill>
-                  <a:schemeClr val="tx2"/>
-                </a:solidFill>
-              </a:defRPr>
-            </a:lvl1pPr>
-          </a:lstStyle>
+          <a:lstStyle/>
           <a:p>
             <a:r>
               <a:rPr lang="en-US"/>
               <a:t>Click to edit Master title style</a:t>
             </a:r>
-            <a:endParaRPr lang="en-US" dirty="0"/>
-          </a:p>
-        </p:txBody>
-      </p:sp>
-      <p:sp>
-        <p:nvSpPr>
-          <p:cNvPr id="3" name="Content Placeholder 2"/>
+          </a:p>
+        </p:txBody>
+      </p:sp>
+      <p:sp>
+        <p:nvSpPr>
+          <p:cNvPr id="3" name="Content Placeholder 2">
+            <a:extLst>
+              <a:ext uri="{FF2B5EF4-FFF2-40B4-BE49-F238E27FC236}">
+                <a16:creationId xmlns:a16="http://schemas.microsoft.com/office/drawing/2014/main" id="{ABA32FCF-E7FE-4104-8047-3ACBD333DD8A}"/>
+              </a:ext>
+            </a:extLst>
+          </p:cNvPr>
           <p:cNvSpPr>
             <a:spLocks noGrp="1"/>
           </p:cNvSpPr>
@@ -1797,49 +1269,13 @@
         </p:nvSpPr>
         <p:spPr>
           <a:xfrm>
-            <a:off x="1371600" y="2285999"/>
-            <a:ext cx="4447786" cy="3581401"/>
+            <a:off x="838200" y="1825625"/>
+            <a:ext cx="5181600" cy="4351338"/>
           </a:xfrm>
         </p:spPr>
         <p:txBody>
           <a:bodyPr/>
-          <a:lstStyle>
-            <a:lvl1pPr>
-              <a:defRPr baseline="0">
-                <a:solidFill>
-                  <a:schemeClr val="tx2"/>
-                </a:solidFill>
-              </a:defRPr>
-            </a:lvl1pPr>
-            <a:lvl2pPr>
-              <a:defRPr baseline="0">
-                <a:solidFill>
-                  <a:schemeClr val="tx2"/>
-                </a:solidFill>
-              </a:defRPr>
-            </a:lvl2pPr>
-            <a:lvl3pPr>
-              <a:defRPr baseline="0">
-                <a:solidFill>
-                  <a:schemeClr val="tx2"/>
-                </a:solidFill>
-              </a:defRPr>
-            </a:lvl3pPr>
-            <a:lvl4pPr>
-              <a:defRPr baseline="0">
-                <a:solidFill>
-                  <a:schemeClr val="tx2"/>
-                </a:solidFill>
-              </a:defRPr>
-            </a:lvl4pPr>
-            <a:lvl5pPr>
-              <a:defRPr baseline="0">
-                <a:solidFill>
-                  <a:schemeClr val="tx2"/>
-                </a:solidFill>
-              </a:defRPr>
-            </a:lvl5pPr>
-          </a:lstStyle>
+          <a:lstStyle/>
           <a:p>
             <a:pPr lvl="0"/>
             <a:r>
@@ -1874,13 +1310,18 @@
               <a:rPr lang="en-US"/>
               <a:t>Fifth level</a:t>
             </a:r>
-            <a:endParaRPr lang="en-US" dirty="0"/>
-          </a:p>
-        </p:txBody>
-      </p:sp>
-      <p:sp>
-        <p:nvSpPr>
-          <p:cNvPr id="4" name="Content Placeholder 3"/>
+          </a:p>
+        </p:txBody>
+      </p:sp>
+      <p:sp>
+        <p:nvSpPr>
+          <p:cNvPr id="4" name="Content Placeholder 3">
+            <a:extLst>
+              <a:ext uri="{FF2B5EF4-FFF2-40B4-BE49-F238E27FC236}">
+                <a16:creationId xmlns:a16="http://schemas.microsoft.com/office/drawing/2014/main" id="{280C3868-3234-47A0-A06D-78970B028790}"/>
+              </a:ext>
+            </a:extLst>
+          </p:cNvPr>
           <p:cNvSpPr>
             <a:spLocks noGrp="1"/>
           </p:cNvSpPr>
@@ -1890,49 +1331,13 @@
         </p:nvSpPr>
         <p:spPr>
           <a:xfrm>
-            <a:off x="6525403" y="2285999"/>
-            <a:ext cx="4447786" cy="3581401"/>
+            <a:off x="6172200" y="1825625"/>
+            <a:ext cx="5181600" cy="4351338"/>
           </a:xfrm>
         </p:spPr>
         <p:txBody>
           <a:bodyPr/>
-          <a:lstStyle>
-            <a:lvl1pPr>
-              <a:defRPr>
-                <a:solidFill>
-                  <a:schemeClr val="tx2"/>
-                </a:solidFill>
-              </a:defRPr>
-            </a:lvl1pPr>
-            <a:lvl2pPr>
-              <a:defRPr>
-                <a:solidFill>
-                  <a:schemeClr val="tx2"/>
-                </a:solidFill>
-              </a:defRPr>
-            </a:lvl2pPr>
-            <a:lvl3pPr>
-              <a:defRPr>
-                <a:solidFill>
-                  <a:schemeClr val="tx2"/>
-                </a:solidFill>
-              </a:defRPr>
-            </a:lvl3pPr>
-            <a:lvl4pPr>
-              <a:defRPr>
-                <a:solidFill>
-                  <a:schemeClr val="tx2"/>
-                </a:solidFill>
-              </a:defRPr>
-            </a:lvl4pPr>
-            <a:lvl5pPr>
-              <a:defRPr>
-                <a:solidFill>
-                  <a:schemeClr val="tx2"/>
-                </a:solidFill>
-              </a:defRPr>
-            </a:lvl5pPr>
-          </a:lstStyle>
+          <a:lstStyle/>
           <a:p>
             <a:pPr lvl="0"/>
             <a:r>
@@ -1967,13 +1372,18 @@
               <a:rPr lang="en-US"/>
               <a:t>Fifth level</a:t>
             </a:r>
-            <a:endParaRPr lang="en-US" dirty="0"/>
-          </a:p>
-        </p:txBody>
-      </p:sp>
-      <p:sp>
-        <p:nvSpPr>
-          <p:cNvPr id="5" name="Date Placeholder 4"/>
+          </a:p>
+        </p:txBody>
+      </p:sp>
+      <p:sp>
+        <p:nvSpPr>
+          <p:cNvPr id="5" name="Date Placeholder 4">
+            <a:extLst>
+              <a:ext uri="{FF2B5EF4-FFF2-40B4-BE49-F238E27FC236}">
+                <a16:creationId xmlns:a16="http://schemas.microsoft.com/office/drawing/2014/main" id="{CC653453-1891-45DD-B209-B1B229DA38FE}"/>
+              </a:ext>
+            </a:extLst>
+          </p:cNvPr>
           <p:cNvSpPr>
             <a:spLocks noGrp="1"/>
           </p:cNvSpPr>
@@ -1986,9 +1396,9 @@
           <a:bodyPr/>
           <a:lstStyle/>
           <a:p>
-            <a:fld id="{7B66A9F1-6808-4792-8DAA-1C26F5F2B025}" type="datetime1">
+            <a:fld id="{D232AAB5-972F-441E-8D23-4C60FE1A280B}" type="datetimeFigureOut">
               <a:rPr lang="en-US" smtClean="0"/>
-              <a:t>11/26/2020</a:t>
+              <a:t>12/1/2020</a:t>
             </a:fld>
             <a:endParaRPr lang="en-US"/>
           </a:p>
@@ -1996,7 +1406,13 @@
       </p:sp>
       <p:sp>
         <p:nvSpPr>
-          <p:cNvPr id="6" name="Footer Placeholder 5"/>
+          <p:cNvPr id="6" name="Footer Placeholder 5">
+            <a:extLst>
+              <a:ext uri="{FF2B5EF4-FFF2-40B4-BE49-F238E27FC236}">
+                <a16:creationId xmlns:a16="http://schemas.microsoft.com/office/drawing/2014/main" id="{907B3271-D236-4EA3-93BE-0F0B8AACB3D7}"/>
+              </a:ext>
+            </a:extLst>
+          </p:cNvPr>
           <p:cNvSpPr>
             <a:spLocks noGrp="1"/>
           </p:cNvSpPr>
@@ -2015,7 +1431,13 @@
       </p:sp>
       <p:sp>
         <p:nvSpPr>
-          <p:cNvPr id="7" name="Slide Number Placeholder 6"/>
+          <p:cNvPr id="7" name="Slide Number Placeholder 6">
+            <a:extLst>
+              <a:ext uri="{FF2B5EF4-FFF2-40B4-BE49-F238E27FC236}">
+                <a16:creationId xmlns:a16="http://schemas.microsoft.com/office/drawing/2014/main" id="{10F182F1-8FDA-47D9-BE6D-84A8F48033F0}"/>
+              </a:ext>
+            </a:extLst>
+          </p:cNvPr>
           <p:cNvSpPr>
             <a:spLocks noGrp="1"/>
           </p:cNvSpPr>
@@ -2028,7 +1450,7 @@
           <a:bodyPr/>
           <a:lstStyle/>
           <a:p>
-            <a:fld id="{F028C567-C893-478B-8134-9B7E019C1A37}" type="slidenum">
+            <a:fld id="{635447A4-35D3-4552-88EF-B58717EEFE40}" type="slidenum">
               <a:rPr lang="en-US" smtClean="0"/>
               <a:t>‹#›</a:t>
             </a:fld>
@@ -2039,18 +1461,13 @@
     </p:spTree>
     <p:extLst>
       <p:ext uri="{BB962C8B-B14F-4D97-AF65-F5344CB8AC3E}">
-        <p14:creationId xmlns:p14="http://schemas.microsoft.com/office/powerpoint/2010/main" val="4125714186"/>
+        <p14:creationId xmlns:p14="http://schemas.microsoft.com/office/powerpoint/2010/main" val="1448269490"/>
       </p:ext>
     </p:extLst>
   </p:cSld>
   <p:clrMapOvr>
     <a:masterClrMapping/>
   </p:clrMapOvr>
-  <p:extLst>
-    <p:ext uri="{DCECCB84-F9BA-43D5-87BE-67443E8EF086}">
-      <p15:sldGuideLst xmlns:p15="http://schemas.microsoft.com/office/powerpoint/2012/main"/>
-    </p:ext>
-  </p:extLst>
 </p:sldLayout>
 </file>
 
@@ -2073,7 +1490,13 @@
       </p:grpSpPr>
       <p:sp>
         <p:nvSpPr>
-          <p:cNvPr id="2" name="Title 1"/>
+          <p:cNvPr id="2" name="Title 1">
+            <a:extLst>
+              <a:ext uri="{FF2B5EF4-FFF2-40B4-BE49-F238E27FC236}">
+                <a16:creationId xmlns:a16="http://schemas.microsoft.com/office/drawing/2014/main" id="{80590CFF-D944-4FC3-A6A4-EAB62AC8D5C0}"/>
+              </a:ext>
+            </a:extLst>
+          </p:cNvPr>
           <p:cNvSpPr>
             <a:spLocks noGrp="1"/>
           </p:cNvSpPr>
@@ -2083,33 +1506,30 @@
         </p:nvSpPr>
         <p:spPr>
           <a:xfrm>
-            <a:off x="1371600" y="685800"/>
-            <a:ext cx="9601200" cy="1485900"/>
+            <a:off x="839788" y="365125"/>
+            <a:ext cx="10515600" cy="1325563"/>
           </a:xfrm>
         </p:spPr>
         <p:txBody>
           <a:bodyPr/>
-          <a:lstStyle>
-            <a:lvl1pPr>
-              <a:defRPr>
-                <a:solidFill>
-                  <a:schemeClr val="tx2"/>
-                </a:solidFill>
-              </a:defRPr>
-            </a:lvl1pPr>
-          </a:lstStyle>
+          <a:lstStyle/>
           <a:p>
             <a:r>
               <a:rPr lang="en-US"/>
               <a:t>Click to edit Master title style</a:t>
             </a:r>
-            <a:endParaRPr lang="en-US" dirty="0"/>
-          </a:p>
-        </p:txBody>
-      </p:sp>
-      <p:sp>
-        <p:nvSpPr>
-          <p:cNvPr id="3" name="Text Placeholder 2"/>
+          </a:p>
+        </p:txBody>
+      </p:sp>
+      <p:sp>
+        <p:nvSpPr>
+          <p:cNvPr id="3" name="Text Placeholder 2">
+            <a:extLst>
+              <a:ext uri="{FF2B5EF4-FFF2-40B4-BE49-F238E27FC236}">
+                <a16:creationId xmlns:a16="http://schemas.microsoft.com/office/drawing/2014/main" id="{D33CDE92-5EB9-48B6-BB0C-BA0EC1CD3236}"/>
+              </a:ext>
+            </a:extLst>
+          </p:cNvPr>
           <p:cNvSpPr>
             <a:spLocks noGrp="1"/>
           </p:cNvSpPr>
@@ -2119,31 +1539,16 @@
         </p:nvSpPr>
         <p:spPr>
           <a:xfrm>
-            <a:off x="1371600" y="2340864"/>
-            <a:ext cx="4443984" cy="823912"/>
-          </a:xfrm>
-        </p:spPr>
-        <p:txBody>
-          <a:bodyPr anchor="b">
-            <a:noAutofit/>
-          </a:bodyPr>
+            <a:off x="839788" y="1681163"/>
+            <a:ext cx="5157787" cy="823912"/>
+          </a:xfrm>
+        </p:spPr>
+        <p:txBody>
+          <a:bodyPr anchor="b"/>
           <a:lstStyle>
             <a:lvl1pPr marL="0" indent="0">
-              <a:lnSpc>
-                <a:spcPct val="84000"/>
-              </a:lnSpc>
-              <a:spcBef>
-                <a:spcPts val="0"/>
-              </a:spcBef>
-              <a:spcAft>
-                <a:spcPts val="0"/>
-              </a:spcAft>
-              <a:buNone/>
-              <a:defRPr sz="3000" b="0" baseline="0">
-                <a:solidFill>
-                  <a:schemeClr val="tx2"/>
-                </a:solidFill>
-              </a:defRPr>
+              <a:buNone/>
+              <a:defRPr sz="2400" b="1"/>
             </a:lvl1pPr>
             <a:lvl2pPr marL="457200" indent="0">
               <a:buNone/>
@@ -2189,7 +1594,13 @@
       </p:sp>
       <p:sp>
         <p:nvSpPr>
-          <p:cNvPr id="4" name="Content Placeholder 3"/>
+          <p:cNvPr id="4" name="Content Placeholder 3">
+            <a:extLst>
+              <a:ext uri="{FF2B5EF4-FFF2-40B4-BE49-F238E27FC236}">
+                <a16:creationId xmlns:a16="http://schemas.microsoft.com/office/drawing/2014/main" id="{B0644DC0-9E5C-4A97-B36D-AF5218B17743}"/>
+              </a:ext>
+            </a:extLst>
+          </p:cNvPr>
           <p:cNvSpPr>
             <a:spLocks noGrp="1"/>
           </p:cNvSpPr>
@@ -2199,49 +1610,13 @@
         </p:nvSpPr>
         <p:spPr>
           <a:xfrm>
-            <a:off x="1371600" y="3305207"/>
-            <a:ext cx="4443984" cy="2562193"/>
+            <a:off x="839788" y="2505075"/>
+            <a:ext cx="5157787" cy="3684588"/>
           </a:xfrm>
         </p:spPr>
         <p:txBody>
           <a:bodyPr/>
-          <a:lstStyle>
-            <a:lvl1pPr>
-              <a:defRPr baseline="0">
-                <a:solidFill>
-                  <a:schemeClr val="tx2"/>
-                </a:solidFill>
-              </a:defRPr>
-            </a:lvl1pPr>
-            <a:lvl2pPr>
-              <a:defRPr baseline="0">
-                <a:solidFill>
-                  <a:schemeClr val="tx2"/>
-                </a:solidFill>
-              </a:defRPr>
-            </a:lvl2pPr>
-            <a:lvl3pPr>
-              <a:defRPr baseline="0">
-                <a:solidFill>
-                  <a:schemeClr val="tx2"/>
-                </a:solidFill>
-              </a:defRPr>
-            </a:lvl3pPr>
-            <a:lvl4pPr>
-              <a:defRPr baseline="0">
-                <a:solidFill>
-                  <a:schemeClr val="tx2"/>
-                </a:solidFill>
-              </a:defRPr>
-            </a:lvl4pPr>
-            <a:lvl5pPr>
-              <a:defRPr baseline="0">
-                <a:solidFill>
-                  <a:schemeClr val="tx2"/>
-                </a:solidFill>
-              </a:defRPr>
-            </a:lvl5pPr>
-          </a:lstStyle>
+          <a:lstStyle/>
           <a:p>
             <a:pPr lvl="0"/>
             <a:r>
@@ -2276,13 +1651,18 @@
               <a:rPr lang="en-US"/>
               <a:t>Fifth level</a:t>
             </a:r>
-            <a:endParaRPr lang="en-US" dirty="0"/>
-          </a:p>
-        </p:txBody>
-      </p:sp>
-      <p:sp>
-        <p:nvSpPr>
-          <p:cNvPr id="5" name="Text Placeholder 4"/>
+          </a:p>
+        </p:txBody>
+      </p:sp>
+      <p:sp>
+        <p:nvSpPr>
+          <p:cNvPr id="5" name="Text Placeholder 4">
+            <a:extLst>
+              <a:ext uri="{FF2B5EF4-FFF2-40B4-BE49-F238E27FC236}">
+                <a16:creationId xmlns:a16="http://schemas.microsoft.com/office/drawing/2014/main" id="{B04489A1-486C-471F-9968-FD3358DCB522}"/>
+              </a:ext>
+            </a:extLst>
+          </p:cNvPr>
           <p:cNvSpPr>
             <a:spLocks noGrp="1"/>
           </p:cNvSpPr>
@@ -2292,31 +1672,16 @@
         </p:nvSpPr>
         <p:spPr>
           <a:xfrm>
-            <a:off x="6525014" y="2340864"/>
-            <a:ext cx="4443984" cy="823912"/>
-          </a:xfrm>
-        </p:spPr>
-        <p:txBody>
-          <a:bodyPr anchor="b">
-            <a:noAutofit/>
-          </a:bodyPr>
+            <a:off x="6172200" y="1681163"/>
+            <a:ext cx="5183188" cy="823912"/>
+          </a:xfrm>
+        </p:spPr>
+        <p:txBody>
+          <a:bodyPr anchor="b"/>
           <a:lstStyle>
             <a:lvl1pPr marL="0" indent="0">
-              <a:lnSpc>
-                <a:spcPct val="84000"/>
-              </a:lnSpc>
-              <a:spcBef>
-                <a:spcPts val="0"/>
-              </a:spcBef>
-              <a:spcAft>
-                <a:spcPts val="0"/>
-              </a:spcAft>
-              <a:buNone/>
-              <a:defRPr sz="3000" b="0" baseline="0">
-                <a:solidFill>
-                  <a:schemeClr val="tx2"/>
-                </a:solidFill>
-              </a:defRPr>
+              <a:buNone/>
+              <a:defRPr sz="2400" b="1"/>
             </a:lvl1pPr>
             <a:lvl2pPr marL="457200" indent="0">
               <a:buNone/>
@@ -2362,7 +1727,13 @@
       </p:sp>
       <p:sp>
         <p:nvSpPr>
-          <p:cNvPr id="6" name="Content Placeholder 5"/>
+          <p:cNvPr id="6" name="Content Placeholder 5">
+            <a:extLst>
+              <a:ext uri="{FF2B5EF4-FFF2-40B4-BE49-F238E27FC236}">
+                <a16:creationId xmlns:a16="http://schemas.microsoft.com/office/drawing/2014/main" id="{D96DBCC3-CAC0-479D-B383-60E241D330E1}"/>
+              </a:ext>
+            </a:extLst>
+          </p:cNvPr>
           <p:cNvSpPr>
             <a:spLocks noGrp="1"/>
           </p:cNvSpPr>
@@ -2372,49 +1743,13 @@
         </p:nvSpPr>
         <p:spPr>
           <a:xfrm>
-            <a:off x="6525014" y="3305207"/>
-            <a:ext cx="4443984" cy="2562193"/>
+            <a:off x="6172200" y="2505075"/>
+            <a:ext cx="5183188" cy="3684588"/>
           </a:xfrm>
         </p:spPr>
         <p:txBody>
           <a:bodyPr/>
-          <a:lstStyle>
-            <a:lvl1pPr>
-              <a:defRPr baseline="0">
-                <a:solidFill>
-                  <a:schemeClr val="tx2"/>
-                </a:solidFill>
-              </a:defRPr>
-            </a:lvl1pPr>
-            <a:lvl2pPr>
-              <a:defRPr baseline="0">
-                <a:solidFill>
-                  <a:schemeClr val="tx2"/>
-                </a:solidFill>
-              </a:defRPr>
-            </a:lvl2pPr>
-            <a:lvl3pPr>
-              <a:defRPr baseline="0">
-                <a:solidFill>
-                  <a:schemeClr val="tx2"/>
-                </a:solidFill>
-              </a:defRPr>
-            </a:lvl3pPr>
-            <a:lvl4pPr>
-              <a:defRPr baseline="0">
-                <a:solidFill>
-                  <a:schemeClr val="tx2"/>
-                </a:solidFill>
-              </a:defRPr>
-            </a:lvl4pPr>
-            <a:lvl5pPr>
-              <a:defRPr baseline="0">
-                <a:solidFill>
-                  <a:schemeClr val="tx2"/>
-                </a:solidFill>
-              </a:defRPr>
-            </a:lvl5pPr>
-          </a:lstStyle>
+          <a:lstStyle/>
           <a:p>
             <a:pPr lvl="0"/>
             <a:r>
@@ -2449,13 +1784,18 @@
               <a:rPr lang="en-US"/>
               <a:t>Fifth level</a:t>
             </a:r>
-            <a:endParaRPr lang="en-US" dirty="0"/>
-          </a:p>
-        </p:txBody>
-      </p:sp>
-      <p:sp>
-        <p:nvSpPr>
-          <p:cNvPr id="7" name="Date Placeholder 6"/>
+          </a:p>
+        </p:txBody>
+      </p:sp>
+      <p:sp>
+        <p:nvSpPr>
+          <p:cNvPr id="7" name="Date Placeholder 6">
+            <a:extLst>
+              <a:ext uri="{FF2B5EF4-FFF2-40B4-BE49-F238E27FC236}">
+                <a16:creationId xmlns:a16="http://schemas.microsoft.com/office/drawing/2014/main" id="{86509AF5-5EF3-4D97-9C15-4A86FA12ED91}"/>
+              </a:ext>
+            </a:extLst>
+          </p:cNvPr>
           <p:cNvSpPr>
             <a:spLocks noGrp="1"/>
           </p:cNvSpPr>
@@ -2468,9 +1808,9 @@
           <a:bodyPr/>
           <a:lstStyle/>
           <a:p>
-            <a:fld id="{14EE655A-3D7C-4A80-825E-04958E92D2F1}" type="datetime1">
+            <a:fld id="{D232AAB5-972F-441E-8D23-4C60FE1A280B}" type="datetimeFigureOut">
               <a:rPr lang="en-US" smtClean="0"/>
-              <a:t>11/26/2020</a:t>
+              <a:t>12/1/2020</a:t>
             </a:fld>
             <a:endParaRPr lang="en-US"/>
           </a:p>
@@ -2478,7 +1818,13 @@
       </p:sp>
       <p:sp>
         <p:nvSpPr>
-          <p:cNvPr id="8" name="Footer Placeholder 7"/>
+          <p:cNvPr id="8" name="Footer Placeholder 7">
+            <a:extLst>
+              <a:ext uri="{FF2B5EF4-FFF2-40B4-BE49-F238E27FC236}">
+                <a16:creationId xmlns:a16="http://schemas.microsoft.com/office/drawing/2014/main" id="{595F84FF-529D-43ED-8002-E0ADA72B50CE}"/>
+              </a:ext>
+            </a:extLst>
+          </p:cNvPr>
           <p:cNvSpPr>
             <a:spLocks noGrp="1"/>
           </p:cNvSpPr>
@@ -2497,7 +1843,13 @@
       </p:sp>
       <p:sp>
         <p:nvSpPr>
-          <p:cNvPr id="9" name="Slide Number Placeholder 8"/>
+          <p:cNvPr id="9" name="Slide Number Placeholder 8">
+            <a:extLst>
+              <a:ext uri="{FF2B5EF4-FFF2-40B4-BE49-F238E27FC236}">
+                <a16:creationId xmlns:a16="http://schemas.microsoft.com/office/drawing/2014/main" id="{C1CCAC80-6A5D-44A4-86BB-E02EE7C1D673}"/>
+              </a:ext>
+            </a:extLst>
+          </p:cNvPr>
           <p:cNvSpPr>
             <a:spLocks noGrp="1"/>
           </p:cNvSpPr>
@@ -2510,7 +1862,7 @@
           <a:bodyPr/>
           <a:lstStyle/>
           <a:p>
-            <a:fld id="{F028C567-C893-478B-8134-9B7E019C1A37}" type="slidenum">
+            <a:fld id="{635447A4-35D3-4552-88EF-B58717EEFE40}" type="slidenum">
               <a:rPr lang="en-US" smtClean="0"/>
               <a:t>‹#›</a:t>
             </a:fld>
@@ -2521,18 +1873,13 @@
     </p:spTree>
     <p:extLst>
       <p:ext uri="{BB962C8B-B14F-4D97-AF65-F5344CB8AC3E}">
-        <p14:creationId xmlns:p14="http://schemas.microsoft.com/office/powerpoint/2010/main" val="222810511"/>
+        <p14:creationId xmlns:p14="http://schemas.microsoft.com/office/powerpoint/2010/main" val="2683355651"/>
       </p:ext>
     </p:extLst>
   </p:cSld>
   <p:clrMapOvr>
     <a:masterClrMapping/>
   </p:clrMapOvr>
-  <p:extLst>
-    <p:ext uri="{DCECCB84-F9BA-43D5-87BE-67443E8EF086}">
-      <p15:sldGuideLst xmlns:p15="http://schemas.microsoft.com/office/powerpoint/2012/main"/>
-    </p:ext>
-  </p:extLst>
 </p:sldLayout>
 </file>
 
@@ -2555,7 +1902,13 @@
       </p:grpSpPr>
       <p:sp>
         <p:nvSpPr>
-          <p:cNvPr id="2" name="Title 1"/>
+          <p:cNvPr id="2" name="Title 1">
+            <a:extLst>
+              <a:ext uri="{FF2B5EF4-FFF2-40B4-BE49-F238E27FC236}">
+                <a16:creationId xmlns:a16="http://schemas.microsoft.com/office/drawing/2014/main" id="{6CCA4476-D5EE-482B-B402-66E750A0CB63}"/>
+              </a:ext>
+            </a:extLst>
+          </p:cNvPr>
           <p:cNvSpPr>
             <a:spLocks noGrp="1"/>
           </p:cNvSpPr>
@@ -2572,13 +1925,18 @@
               <a:rPr lang="en-US"/>
               <a:t>Click to edit Master title style</a:t>
             </a:r>
-            <a:endParaRPr lang="en-US" dirty="0"/>
-          </a:p>
-        </p:txBody>
-      </p:sp>
-      <p:sp>
-        <p:nvSpPr>
-          <p:cNvPr id="3" name="Date Placeholder 2"/>
+          </a:p>
+        </p:txBody>
+      </p:sp>
+      <p:sp>
+        <p:nvSpPr>
+          <p:cNvPr id="3" name="Date Placeholder 2">
+            <a:extLst>
+              <a:ext uri="{FF2B5EF4-FFF2-40B4-BE49-F238E27FC236}">
+                <a16:creationId xmlns:a16="http://schemas.microsoft.com/office/drawing/2014/main" id="{481727E7-F4FE-4E77-BAD5-3029546BDE2C}"/>
+              </a:ext>
+            </a:extLst>
+          </p:cNvPr>
           <p:cNvSpPr>
             <a:spLocks noGrp="1"/>
           </p:cNvSpPr>
@@ -2591,9 +1949,9 @@
           <a:bodyPr/>
           <a:lstStyle/>
           <a:p>
-            <a:fld id="{16FF041E-7D40-4078-8338-D5DAFB1A6756}" type="datetime1">
+            <a:fld id="{D232AAB5-972F-441E-8D23-4C60FE1A280B}" type="datetimeFigureOut">
               <a:rPr lang="en-US" smtClean="0"/>
-              <a:t>11/26/2020</a:t>
+              <a:t>12/1/2020</a:t>
             </a:fld>
             <a:endParaRPr lang="en-US"/>
           </a:p>
@@ -2601,7 +1959,13 @@
       </p:sp>
       <p:sp>
         <p:nvSpPr>
-          <p:cNvPr id="4" name="Footer Placeholder 3"/>
+          <p:cNvPr id="4" name="Footer Placeholder 3">
+            <a:extLst>
+              <a:ext uri="{FF2B5EF4-FFF2-40B4-BE49-F238E27FC236}">
+                <a16:creationId xmlns:a16="http://schemas.microsoft.com/office/drawing/2014/main" id="{A2E298EA-9A29-467F-BDBD-7C2FD8908B69}"/>
+              </a:ext>
+            </a:extLst>
+          </p:cNvPr>
           <p:cNvSpPr>
             <a:spLocks noGrp="1"/>
           </p:cNvSpPr>
@@ -2620,7 +1984,13 @@
       </p:sp>
       <p:sp>
         <p:nvSpPr>
-          <p:cNvPr id="5" name="Slide Number Placeholder 4"/>
+          <p:cNvPr id="5" name="Slide Number Placeholder 4">
+            <a:extLst>
+              <a:ext uri="{FF2B5EF4-FFF2-40B4-BE49-F238E27FC236}">
+                <a16:creationId xmlns:a16="http://schemas.microsoft.com/office/drawing/2014/main" id="{49322BB5-E730-4E30-BBB4-A02AA07718D2}"/>
+              </a:ext>
+            </a:extLst>
+          </p:cNvPr>
           <p:cNvSpPr>
             <a:spLocks noGrp="1"/>
           </p:cNvSpPr>
@@ -2633,7 +2003,7 @@
           <a:bodyPr/>
           <a:lstStyle/>
           <a:p>
-            <a:fld id="{F028C567-C893-478B-8134-9B7E019C1A37}" type="slidenum">
+            <a:fld id="{635447A4-35D3-4552-88EF-B58717EEFE40}" type="slidenum">
               <a:rPr lang="en-US" smtClean="0"/>
               <a:t>‹#›</a:t>
             </a:fld>
@@ -2644,7 +2014,7 @@
     </p:spTree>
     <p:extLst>
       <p:ext uri="{BB962C8B-B14F-4D97-AF65-F5344CB8AC3E}">
-        <p14:creationId xmlns:p14="http://schemas.microsoft.com/office/powerpoint/2010/main" val="474750019"/>
+        <p14:creationId xmlns:p14="http://schemas.microsoft.com/office/powerpoint/2010/main" val="760806489"/>
       </p:ext>
     </p:extLst>
   </p:cSld>
@@ -2673,7 +2043,13 @@
       </p:grpSpPr>
       <p:sp>
         <p:nvSpPr>
-          <p:cNvPr id="2" name="Date Placeholder 1"/>
+          <p:cNvPr id="2" name="Date Placeholder 1">
+            <a:extLst>
+              <a:ext uri="{FF2B5EF4-FFF2-40B4-BE49-F238E27FC236}">
+                <a16:creationId xmlns:a16="http://schemas.microsoft.com/office/drawing/2014/main" id="{87D74121-E047-4344-9966-A8CA17A9BAD7}"/>
+              </a:ext>
+            </a:extLst>
+          </p:cNvPr>
           <p:cNvSpPr>
             <a:spLocks noGrp="1"/>
           </p:cNvSpPr>
@@ -2686,9 +2062,9 @@
           <a:bodyPr/>
           <a:lstStyle/>
           <a:p>
-            <a:fld id="{5AEA18C8-6C95-421C-9CB9-8D8F4764D53C}" type="datetime1">
+            <a:fld id="{D232AAB5-972F-441E-8D23-4C60FE1A280B}" type="datetimeFigureOut">
               <a:rPr lang="en-US" smtClean="0"/>
-              <a:t>11/26/2020</a:t>
+              <a:t>12/1/2020</a:t>
             </a:fld>
             <a:endParaRPr lang="en-US"/>
           </a:p>
@@ -2696,7 +2072,13 @@
       </p:sp>
       <p:sp>
         <p:nvSpPr>
-          <p:cNvPr id="3" name="Footer Placeholder 2"/>
+          <p:cNvPr id="3" name="Footer Placeholder 2">
+            <a:extLst>
+              <a:ext uri="{FF2B5EF4-FFF2-40B4-BE49-F238E27FC236}">
+                <a16:creationId xmlns:a16="http://schemas.microsoft.com/office/drawing/2014/main" id="{09E3E2B4-F787-419E-9F05-C1B007B424D5}"/>
+              </a:ext>
+            </a:extLst>
+          </p:cNvPr>
           <p:cNvSpPr>
             <a:spLocks noGrp="1"/>
           </p:cNvSpPr>
@@ -2715,7 +2097,13 @@
       </p:sp>
       <p:sp>
         <p:nvSpPr>
-          <p:cNvPr id="4" name="Slide Number Placeholder 3"/>
+          <p:cNvPr id="4" name="Slide Number Placeholder 3">
+            <a:extLst>
+              <a:ext uri="{FF2B5EF4-FFF2-40B4-BE49-F238E27FC236}">
+                <a16:creationId xmlns:a16="http://schemas.microsoft.com/office/drawing/2014/main" id="{5B5F33E5-0082-4BF5-9123-5E3E76105B46}"/>
+              </a:ext>
+            </a:extLst>
+          </p:cNvPr>
           <p:cNvSpPr>
             <a:spLocks noGrp="1"/>
           </p:cNvSpPr>
@@ -2728,7 +2116,7 @@
           <a:bodyPr/>
           <a:lstStyle/>
           <a:p>
-            <a:fld id="{F028C567-C893-478B-8134-9B7E019C1A37}" type="slidenum">
+            <a:fld id="{635447A4-35D3-4552-88EF-B58717EEFE40}" type="slidenum">
               <a:rPr lang="en-US" smtClean="0"/>
               <a:t>‹#›</a:t>
             </a:fld>
@@ -2739,7 +2127,7 @@
     </p:spTree>
     <p:extLst>
       <p:ext uri="{BB962C8B-B14F-4D97-AF65-F5344CB8AC3E}">
-        <p14:creationId xmlns:p14="http://schemas.microsoft.com/office/powerpoint/2010/main" val="541211700"/>
+        <p14:creationId xmlns:p14="http://schemas.microsoft.com/office/powerpoint/2010/main" val="3825959153"/>
       </p:ext>
     </p:extLst>
   </p:cSld>
@@ -2750,7 +2138,7 @@
 </file>
 
 <file path=ppt/slideLayouts/slideLayout8.xml><?xml version="1.0" encoding="utf-8"?>
-<p:sldLayout xmlns:a="http://schemas.openxmlformats.org/drawingml/2006/main" xmlns:r="http://schemas.openxmlformats.org/officeDocument/2006/relationships" xmlns:p="http://schemas.openxmlformats.org/presentationml/2006/main" showMasterSp="0" type="objTx" preserve="1">
+<p:sldLayout xmlns:a="http://schemas.openxmlformats.org/drawingml/2006/main" xmlns:r="http://schemas.openxmlformats.org/officeDocument/2006/relationships" xmlns:p="http://schemas.openxmlformats.org/presentationml/2006/main" type="objTx" preserve="1">
   <p:cSld name="Content with Caption">
     <p:spTree>
       <p:nvGrpSpPr>
@@ -2768,72 +2156,31 @@
       </p:grpSpPr>
       <p:sp>
         <p:nvSpPr>
-          <p:cNvPr id="8" name="Rectangle 7" title="Background Shape"/>
-          <p:cNvSpPr/>
-          <p:nvPr/>
+          <p:cNvPr id="2" name="Title 1">
+            <a:extLst>
+              <a:ext uri="{FF2B5EF4-FFF2-40B4-BE49-F238E27FC236}">
+                <a16:creationId xmlns:a16="http://schemas.microsoft.com/office/drawing/2014/main" id="{BCB1FB4A-99DE-4A0C-ACDE-6AB1C1D87F15}"/>
+              </a:ext>
+            </a:extLst>
+          </p:cNvPr>
+          <p:cNvSpPr>
+            <a:spLocks noGrp="1"/>
+          </p:cNvSpPr>
+          <p:nvPr>
+            <p:ph type="title"/>
+          </p:nvPr>
         </p:nvSpPr>
         <p:spPr>
           <a:xfrm>
-            <a:off x="0" y="376"/>
-            <a:ext cx="5303520" cy="6857624"/>
-          </a:xfrm>
-          <a:prstGeom prst="rect">
-            <a:avLst/>
-          </a:prstGeom>
-          <a:solidFill>
-            <a:schemeClr val="accent1"/>
-          </a:solidFill>
-          <a:ln>
-            <a:noFill/>
-          </a:ln>
-        </p:spPr>
-        <p:style>
-          <a:lnRef idx="2">
-            <a:schemeClr val="accent1">
-              <a:shade val="50000"/>
-            </a:schemeClr>
-          </a:lnRef>
-          <a:fillRef idx="1">
-            <a:schemeClr val="accent1"/>
-          </a:fillRef>
-          <a:effectRef idx="0">
-            <a:schemeClr val="accent1"/>
-          </a:effectRef>
-          <a:fontRef idx="minor">
-            <a:schemeClr val="lt1"/>
-          </a:fontRef>
-        </p:style>
-      </p:sp>
-      <p:sp>
-        <p:nvSpPr>
-          <p:cNvPr id="2" name="Title 1"/>
-          <p:cNvSpPr>
-            <a:spLocks noGrp="1"/>
-          </p:cNvSpPr>
-          <p:nvPr>
-            <p:ph type="title"/>
-          </p:nvPr>
-        </p:nvSpPr>
-        <p:spPr>
-          <a:xfrm>
-            <a:off x="723900" y="685800"/>
-            <a:ext cx="3855720" cy="2157884"/>
-          </a:xfrm>
-        </p:spPr>
-        <p:txBody>
-          <a:bodyPr anchor="t">
-            <a:noAutofit/>
-          </a:bodyPr>
+            <a:off x="839788" y="457200"/>
+            <a:ext cx="3932237" cy="1600200"/>
+          </a:xfrm>
+        </p:spPr>
+        <p:txBody>
+          <a:bodyPr anchor="b"/>
           <a:lstStyle>
             <a:lvl1pPr>
-              <a:lnSpc>
-                <a:spcPct val="84000"/>
-              </a:lnSpc>
-              <a:defRPr sz="4800" baseline="0">
-                <a:solidFill>
-                  <a:schemeClr val="tx2"/>
-                </a:solidFill>
-              </a:defRPr>
+              <a:defRPr sz="3200"/>
             </a:lvl1pPr>
           </a:lstStyle>
           <a:p>
@@ -2841,13 +2188,18 @@
               <a:rPr lang="en-US"/>
               <a:t>Click to edit Master title style</a:t>
             </a:r>
-            <a:endParaRPr lang="en-US" dirty="0"/>
-          </a:p>
-        </p:txBody>
-      </p:sp>
-      <p:sp>
-        <p:nvSpPr>
-          <p:cNvPr id="3" name="Content Placeholder 2"/>
+          </a:p>
+        </p:txBody>
+      </p:sp>
+      <p:sp>
+        <p:nvSpPr>
+          <p:cNvPr id="3" name="Content Placeholder 2">
+            <a:extLst>
+              <a:ext uri="{FF2B5EF4-FFF2-40B4-BE49-F238E27FC236}">
+                <a16:creationId xmlns:a16="http://schemas.microsoft.com/office/drawing/2014/main" id="{268A6BC8-3854-4200-9462-4ACE7D91F448}"/>
+              </a:ext>
+            </a:extLst>
+          </p:cNvPr>
           <p:cNvSpPr>
             <a:spLocks noGrp="1"/>
           </p:cNvSpPr>
@@ -2857,39 +2209,39 @@
         </p:nvSpPr>
         <p:spPr>
           <a:xfrm>
-            <a:off x="6256020" y="685801"/>
-            <a:ext cx="5212080" cy="5175250"/>
+            <a:off x="5183188" y="987425"/>
+            <a:ext cx="6172200" cy="4873625"/>
           </a:xfrm>
         </p:spPr>
         <p:txBody>
           <a:bodyPr/>
           <a:lstStyle>
             <a:lvl1pPr>
-              <a:defRPr sz="2000"/>
+              <a:defRPr sz="3200"/>
             </a:lvl1pPr>
             <a:lvl2pPr>
-              <a:defRPr sz="2000"/>
+              <a:defRPr sz="2800"/>
             </a:lvl2pPr>
             <a:lvl3pPr>
-              <a:defRPr sz="1800"/>
+              <a:defRPr sz="2400"/>
             </a:lvl3pPr>
             <a:lvl4pPr>
-              <a:defRPr sz="1800"/>
+              <a:defRPr sz="2000"/>
             </a:lvl4pPr>
             <a:lvl5pPr>
-              <a:defRPr sz="1600"/>
+              <a:defRPr sz="2000"/>
             </a:lvl5pPr>
             <a:lvl6pPr>
-              <a:defRPr sz="1600"/>
+              <a:defRPr sz="2000"/>
             </a:lvl6pPr>
             <a:lvl7pPr>
-              <a:defRPr sz="1600"/>
+              <a:defRPr sz="2000"/>
             </a:lvl7pPr>
             <a:lvl8pPr>
-              <a:defRPr sz="1600"/>
+              <a:defRPr sz="2000"/>
             </a:lvl8pPr>
             <a:lvl9pPr>
-              <a:defRPr sz="1600"/>
+              <a:defRPr sz="2000"/>
             </a:lvl9pPr>
           </a:lstStyle>
           <a:p>
@@ -2926,13 +2278,18 @@
               <a:rPr lang="en-US"/>
               <a:t>Fifth level</a:t>
             </a:r>
-            <a:endParaRPr lang="en-US" dirty="0"/>
-          </a:p>
-        </p:txBody>
-      </p:sp>
-      <p:sp>
-        <p:nvSpPr>
-          <p:cNvPr id="4" name="Text Placeholder 3"/>
+          </a:p>
+        </p:txBody>
+      </p:sp>
+      <p:sp>
+        <p:nvSpPr>
+          <p:cNvPr id="4" name="Text Placeholder 3">
+            <a:extLst>
+              <a:ext uri="{FF2B5EF4-FFF2-40B4-BE49-F238E27FC236}">
+                <a16:creationId xmlns:a16="http://schemas.microsoft.com/office/drawing/2014/main" id="{983EB4EF-B262-458A-9811-DFA654313D9C}"/>
+              </a:ext>
+            </a:extLst>
+          </p:cNvPr>
           <p:cNvSpPr>
             <a:spLocks noGrp="1"/>
           </p:cNvSpPr>
@@ -2942,23 +2299,14 @@
         </p:nvSpPr>
         <p:spPr>
           <a:xfrm>
-            <a:off x="723900" y="2856344"/>
-            <a:ext cx="3855720" cy="3011056"/>
+            <a:off x="839788" y="2057400"/>
+            <a:ext cx="3932237" cy="3811588"/>
           </a:xfrm>
         </p:spPr>
         <p:txBody>
           <a:bodyPr/>
           <a:lstStyle>
             <a:lvl1pPr marL="0" indent="0">
-              <a:lnSpc>
-                <a:spcPct val="113000"/>
-              </a:lnSpc>
-              <a:spcBef>
-                <a:spcPts val="0"/>
-              </a:spcBef>
-              <a:spcAft>
-                <a:spcPts val="1500"/>
-              </a:spcAft>
               <a:buNone/>
               <a:defRPr sz="1600"/>
             </a:lvl1pPr>
@@ -3006,7 +2354,13 @@
       </p:sp>
       <p:sp>
         <p:nvSpPr>
-          <p:cNvPr id="5" name="Date Placeholder 4"/>
+          <p:cNvPr id="5" name="Date Placeholder 4">
+            <a:extLst>
+              <a:ext uri="{FF2B5EF4-FFF2-40B4-BE49-F238E27FC236}">
+                <a16:creationId xmlns:a16="http://schemas.microsoft.com/office/drawing/2014/main" id="{7DCAE692-4BFC-47A0-8672-E41A367B7DCA}"/>
+              </a:ext>
+            </a:extLst>
+          </p:cNvPr>
           <p:cNvSpPr>
             <a:spLocks noGrp="1"/>
           </p:cNvSpPr>
@@ -3014,27 +2368,14 @@
             <p:ph type="dt" sz="half" idx="10"/>
           </p:nvPr>
         </p:nvSpPr>
-        <p:spPr>
-          <a:xfrm>
-            <a:off x="723900" y="6453386"/>
-            <a:ext cx="1204572" cy="404614"/>
-          </a:xfrm>
-        </p:spPr>
+        <p:spPr/>
         <p:txBody>
           <a:bodyPr/>
-          <a:lstStyle>
-            <a:lvl1pPr>
-              <a:defRPr>
-                <a:solidFill>
-                  <a:schemeClr val="tx2"/>
-                </a:solidFill>
-              </a:defRPr>
-            </a:lvl1pPr>
-          </a:lstStyle>
-          <a:p>
-            <a:fld id="{0E87B4D7-567C-43DA-9ABC-1D0E836AC3E9}" type="datetime1">
+          <a:lstStyle/>
+          <a:p>
+            <a:fld id="{D232AAB5-972F-441E-8D23-4C60FE1A280B}" type="datetimeFigureOut">
               <a:rPr lang="en-US" smtClean="0"/>
-              <a:t>11/26/2020</a:t>
+              <a:t>12/1/2020</a:t>
             </a:fld>
             <a:endParaRPr lang="en-US"/>
           </a:p>
@@ -3042,7 +2383,13 @@
       </p:sp>
       <p:sp>
         <p:nvSpPr>
-          <p:cNvPr id="6" name="Footer Placeholder 5"/>
+          <p:cNvPr id="6" name="Footer Placeholder 5">
+            <a:extLst>
+              <a:ext uri="{FF2B5EF4-FFF2-40B4-BE49-F238E27FC236}">
+                <a16:creationId xmlns:a16="http://schemas.microsoft.com/office/drawing/2014/main" id="{C6B69D92-4E8C-40E8-A9C9-1B1AD73C5574}"/>
+              </a:ext>
+            </a:extLst>
+          </p:cNvPr>
           <p:cNvSpPr>
             <a:spLocks noGrp="1"/>
           </p:cNvSpPr>
@@ -3050,23 +2397,10 @@
             <p:ph type="ftr" sz="quarter" idx="11"/>
           </p:nvPr>
         </p:nvSpPr>
-        <p:spPr>
-          <a:xfrm>
-            <a:off x="2205945" y="6453386"/>
-            <a:ext cx="2373675" cy="404614"/>
-          </a:xfrm>
-        </p:spPr>
+        <p:spPr/>
         <p:txBody>
           <a:bodyPr/>
-          <a:lstStyle>
-            <a:lvl1pPr>
-              <a:defRPr>
-                <a:solidFill>
-                  <a:schemeClr val="tx2"/>
-                </a:solidFill>
-              </a:defRPr>
-            </a:lvl1pPr>
-          </a:lstStyle>
+          <a:lstStyle/>
           <a:p>
             <a:endParaRPr lang="en-US"/>
           </a:p>
@@ -3074,7 +2408,13 @@
       </p:sp>
       <p:sp>
         <p:nvSpPr>
-          <p:cNvPr id="7" name="Slide Number Placeholder 6"/>
+          <p:cNvPr id="7" name="Slide Number Placeholder 6">
+            <a:extLst>
+              <a:ext uri="{FF2B5EF4-FFF2-40B4-BE49-F238E27FC236}">
+                <a16:creationId xmlns:a16="http://schemas.microsoft.com/office/drawing/2014/main" id="{71E5EF6A-4D36-418C-90B0-8E9FCA01C697}"/>
+              </a:ext>
+            </a:extLst>
+          </p:cNvPr>
           <p:cNvSpPr>
             <a:spLocks noGrp="1"/>
           </p:cNvSpPr>
@@ -3082,25 +2422,12 @@
             <p:ph type="sldNum" sz="quarter" idx="12"/>
           </p:nvPr>
         </p:nvSpPr>
-        <p:spPr>
-          <a:xfrm>
-            <a:off x="9883140" y="6453386"/>
-            <a:ext cx="1596292" cy="404614"/>
-          </a:xfrm>
-        </p:spPr>
+        <p:spPr/>
         <p:txBody>
           <a:bodyPr/>
-          <a:lstStyle>
-            <a:lvl1pPr>
-              <a:defRPr>
-                <a:solidFill>
-                  <a:schemeClr val="tx2"/>
-                </a:solidFill>
-              </a:defRPr>
-            </a:lvl1pPr>
-          </a:lstStyle>
-          <a:p>
-            <a:fld id="{F028C567-C893-478B-8134-9B7E019C1A37}" type="slidenum">
+          <a:lstStyle/>
+          <a:p>
+            <a:fld id="{635447A4-35D3-4552-88EF-B58717EEFE40}" type="slidenum">
               <a:rPr lang="en-US" smtClean="0"/>
               <a:t>‹#›</a:t>
             </a:fld>
@@ -3108,64 +2435,21 @@
           </a:p>
         </p:txBody>
       </p:sp>
-      <p:sp>
-        <p:nvSpPr>
-          <p:cNvPr id="9" name="Rectangle 8" title="Divider Bar"/>
-          <p:cNvSpPr/>
-          <p:nvPr/>
-        </p:nvSpPr>
-        <p:spPr>
-          <a:xfrm>
-            <a:off x="5303520" y="376"/>
-            <a:ext cx="228600" cy="6858000"/>
-          </a:xfrm>
-          <a:prstGeom prst="rect">
-            <a:avLst/>
-          </a:prstGeom>
-          <a:solidFill>
-            <a:schemeClr val="tx2"/>
-          </a:solidFill>
-          <a:ln>
-            <a:noFill/>
-          </a:ln>
-        </p:spPr>
-        <p:style>
-          <a:lnRef idx="2">
-            <a:schemeClr val="accent1">
-              <a:shade val="50000"/>
-            </a:schemeClr>
-          </a:lnRef>
-          <a:fillRef idx="1">
-            <a:schemeClr val="accent1"/>
-          </a:fillRef>
-          <a:effectRef idx="0">
-            <a:schemeClr val="accent1"/>
-          </a:effectRef>
-          <a:fontRef idx="minor">
-            <a:schemeClr val="lt1"/>
-          </a:fontRef>
-        </p:style>
-      </p:sp>
     </p:spTree>
     <p:extLst>
       <p:ext uri="{BB962C8B-B14F-4D97-AF65-F5344CB8AC3E}">
-        <p14:creationId xmlns:p14="http://schemas.microsoft.com/office/powerpoint/2010/main" val="2723529371"/>
+        <p14:creationId xmlns:p14="http://schemas.microsoft.com/office/powerpoint/2010/main" val="774808350"/>
       </p:ext>
     </p:extLst>
   </p:cSld>
   <p:clrMapOvr>
     <a:masterClrMapping/>
   </p:clrMapOvr>
-  <p:extLst>
-    <p:ext uri="{DCECCB84-F9BA-43D5-87BE-67443E8EF086}">
-      <p15:sldGuideLst xmlns:p15="http://schemas.microsoft.com/office/powerpoint/2012/main"/>
-    </p:ext>
-  </p:extLst>
 </p:sldLayout>
 </file>
 
 <file path=ppt/slideLayouts/slideLayout9.xml><?xml version="1.0" encoding="utf-8"?>
-<p:sldLayout xmlns:a="http://schemas.openxmlformats.org/drawingml/2006/main" xmlns:r="http://schemas.openxmlformats.org/officeDocument/2006/relationships" xmlns:p="http://schemas.openxmlformats.org/presentationml/2006/main" showMasterSp="0" type="picTx" preserve="1">
+<p:sldLayout xmlns:a="http://schemas.openxmlformats.org/drawingml/2006/main" xmlns:r="http://schemas.openxmlformats.org/officeDocument/2006/relationships" xmlns:p="http://schemas.openxmlformats.org/presentationml/2006/main" type="picTx" preserve="1">
   <p:cSld name="Picture with Caption">
     <p:spTree>
       <p:nvGrpSpPr>
@@ -3183,68 +2467,31 @@
       </p:grpSpPr>
       <p:sp>
         <p:nvSpPr>
-          <p:cNvPr id="8" name="Rectangle 7" title="Background Shape"/>
-          <p:cNvSpPr/>
-          <p:nvPr/>
+          <p:cNvPr id="2" name="Title 1">
+            <a:extLst>
+              <a:ext uri="{FF2B5EF4-FFF2-40B4-BE49-F238E27FC236}">
+                <a16:creationId xmlns:a16="http://schemas.microsoft.com/office/drawing/2014/main" id="{65B5E04B-2B87-4025-85CA-4AD79982CFF7}"/>
+              </a:ext>
+            </a:extLst>
+          </p:cNvPr>
+          <p:cNvSpPr>
+            <a:spLocks noGrp="1"/>
+          </p:cNvSpPr>
+          <p:nvPr>
+            <p:ph type="title"/>
+          </p:nvPr>
         </p:nvSpPr>
         <p:spPr>
           <a:xfrm>
-            <a:off x="0" y="376"/>
-            <a:ext cx="5303520" cy="6857624"/>
-          </a:xfrm>
-          <a:prstGeom prst="rect">
-            <a:avLst/>
-          </a:prstGeom>
-          <a:solidFill>
-            <a:schemeClr val="accent1"/>
-          </a:solidFill>
-          <a:ln>
-            <a:noFill/>
-          </a:ln>
-        </p:spPr>
-        <p:style>
-          <a:lnRef idx="2">
-            <a:schemeClr val="accent1">
-              <a:shade val="50000"/>
-            </a:schemeClr>
-          </a:lnRef>
-          <a:fillRef idx="1">
-            <a:schemeClr val="accent1"/>
-          </a:fillRef>
-          <a:effectRef idx="0">
-            <a:schemeClr val="accent1"/>
-          </a:effectRef>
-          <a:fontRef idx="minor">
-            <a:schemeClr val="lt1"/>
-          </a:fontRef>
-        </p:style>
-      </p:sp>
-      <p:sp>
-        <p:nvSpPr>
-          <p:cNvPr id="2" name="Title 1"/>
-          <p:cNvSpPr>
-            <a:spLocks noGrp="1"/>
-          </p:cNvSpPr>
-          <p:nvPr>
-            <p:ph type="title"/>
-          </p:nvPr>
-        </p:nvSpPr>
-        <p:spPr>
-          <a:xfrm>
-            <a:off x="723900" y="685800"/>
-            <a:ext cx="3855720" cy="2157884"/>
-          </a:xfrm>
-        </p:spPr>
-        <p:txBody>
-          <a:bodyPr anchor="t">
-            <a:normAutofit/>
-          </a:bodyPr>
+            <a:off x="839788" y="457200"/>
+            <a:ext cx="3932237" cy="1600200"/>
+          </a:xfrm>
+        </p:spPr>
+        <p:txBody>
+          <a:bodyPr anchor="b"/>
           <a:lstStyle>
             <a:lvl1pPr>
-              <a:lnSpc>
-                <a:spcPct val="84000"/>
-              </a:lnSpc>
-              <a:defRPr sz="4800" baseline="0"/>
+              <a:defRPr sz="3200"/>
             </a:lvl1pPr>
           </a:lstStyle>
           <a:p>
@@ -3252,15 +2499,20 @@
               <a:rPr lang="en-US"/>
               <a:t>Click to edit Master title style</a:t>
             </a:r>
-            <a:endParaRPr lang="en-US" dirty="0"/>
-          </a:p>
-        </p:txBody>
-      </p:sp>
-      <p:sp>
-        <p:nvSpPr>
-          <p:cNvPr id="3" name="Picture Placeholder 2"/>
-          <p:cNvSpPr>
-            <a:spLocks noGrp="1" noChangeAspect="1"/>
+          </a:p>
+        </p:txBody>
+      </p:sp>
+      <p:sp>
+        <p:nvSpPr>
+          <p:cNvPr id="3" name="Picture Placeholder 2">
+            <a:extLst>
+              <a:ext uri="{FF2B5EF4-FFF2-40B4-BE49-F238E27FC236}">
+                <a16:creationId xmlns:a16="http://schemas.microsoft.com/office/drawing/2014/main" id="{36BE8AD7-3EE9-405B-BF57-08F4A803B38C}"/>
+              </a:ext>
+            </a:extLst>
+          </p:cNvPr>
+          <p:cNvSpPr>
+            <a:spLocks noGrp="1"/>
           </p:cNvSpPr>
           <p:nvPr>
             <p:ph type="pic" idx="1"/>
@@ -3268,26 +2520,24 @@
         </p:nvSpPr>
         <p:spPr>
           <a:xfrm>
-            <a:off x="5532120" y="0"/>
-            <a:ext cx="6659880" cy="6857999"/>
-          </a:xfrm>
-        </p:spPr>
-        <p:txBody>
-          <a:bodyPr anchor="t">
-            <a:normAutofit/>
-          </a:bodyPr>
+            <a:off x="5183188" y="987425"/>
+            <a:ext cx="6172200" cy="4873625"/>
+          </a:xfrm>
+        </p:spPr>
+        <p:txBody>
+          <a:bodyPr/>
           <a:lstStyle>
             <a:lvl1pPr marL="0" indent="0">
               <a:buNone/>
-              <a:defRPr sz="2000"/>
+              <a:defRPr sz="3200"/>
             </a:lvl1pPr>
             <a:lvl2pPr marL="457200" indent="0">
               <a:buNone/>
-              <a:defRPr sz="2000"/>
+              <a:defRPr sz="2800"/>
             </a:lvl2pPr>
             <a:lvl3pPr marL="914400" indent="0">
               <a:buNone/>
-              <a:defRPr sz="2000"/>
+              <a:defRPr sz="2400"/>
             </a:lvl3pPr>
             <a:lvl4pPr marL="1371600" indent="0">
               <a:buNone/>
@@ -3315,17 +2565,19 @@
             </a:lvl9pPr>
           </a:lstStyle>
           <a:p>
-            <a:r>
-              <a:rPr lang="en-US"/>
-              <a:t>Click icon to add picture</a:t>
-            </a:r>
-            <a:endParaRPr lang="en-US" dirty="0"/>
-          </a:p>
-        </p:txBody>
-      </p:sp>
-      <p:sp>
-        <p:nvSpPr>
-          <p:cNvPr id="4" name="Text Placeholder 3"/>
+            <a:endParaRPr lang="en-US"/>
+          </a:p>
+        </p:txBody>
+      </p:sp>
+      <p:sp>
+        <p:nvSpPr>
+          <p:cNvPr id="4" name="Text Placeholder 3">
+            <a:extLst>
+              <a:ext uri="{FF2B5EF4-FFF2-40B4-BE49-F238E27FC236}">
+                <a16:creationId xmlns:a16="http://schemas.microsoft.com/office/drawing/2014/main" id="{F6B773E3-830D-41B8-8A44-939721213CE9}"/>
+              </a:ext>
+            </a:extLst>
+          </p:cNvPr>
           <p:cNvSpPr>
             <a:spLocks noGrp="1"/>
           </p:cNvSpPr>
@@ -3335,23 +2587,14 @@
         </p:nvSpPr>
         <p:spPr>
           <a:xfrm>
-            <a:off x="723900" y="2855968"/>
-            <a:ext cx="3855720" cy="3011432"/>
+            <a:off x="839788" y="2057400"/>
+            <a:ext cx="3932237" cy="3811588"/>
           </a:xfrm>
         </p:spPr>
         <p:txBody>
           <a:bodyPr/>
           <a:lstStyle>
             <a:lvl1pPr marL="0" indent="0">
-              <a:lnSpc>
-                <a:spcPct val="113000"/>
-              </a:lnSpc>
-              <a:spcBef>
-                <a:spcPts val="0"/>
-              </a:spcBef>
-              <a:spcAft>
-                <a:spcPts val="1500"/>
-              </a:spcAft>
               <a:buNone/>
               <a:defRPr sz="1600"/>
             </a:lvl1pPr>
@@ -3399,7 +2642,13 @@
       </p:sp>
       <p:sp>
         <p:nvSpPr>
-          <p:cNvPr id="5" name="Date Placeholder 4"/>
+          <p:cNvPr id="5" name="Date Placeholder 4">
+            <a:extLst>
+              <a:ext uri="{FF2B5EF4-FFF2-40B4-BE49-F238E27FC236}">
+                <a16:creationId xmlns:a16="http://schemas.microsoft.com/office/drawing/2014/main" id="{6B3349C1-B438-4F8C-B19F-3C91EAD54A77}"/>
+              </a:ext>
+            </a:extLst>
+          </p:cNvPr>
           <p:cNvSpPr>
             <a:spLocks noGrp="1"/>
           </p:cNvSpPr>
@@ -3407,27 +2656,14 @@
             <p:ph type="dt" sz="half" idx="10"/>
           </p:nvPr>
         </p:nvSpPr>
-        <p:spPr>
-          <a:xfrm>
-            <a:off x="723900" y="6453386"/>
-            <a:ext cx="1204572" cy="404614"/>
-          </a:xfrm>
-        </p:spPr>
+        <p:spPr/>
         <p:txBody>
           <a:bodyPr/>
-          <a:lstStyle>
-            <a:lvl1pPr>
-              <a:defRPr>
-                <a:solidFill>
-                  <a:schemeClr val="tx2"/>
-                </a:solidFill>
-              </a:defRPr>
-            </a:lvl1pPr>
-          </a:lstStyle>
-          <a:p>
-            <a:fld id="{B5290E3C-37B5-49E5-B779-123EF4A9EB69}" type="datetime1">
+          <a:lstStyle/>
+          <a:p>
+            <a:fld id="{D232AAB5-972F-441E-8D23-4C60FE1A280B}" type="datetimeFigureOut">
               <a:rPr lang="en-US" smtClean="0"/>
-              <a:t>11/26/2020</a:t>
+              <a:t>12/1/2020</a:t>
             </a:fld>
             <a:endParaRPr lang="en-US"/>
           </a:p>
@@ -3435,7 +2671,13 @@
       </p:sp>
       <p:sp>
         <p:nvSpPr>
-          <p:cNvPr id="6" name="Footer Placeholder 5"/>
+          <p:cNvPr id="6" name="Footer Placeholder 5">
+            <a:extLst>
+              <a:ext uri="{FF2B5EF4-FFF2-40B4-BE49-F238E27FC236}">
+                <a16:creationId xmlns:a16="http://schemas.microsoft.com/office/drawing/2014/main" id="{A44445B8-8B82-43D7-8FA7-FBF7DB3D5572}"/>
+              </a:ext>
+            </a:extLst>
+          </p:cNvPr>
           <p:cNvSpPr>
             <a:spLocks noGrp="1"/>
           </p:cNvSpPr>
@@ -3443,23 +2685,10 @@
             <p:ph type="ftr" sz="quarter" idx="11"/>
           </p:nvPr>
         </p:nvSpPr>
-        <p:spPr>
-          <a:xfrm>
-            <a:off x="2205945" y="6453386"/>
-            <a:ext cx="2373675" cy="404614"/>
-          </a:xfrm>
-        </p:spPr>
+        <p:spPr/>
         <p:txBody>
           <a:bodyPr/>
-          <a:lstStyle>
-            <a:lvl1pPr>
-              <a:defRPr>
-                <a:solidFill>
-                  <a:schemeClr val="tx2"/>
-                </a:solidFill>
-              </a:defRPr>
-            </a:lvl1pPr>
-          </a:lstStyle>
+          <a:lstStyle/>
           <a:p>
             <a:endParaRPr lang="en-US"/>
           </a:p>
@@ -3467,7 +2696,13 @@
       </p:sp>
       <p:sp>
         <p:nvSpPr>
-          <p:cNvPr id="7" name="Slide Number Placeholder 6"/>
+          <p:cNvPr id="7" name="Slide Number Placeholder 6">
+            <a:extLst>
+              <a:ext uri="{FF2B5EF4-FFF2-40B4-BE49-F238E27FC236}">
+                <a16:creationId xmlns:a16="http://schemas.microsoft.com/office/drawing/2014/main" id="{764180ED-40DD-4726-B3CA-B984618AFF78}"/>
+              </a:ext>
+            </a:extLst>
+          </p:cNvPr>
           <p:cNvSpPr>
             <a:spLocks noGrp="1"/>
           </p:cNvSpPr>
@@ -3475,25 +2710,12 @@
             <p:ph type="sldNum" sz="quarter" idx="12"/>
           </p:nvPr>
         </p:nvSpPr>
-        <p:spPr>
-          <a:xfrm>
-            <a:off x="9883140" y="6453386"/>
-            <a:ext cx="1596292" cy="404614"/>
-          </a:xfrm>
-        </p:spPr>
+        <p:spPr/>
         <p:txBody>
           <a:bodyPr/>
-          <a:lstStyle>
-            <a:lvl1pPr>
-              <a:defRPr>
-                <a:solidFill>
-                  <a:schemeClr val="tx2"/>
-                </a:solidFill>
-              </a:defRPr>
-            </a:lvl1pPr>
-          </a:lstStyle>
-          <a:p>
-            <a:fld id="{F028C567-C893-478B-8134-9B7E019C1A37}" type="slidenum">
+          <a:lstStyle/>
+          <a:p>
+            <a:fld id="{635447A4-35D3-4552-88EF-B58717EEFE40}" type="slidenum">
               <a:rPr lang="en-US" smtClean="0"/>
               <a:t>‹#›</a:t>
             </a:fld>
@@ -3501,48 +2723,10 @@
           </a:p>
         </p:txBody>
       </p:sp>
-      <p:sp>
-        <p:nvSpPr>
-          <p:cNvPr id="9" name="Rectangle 8" title="Divider Bar"/>
-          <p:cNvSpPr/>
-          <p:nvPr/>
-        </p:nvSpPr>
-        <p:spPr>
-          <a:xfrm>
-            <a:off x="5303520" y="376"/>
-            <a:ext cx="228600" cy="6858000"/>
-          </a:xfrm>
-          <a:prstGeom prst="rect">
-            <a:avLst/>
-          </a:prstGeom>
-          <a:solidFill>
-            <a:schemeClr val="tx2"/>
-          </a:solidFill>
-          <a:ln>
-            <a:noFill/>
-          </a:ln>
-        </p:spPr>
-        <p:style>
-          <a:lnRef idx="2">
-            <a:schemeClr val="accent1">
-              <a:shade val="50000"/>
-            </a:schemeClr>
-          </a:lnRef>
-          <a:fillRef idx="1">
-            <a:schemeClr val="accent1"/>
-          </a:fillRef>
-          <a:effectRef idx="0">
-            <a:schemeClr val="accent1"/>
-          </a:effectRef>
-          <a:fontRef idx="minor">
-            <a:schemeClr val="lt1"/>
-          </a:fontRef>
-        </p:style>
-      </p:sp>
     </p:spTree>
     <p:extLst>
       <p:ext uri="{BB962C8B-B14F-4D97-AF65-F5344CB8AC3E}">
-        <p14:creationId xmlns:p14="http://schemas.microsoft.com/office/powerpoint/2010/main" val="2054357845"/>
+        <p14:creationId xmlns:p14="http://schemas.microsoft.com/office/powerpoint/2010/main" val="554165430"/>
       </p:ext>
     </p:extLst>
   </p:cSld>
@@ -3556,12 +2740,9 @@
 <p:sldMaster xmlns:a="http://schemas.openxmlformats.org/drawingml/2006/main" xmlns:r="http://schemas.openxmlformats.org/officeDocument/2006/relationships" xmlns:p="http://schemas.openxmlformats.org/presentationml/2006/main">
   <p:cSld>
     <p:bg>
-      <p:bgPr>
-        <a:solidFill>
-          <a:schemeClr val="bg2"/>
-        </a:solidFill>
-        <a:effectLst/>
-      </p:bgPr>
+      <p:bgRef idx="1001">
+        <a:schemeClr val="bg1"/>
+      </p:bgRef>
     </p:bg>
     <p:spTree>
       <p:nvGrpSpPr>
@@ -3579,7 +2760,13 @@
       </p:grpSpPr>
       <p:sp>
         <p:nvSpPr>
-          <p:cNvPr id="2" name="Title Placeholder 1"/>
+          <p:cNvPr id="2" name="Title Placeholder 1">
+            <a:extLst>
+              <a:ext uri="{FF2B5EF4-FFF2-40B4-BE49-F238E27FC236}">
+                <a16:creationId xmlns:a16="http://schemas.microsoft.com/office/drawing/2014/main" id="{E2487597-47D8-4966-AF06-41F756102A52}"/>
+              </a:ext>
+            </a:extLst>
+          </p:cNvPr>
           <p:cNvSpPr>
             <a:spLocks noGrp="1"/>
           </p:cNvSpPr>
@@ -3589,15 +2776,15 @@
         </p:nvSpPr>
         <p:spPr>
           <a:xfrm>
-            <a:off x="1371600" y="685800"/>
-            <a:ext cx="9601200" cy="1485900"/>
+            <a:off x="838200" y="365125"/>
+            <a:ext cx="10515600" cy="1325563"/>
           </a:xfrm>
           <a:prstGeom prst="rect">
             <a:avLst/>
           </a:prstGeom>
         </p:spPr>
         <p:txBody>
-          <a:bodyPr vert="horz" lIns="91440" tIns="45720" rIns="91440" bIns="45720" rtlCol="0" anchor="t">
+          <a:bodyPr vert="horz" lIns="91440" tIns="45720" rIns="91440" bIns="45720" rtlCol="0" anchor="ctr">
             <a:normAutofit/>
           </a:bodyPr>
           <a:lstStyle/>
@@ -3606,13 +2793,18 @@
               <a:rPr lang="en-US"/>
               <a:t>Click to edit Master title style</a:t>
             </a:r>
-            <a:endParaRPr lang="en-US" dirty="0"/>
-          </a:p>
-        </p:txBody>
-      </p:sp>
-      <p:sp>
-        <p:nvSpPr>
-          <p:cNvPr id="3" name="Text Placeholder 2"/>
+          </a:p>
+        </p:txBody>
+      </p:sp>
+      <p:sp>
+        <p:nvSpPr>
+          <p:cNvPr id="3" name="Text Placeholder 2">
+            <a:extLst>
+              <a:ext uri="{FF2B5EF4-FFF2-40B4-BE49-F238E27FC236}">
+                <a16:creationId xmlns:a16="http://schemas.microsoft.com/office/drawing/2014/main" id="{8B54E059-93A0-4FFD-9335-C858785808DA}"/>
+              </a:ext>
+            </a:extLst>
+          </p:cNvPr>
           <p:cNvSpPr>
             <a:spLocks noGrp="1"/>
           </p:cNvSpPr>
@@ -3622,8 +2814,8 @@
         </p:nvSpPr>
         <p:spPr>
           <a:xfrm>
-            <a:off x="1371600" y="2286000"/>
-            <a:ext cx="9601200" cy="3581400"/>
+            <a:off x="838200" y="1825625"/>
+            <a:ext cx="10515600" cy="4351338"/>
           </a:xfrm>
           <a:prstGeom prst="rect">
             <a:avLst/>
@@ -3668,13 +2860,18 @@
               <a:rPr lang="en-US"/>
               <a:t>Fifth level</a:t>
             </a:r>
-            <a:endParaRPr lang="en-US" dirty="0"/>
-          </a:p>
-        </p:txBody>
-      </p:sp>
-      <p:sp>
-        <p:nvSpPr>
-          <p:cNvPr id="4" name="Date Placeholder 3"/>
+          </a:p>
+        </p:txBody>
+      </p:sp>
+      <p:sp>
+        <p:nvSpPr>
+          <p:cNvPr id="4" name="Date Placeholder 3">
+            <a:extLst>
+              <a:ext uri="{FF2B5EF4-FFF2-40B4-BE49-F238E27FC236}">
+                <a16:creationId xmlns:a16="http://schemas.microsoft.com/office/drawing/2014/main" id="{76238A75-F3C3-4420-8ADD-E336E50CA169}"/>
+              </a:ext>
+            </a:extLst>
+          </p:cNvPr>
           <p:cNvSpPr>
             <a:spLocks noGrp="1"/>
           </p:cNvSpPr>
@@ -3684,8 +2881,8 @@
         </p:nvSpPr>
         <p:spPr>
           <a:xfrm>
-            <a:off x="1390650" y="6453386"/>
-            <a:ext cx="1204572" cy="404614"/>
+            <a:off x="838200" y="6356350"/>
+            <a:ext cx="2743200" cy="365125"/>
           </a:xfrm>
           <a:prstGeom prst="rect">
             <a:avLst/>
@@ -3695,17 +2892,19 @@
           <a:bodyPr vert="horz" lIns="91440" tIns="45720" rIns="91440" bIns="45720" rtlCol="0" anchor="ctr"/>
           <a:lstStyle>
             <a:lvl1pPr algn="l">
-              <a:defRPr sz="1200" baseline="0">
+              <a:defRPr sz="1200">
                 <a:solidFill>
-                  <a:schemeClr val="tx2"/>
+                  <a:schemeClr val="tx1">
+                    <a:tint val="75000"/>
+                  </a:schemeClr>
                 </a:solidFill>
               </a:defRPr>
             </a:lvl1pPr>
           </a:lstStyle>
           <a:p>
-            <a:fld id="{5E063D95-9933-498C-A792-D8217AE78B36}" type="datetime1">
+            <a:fld id="{D232AAB5-972F-441E-8D23-4C60FE1A280B}" type="datetimeFigureOut">
               <a:rPr lang="en-US" smtClean="0"/>
-              <a:t>11/26/2020</a:t>
+              <a:t>12/1/2020</a:t>
             </a:fld>
             <a:endParaRPr lang="en-US"/>
           </a:p>
@@ -3713,7 +2912,13 @@
       </p:sp>
       <p:sp>
         <p:nvSpPr>
-          <p:cNvPr id="5" name="Footer Placeholder 4"/>
+          <p:cNvPr id="5" name="Footer Placeholder 4">
+            <a:extLst>
+              <a:ext uri="{FF2B5EF4-FFF2-40B4-BE49-F238E27FC236}">
+                <a16:creationId xmlns:a16="http://schemas.microsoft.com/office/drawing/2014/main" id="{15378900-9F82-4A9E-B54A-95E758BDE2C4}"/>
+              </a:ext>
+            </a:extLst>
+          </p:cNvPr>
           <p:cNvSpPr>
             <a:spLocks noGrp="1"/>
           </p:cNvSpPr>
@@ -3723,8 +2928,8 @@
         </p:nvSpPr>
         <p:spPr>
           <a:xfrm>
-            <a:off x="2893564" y="6453386"/>
-            <a:ext cx="6280830" cy="404614"/>
+            <a:off x="4038600" y="6356350"/>
+            <a:ext cx="4114800" cy="365125"/>
           </a:xfrm>
           <a:prstGeom prst="rect">
             <a:avLst/>
@@ -3733,10 +2938,12 @@
         <p:txBody>
           <a:bodyPr vert="horz" lIns="91440" tIns="45720" rIns="91440" bIns="45720" rtlCol="0" anchor="ctr"/>
           <a:lstStyle>
-            <a:lvl1pPr algn="l">
-              <a:defRPr sz="1200" baseline="0">
+            <a:lvl1pPr algn="ctr">
+              <a:defRPr sz="1200">
                 <a:solidFill>
-                  <a:schemeClr val="tx2"/>
+                  <a:schemeClr val="tx1">
+                    <a:tint val="75000"/>
+                  </a:schemeClr>
                 </a:solidFill>
               </a:defRPr>
             </a:lvl1pPr>
@@ -3748,7 +2955,13 @@
       </p:sp>
       <p:sp>
         <p:nvSpPr>
-          <p:cNvPr id="6" name="Slide Number Placeholder 5"/>
+          <p:cNvPr id="6" name="Slide Number Placeholder 5">
+            <a:extLst>
+              <a:ext uri="{FF2B5EF4-FFF2-40B4-BE49-F238E27FC236}">
+                <a16:creationId xmlns:a16="http://schemas.microsoft.com/office/drawing/2014/main" id="{3B066B86-9F23-47A3-B6EE-80993B3D802C}"/>
+              </a:ext>
+            </a:extLst>
+          </p:cNvPr>
           <p:cNvSpPr>
             <a:spLocks noGrp="1"/>
           </p:cNvSpPr>
@@ -3758,8 +2971,8 @@
         </p:nvSpPr>
         <p:spPr>
           <a:xfrm>
-            <a:off x="9472736" y="6453386"/>
-            <a:ext cx="1596292" cy="404614"/>
+            <a:off x="8610600" y="6356350"/>
+            <a:ext cx="2743200" cy="365125"/>
           </a:xfrm>
           <a:prstGeom prst="rect">
             <a:avLst/>
@@ -3769,15 +2982,17 @@
           <a:bodyPr vert="horz" lIns="91440" tIns="45720" rIns="91440" bIns="45720" rtlCol="0" anchor="ctr"/>
           <a:lstStyle>
             <a:lvl1pPr algn="r">
-              <a:defRPr sz="1200" baseline="0">
+              <a:defRPr sz="1200">
                 <a:solidFill>
-                  <a:schemeClr val="tx2"/>
+                  <a:schemeClr val="tx1">
+                    <a:tint val="75000"/>
+                  </a:schemeClr>
                 </a:solidFill>
               </a:defRPr>
             </a:lvl1pPr>
           </a:lstStyle>
           <a:p>
-            <a:fld id="{F028C567-C893-478B-8134-9B7E019C1A37}" type="slidenum">
+            <a:fld id="{635447A4-35D3-4552-88EF-B58717EEFE40}" type="slidenum">
               <a:rPr lang="en-US" smtClean="0"/>
               <a:t>‹#›</a:t>
             </a:fld>
@@ -3785,79 +3000,40 @@
           </a:p>
         </p:txBody>
       </p:sp>
-      <p:sp>
-        <p:nvSpPr>
-          <p:cNvPr id="9" name="Rectangle 8" title="Side bar"/>
-          <p:cNvSpPr/>
-          <p:nvPr userDrawn="1"/>
-        </p:nvSpPr>
-        <p:spPr>
-          <a:xfrm>
-            <a:off x="478095" y="376"/>
-            <a:ext cx="228600" cy="6858000"/>
-          </a:xfrm>
-          <a:prstGeom prst="rect">
-            <a:avLst/>
-          </a:prstGeom>
-          <a:solidFill>
-            <a:schemeClr val="tx2"/>
-          </a:solidFill>
-          <a:ln>
-            <a:noFill/>
-          </a:ln>
-        </p:spPr>
-        <p:style>
-          <a:lnRef idx="2">
-            <a:schemeClr val="accent1">
-              <a:shade val="50000"/>
-            </a:schemeClr>
-          </a:lnRef>
-          <a:fillRef idx="1">
-            <a:schemeClr val="accent1"/>
-          </a:fillRef>
-          <a:effectRef idx="0">
-            <a:schemeClr val="accent1"/>
-          </a:effectRef>
-          <a:fontRef idx="minor">
-            <a:schemeClr val="lt1"/>
-          </a:fontRef>
-        </p:style>
-      </p:sp>
     </p:spTree>
     <p:extLst>
       <p:ext uri="{BB962C8B-B14F-4D97-AF65-F5344CB8AC3E}">
-        <p14:creationId xmlns:p14="http://schemas.microsoft.com/office/powerpoint/2010/main" val="2849242724"/>
+        <p14:creationId xmlns:p14="http://schemas.microsoft.com/office/powerpoint/2010/main" val="3376080939"/>
       </p:ext>
     </p:extLst>
   </p:cSld>
   <p:clrMap bg1="lt1" tx1="dk1" bg2="lt2" tx2="dk2" accent1="accent1" accent2="accent2" accent3="accent3" accent4="accent4" accent5="accent5" accent6="accent6" hlink="hlink" folHlink="folHlink"/>
   <p:sldLayoutIdLst>
-    <p:sldLayoutId id="2147483757" r:id="rId1"/>
-    <p:sldLayoutId id="2147483758" r:id="rId2"/>
-    <p:sldLayoutId id="2147483759" r:id="rId3"/>
-    <p:sldLayoutId id="2147483760" r:id="rId4"/>
-    <p:sldLayoutId id="2147483761" r:id="rId5"/>
-    <p:sldLayoutId id="2147483762" r:id="rId6"/>
-    <p:sldLayoutId id="2147483763" r:id="rId7"/>
-    <p:sldLayoutId id="2147483764" r:id="rId8"/>
-    <p:sldLayoutId id="2147483765" r:id="rId9"/>
-    <p:sldLayoutId id="2147483766" r:id="rId10"/>
-    <p:sldLayoutId id="2147483767" r:id="rId11"/>
+    <p:sldLayoutId id="2147483649" r:id="rId1"/>
+    <p:sldLayoutId id="2147483650" r:id="rId2"/>
+    <p:sldLayoutId id="2147483651" r:id="rId3"/>
+    <p:sldLayoutId id="2147483652" r:id="rId4"/>
+    <p:sldLayoutId id="2147483653" r:id="rId5"/>
+    <p:sldLayoutId id="2147483654" r:id="rId6"/>
+    <p:sldLayoutId id="2147483655" r:id="rId7"/>
+    <p:sldLayoutId id="2147483656" r:id="rId8"/>
+    <p:sldLayoutId id="2147483657" r:id="rId9"/>
+    <p:sldLayoutId id="2147483658" r:id="rId10"/>
+    <p:sldLayoutId id="2147483659" r:id="rId11"/>
   </p:sldLayoutIdLst>
-  <p:hf hdr="0" ftr="0" dt="0"/>
   <p:txStyles>
     <p:titleStyle>
       <a:lvl1pPr algn="l" defTabSz="914400" rtl="0" eaLnBrk="1" latinLnBrk="0" hangingPunct="1">
         <a:lnSpc>
-          <a:spcPct val="89000"/>
+          <a:spcPct val="90000"/>
         </a:lnSpc>
         <a:spcBef>
           <a:spcPct val="0"/>
         </a:spcBef>
         <a:buNone/>
-        <a:defRPr sz="4400" kern="1200" baseline="0">
+        <a:defRPr sz="4400" kern="1200">
           <a:solidFill>
-            <a:schemeClr val="tx2"/>
+            <a:schemeClr val="tx1"/>
           </a:solidFill>
           <a:latin typeface="+mj-lt"/>
           <a:ea typeface="+mj-ea"/>
@@ -3866,189 +3042,162 @@
       </a:lvl1pPr>
     </p:titleStyle>
     <p:bodyStyle>
-      <a:lvl1pPr marL="384048" indent="-384048" algn="l" defTabSz="914400" rtl="0" eaLnBrk="1" latinLnBrk="0" hangingPunct="1">
+      <a:lvl1pPr marL="228600" indent="-228600" algn="l" defTabSz="914400" rtl="0" eaLnBrk="1" latinLnBrk="0" hangingPunct="1">
         <a:lnSpc>
-          <a:spcPct val="94000"/>
+          <a:spcPct val="90000"/>
         </a:lnSpc>
         <a:spcBef>
           <a:spcPts val="1000"/>
         </a:spcBef>
-        <a:spcAft>
-          <a:spcPts val="200"/>
-        </a:spcAft>
-        <a:buFont typeface="Franklin Gothic Book" panose="020B0503020102020204" pitchFamily="34" charset="0"/>
-        <a:buChar char="■"/>
-        <a:defRPr sz="2000" kern="1200" baseline="0">
+        <a:buFont typeface="Arial" panose="020B0604020202020204" pitchFamily="34" charset="0"/>
+        <a:buChar char="•"/>
+        <a:defRPr sz="2800" kern="1200">
           <a:solidFill>
-            <a:schemeClr val="tx2"/>
+            <a:schemeClr val="tx1"/>
           </a:solidFill>
           <a:latin typeface="+mn-lt"/>
           <a:ea typeface="+mn-ea"/>
           <a:cs typeface="+mn-cs"/>
         </a:defRPr>
       </a:lvl1pPr>
-      <a:lvl2pPr marL="914400" indent="-384048" algn="l" defTabSz="914400" rtl="0" eaLnBrk="1" latinLnBrk="0" hangingPunct="1">
+      <a:lvl2pPr marL="685800" indent="-228600" algn="l" defTabSz="914400" rtl="0" eaLnBrk="1" latinLnBrk="0" hangingPunct="1">
         <a:lnSpc>
-          <a:spcPct val="94000"/>
+          <a:spcPct val="90000"/>
         </a:lnSpc>
         <a:spcBef>
           <a:spcPts val="500"/>
         </a:spcBef>
-        <a:spcAft>
-          <a:spcPts val="200"/>
-        </a:spcAft>
-        <a:buFont typeface="Franklin Gothic Book" panose="020B0503020102020204" pitchFamily="34" charset="0"/>
-        <a:buChar char="–"/>
-        <a:defRPr sz="2000" i="1" kern="1200" baseline="0">
+        <a:buFont typeface="Arial" panose="020B0604020202020204" pitchFamily="34" charset="0"/>
+        <a:buChar char="•"/>
+        <a:defRPr sz="2400" kern="1200">
           <a:solidFill>
-            <a:schemeClr val="tx2"/>
+            <a:schemeClr val="tx1"/>
           </a:solidFill>
           <a:latin typeface="+mn-lt"/>
           <a:ea typeface="+mn-ea"/>
           <a:cs typeface="+mn-cs"/>
         </a:defRPr>
       </a:lvl2pPr>
-      <a:lvl3pPr marL="1371600" indent="-384048" algn="l" defTabSz="914400" rtl="0" eaLnBrk="1" latinLnBrk="0" hangingPunct="1">
+      <a:lvl3pPr marL="1143000" indent="-228600" algn="l" defTabSz="914400" rtl="0" eaLnBrk="1" latinLnBrk="0" hangingPunct="1">
         <a:lnSpc>
-          <a:spcPct val="94000"/>
+          <a:spcPct val="90000"/>
         </a:lnSpc>
         <a:spcBef>
           <a:spcPts val="500"/>
         </a:spcBef>
-        <a:spcAft>
-          <a:spcPts val="200"/>
-        </a:spcAft>
-        <a:buFont typeface="Franklin Gothic Book" panose="020B0503020102020204" pitchFamily="34" charset="0"/>
-        <a:buChar char="■"/>
-        <a:defRPr sz="1800" kern="1200" baseline="0">
+        <a:buFont typeface="Arial" panose="020B0604020202020204" pitchFamily="34" charset="0"/>
+        <a:buChar char="•"/>
+        <a:defRPr sz="2000" kern="1200">
           <a:solidFill>
-            <a:schemeClr val="tx2"/>
+            <a:schemeClr val="tx1"/>
           </a:solidFill>
           <a:latin typeface="+mn-lt"/>
           <a:ea typeface="+mn-ea"/>
           <a:cs typeface="+mn-cs"/>
         </a:defRPr>
       </a:lvl3pPr>
-      <a:lvl4pPr marL="1828800" indent="-384048" algn="l" defTabSz="914400" rtl="0" eaLnBrk="1" latinLnBrk="0" hangingPunct="1">
+      <a:lvl4pPr marL="1600200" indent="-228600" algn="l" defTabSz="914400" rtl="0" eaLnBrk="1" latinLnBrk="0" hangingPunct="1">
         <a:lnSpc>
-          <a:spcPct val="94000"/>
+          <a:spcPct val="90000"/>
         </a:lnSpc>
         <a:spcBef>
           <a:spcPts val="500"/>
         </a:spcBef>
-        <a:spcAft>
-          <a:spcPts val="200"/>
-        </a:spcAft>
-        <a:buFont typeface="Franklin Gothic Book" panose="020B0503020102020204" pitchFamily="34" charset="0"/>
-        <a:buChar char="–"/>
-        <a:defRPr sz="1800" i="1" kern="1200" baseline="0">
+        <a:buFont typeface="Arial" panose="020B0604020202020204" pitchFamily="34" charset="0"/>
+        <a:buChar char="•"/>
+        <a:defRPr sz="1800" kern="1200">
           <a:solidFill>
-            <a:schemeClr val="tx2"/>
+            <a:schemeClr val="tx1"/>
           </a:solidFill>
           <a:latin typeface="+mn-lt"/>
           <a:ea typeface="+mn-ea"/>
           <a:cs typeface="+mn-cs"/>
         </a:defRPr>
       </a:lvl4pPr>
-      <a:lvl5pPr marL="2286000" indent="-384048" algn="l" defTabSz="914400" rtl="0" eaLnBrk="1" latinLnBrk="0" hangingPunct="1">
+      <a:lvl5pPr marL="2057400" indent="-228600" algn="l" defTabSz="914400" rtl="0" eaLnBrk="1" latinLnBrk="0" hangingPunct="1">
         <a:lnSpc>
-          <a:spcPct val="94000"/>
+          <a:spcPct val="90000"/>
         </a:lnSpc>
         <a:spcBef>
           <a:spcPts val="500"/>
         </a:spcBef>
-        <a:spcAft>
-          <a:spcPts val="200"/>
-        </a:spcAft>
-        <a:buFont typeface="Franklin Gothic Book" panose="020B0503020102020204" pitchFamily="34" charset="0"/>
-        <a:buChar char="■"/>
-        <a:defRPr sz="1600" kern="1200" baseline="0">
+        <a:buFont typeface="Arial" panose="020B0604020202020204" pitchFamily="34" charset="0"/>
+        <a:buChar char="•"/>
+        <a:defRPr sz="1800" kern="1200">
           <a:solidFill>
-            <a:schemeClr val="tx2"/>
+            <a:schemeClr val="tx1"/>
           </a:solidFill>
           <a:latin typeface="+mn-lt"/>
           <a:ea typeface="+mn-ea"/>
           <a:cs typeface="+mn-cs"/>
         </a:defRPr>
       </a:lvl5pPr>
-      <a:lvl6pPr marL="2743200" indent="-384048" algn="l" defTabSz="914400" rtl="0" eaLnBrk="1" latinLnBrk="0" hangingPunct="1">
+      <a:lvl6pPr marL="2514600" indent="-228600" algn="l" defTabSz="914400" rtl="0" eaLnBrk="1" latinLnBrk="0" hangingPunct="1">
         <a:lnSpc>
-          <a:spcPct val="94000"/>
+          <a:spcPct val="90000"/>
         </a:lnSpc>
         <a:spcBef>
           <a:spcPts val="500"/>
         </a:spcBef>
-        <a:spcAft>
-          <a:spcPts val="200"/>
-        </a:spcAft>
-        <a:buFont typeface="Franklin Gothic Book" panose="020B0503020102020204" pitchFamily="34" charset="0"/>
-        <a:buChar char="–"/>
-        <a:defRPr sz="1600" i="1" kern="1200" baseline="0">
+        <a:buFont typeface="Arial" panose="020B0604020202020204" pitchFamily="34" charset="0"/>
+        <a:buChar char="•"/>
+        <a:defRPr sz="1800" kern="1200">
           <a:solidFill>
-            <a:schemeClr val="tx2"/>
+            <a:schemeClr val="tx1"/>
           </a:solidFill>
           <a:latin typeface="+mn-lt"/>
           <a:ea typeface="+mn-ea"/>
           <a:cs typeface="+mn-cs"/>
         </a:defRPr>
       </a:lvl6pPr>
-      <a:lvl7pPr marL="3200400" indent="-384048" algn="l" defTabSz="914400" rtl="0" eaLnBrk="1" latinLnBrk="0" hangingPunct="1">
+      <a:lvl7pPr marL="2971800" indent="-228600" algn="l" defTabSz="914400" rtl="0" eaLnBrk="1" latinLnBrk="0" hangingPunct="1">
         <a:lnSpc>
-          <a:spcPct val="94000"/>
+          <a:spcPct val="90000"/>
         </a:lnSpc>
         <a:spcBef>
           <a:spcPts val="500"/>
         </a:spcBef>
-        <a:spcAft>
-          <a:spcPts val="200"/>
-        </a:spcAft>
-        <a:buFont typeface="Franklin Gothic Book" panose="020B0503020102020204" pitchFamily="34" charset="0"/>
-        <a:buChar char="■"/>
-        <a:defRPr sz="1400" kern="1200" baseline="0">
+        <a:buFont typeface="Arial" panose="020B0604020202020204" pitchFamily="34" charset="0"/>
+        <a:buChar char="•"/>
+        <a:defRPr sz="1800" kern="1200">
           <a:solidFill>
-            <a:schemeClr val="tx2"/>
+            <a:schemeClr val="tx1"/>
           </a:solidFill>
           <a:latin typeface="+mn-lt"/>
           <a:ea typeface="+mn-ea"/>
           <a:cs typeface="+mn-cs"/>
         </a:defRPr>
       </a:lvl7pPr>
-      <a:lvl8pPr marL="3657600" indent="-384048" algn="l" defTabSz="914400" rtl="0" eaLnBrk="1" latinLnBrk="0" hangingPunct="1">
+      <a:lvl8pPr marL="3429000" indent="-228600" algn="l" defTabSz="914400" rtl="0" eaLnBrk="1" latinLnBrk="0" hangingPunct="1">
         <a:lnSpc>
-          <a:spcPct val="94000"/>
+          <a:spcPct val="90000"/>
         </a:lnSpc>
         <a:spcBef>
           <a:spcPts val="500"/>
         </a:spcBef>
-        <a:spcAft>
-          <a:spcPts val="200"/>
-        </a:spcAft>
-        <a:buFont typeface="Franklin Gothic Book" panose="020B0503020102020204" pitchFamily="34" charset="0"/>
-        <a:buChar char="–"/>
-        <a:defRPr sz="1400" i="1" kern="1200" baseline="0">
+        <a:buFont typeface="Arial" panose="020B0604020202020204" pitchFamily="34" charset="0"/>
+        <a:buChar char="•"/>
+        <a:defRPr sz="1800" kern="1200">
           <a:solidFill>
-            <a:schemeClr val="tx2"/>
+            <a:schemeClr val="tx1"/>
           </a:solidFill>
           <a:latin typeface="+mn-lt"/>
           <a:ea typeface="+mn-ea"/>
           <a:cs typeface="+mn-cs"/>
         </a:defRPr>
       </a:lvl8pPr>
-      <a:lvl9pPr marL="4114800" indent="-384048" algn="l" defTabSz="914400" rtl="0" eaLnBrk="1" latinLnBrk="0" hangingPunct="1">
+      <a:lvl9pPr marL="3886200" indent="-228600" algn="l" defTabSz="914400" rtl="0" eaLnBrk="1" latinLnBrk="0" hangingPunct="1">
         <a:lnSpc>
-          <a:spcPct val="94000"/>
+          <a:spcPct val="90000"/>
         </a:lnSpc>
         <a:spcBef>
           <a:spcPts val="500"/>
         </a:spcBef>
-        <a:spcAft>
-          <a:spcPts val="200"/>
-        </a:spcAft>
-        <a:buFont typeface="Franklin Gothic Book" panose="020B0503020102020204" pitchFamily="34" charset="0"/>
-        <a:buChar char="■"/>
-        <a:defRPr sz="1400" kern="1200" baseline="0">
+        <a:buFont typeface="Arial" panose="020B0604020202020204" pitchFamily="34" charset="0"/>
+        <a:buChar char="•"/>
+        <a:defRPr sz="1800" kern="1200">
           <a:solidFill>
-            <a:schemeClr val="tx2"/>
+            <a:schemeClr val="tx1"/>
           </a:solidFill>
           <a:latin typeface="+mn-lt"/>
           <a:ea typeface="+mn-ea"/>
@@ -4152,52 +3301,6 @@
       </a:lvl9pPr>
     </p:otherStyle>
   </p:txStyles>
-  <p:extLst>
-    <p:ext uri="{27BBF7A9-308A-43DC-89C8-2F10F3537804}">
-      <p15:sldGuideLst xmlns:p15="http://schemas.microsoft.com/office/powerpoint/2012/main">
-        <p15:guide id="3" orient="horz" pos="1368">
-          <p15:clr>
-            <a:srgbClr val="F26B43"/>
-          </p15:clr>
-        </p15:guide>
-        <p15:guide id="4" orient="horz" pos="1440">
-          <p15:clr>
-            <a:srgbClr val="F26B43"/>
-          </p15:clr>
-        </p15:guide>
-        <p15:guide id="6" orient="horz" pos="3696">
-          <p15:clr>
-            <a:srgbClr val="F26B43"/>
-          </p15:clr>
-        </p15:guide>
-        <p15:guide id="7" orient="horz" pos="432">
-          <p15:clr>
-            <a:srgbClr val="F26B43"/>
-          </p15:clr>
-        </p15:guide>
-        <p15:guide id="8" orient="horz" pos="1512">
-          <p15:clr>
-            <a:srgbClr val="F26B43"/>
-          </p15:clr>
-        </p15:guide>
-        <p15:guide id="9" pos="6912">
-          <p15:clr>
-            <a:srgbClr val="F26B43"/>
-          </p15:clr>
-        </p15:guide>
-        <p15:guide id="10" pos="936">
-          <p15:clr>
-            <a:srgbClr val="F26B43"/>
-          </p15:clr>
-        </p15:guide>
-        <p15:guide id="11" pos="864">
-          <p15:clr>
-            <a:srgbClr val="F26B43"/>
-          </p15:clr>
-        </p15:guide>
-      </p15:sldGuideLst>
-    </p:ext>
-  </p:extLst>
 </p:sldMaster>
 </file>
 
@@ -4220,22 +3323,28 @@
       </p:grpSpPr>
       <p:sp>
         <p:nvSpPr>
-          <p:cNvPr id="4" name="Rectangle 3"/>
+          <p:cNvPr id="4" name="Rectangle 3">
+            <a:extLst>
+              <a:ext uri="{FF2B5EF4-FFF2-40B4-BE49-F238E27FC236}">
+                <a16:creationId xmlns:a16="http://schemas.microsoft.com/office/drawing/2014/main" id="{3AE398B3-4259-4427-A023-9F2FEB97EC95}"/>
+              </a:ext>
+            </a:extLst>
+          </p:cNvPr>
           <p:cNvSpPr/>
           <p:nvPr/>
         </p:nvSpPr>
         <p:spPr>
           <a:xfrm>
-            <a:off x="1596992" y="3813018"/>
+            <a:off x="1133614" y="2515559"/>
             <a:ext cx="3162119" cy="2095099"/>
           </a:xfrm>
           <a:prstGeom prst="rect">
             <a:avLst/>
           </a:prstGeom>
           <a:solidFill>
-            <a:schemeClr val="accent4">
-              <a:lumMod val="20000"/>
-              <a:lumOff val="80000"/>
+            <a:schemeClr val="accent6">
+              <a:lumMod val="40000"/>
+              <a:lumOff val="60000"/>
             </a:schemeClr>
           </a:solidFill>
         </p:spPr>
@@ -4260,30 +3369,88 @@
           <a:lstStyle/>
           <a:p>
             <a:pPr algn="ctr"/>
-            <a:endParaRPr lang="en-US"/>
-          </a:p>
-        </p:txBody>
-      </p:sp>
-      <p:sp>
-        <p:nvSpPr>
-          <p:cNvPr id="5" name="Rectangle 4"/>
+            <a:endParaRPr lang="en-US" dirty="0">
+              <a:solidFill>
+                <a:schemeClr val="tx1"/>
+              </a:solidFill>
+            </a:endParaRPr>
+          </a:p>
+          <a:p>
+            <a:pPr algn="ctr"/>
+            <a:endParaRPr lang="en-US" dirty="0">
+              <a:solidFill>
+                <a:schemeClr val="tx1"/>
+              </a:solidFill>
+            </a:endParaRPr>
+          </a:p>
+          <a:p>
+            <a:pPr algn="ctr"/>
+            <a:endParaRPr lang="en-US" dirty="0">
+              <a:solidFill>
+                <a:schemeClr val="tx1"/>
+              </a:solidFill>
+            </a:endParaRPr>
+          </a:p>
+          <a:p>
+            <a:pPr algn="ctr"/>
+            <a:endParaRPr lang="en-US" dirty="0">
+              <a:solidFill>
+                <a:schemeClr val="tx1"/>
+              </a:solidFill>
+            </a:endParaRPr>
+          </a:p>
+          <a:p>
+            <a:pPr algn="ctr"/>
+            <a:endParaRPr lang="en-US" dirty="0">
+              <a:solidFill>
+                <a:schemeClr val="tx1"/>
+              </a:solidFill>
+            </a:endParaRPr>
+          </a:p>
+          <a:p>
+            <a:pPr algn="ctr"/>
+            <a:r>
+              <a:rPr lang="en-US" dirty="0">
+                <a:solidFill>
+                  <a:schemeClr val="tx1"/>
+                </a:solidFill>
+              </a:rPr>
+              <a:t>…</a:t>
+            </a:r>
+          </a:p>
+        </p:txBody>
+      </p:sp>
+      <p:sp>
+        <p:nvSpPr>
+          <p:cNvPr id="5" name="Rectangle 4">
+            <a:extLst>
+              <a:ext uri="{FF2B5EF4-FFF2-40B4-BE49-F238E27FC236}">
+                <a16:creationId xmlns:a16="http://schemas.microsoft.com/office/drawing/2014/main" id="{051E19A2-D96C-4544-BA25-04B4CDB925EE}"/>
+              </a:ext>
+            </a:extLst>
+          </p:cNvPr>
           <p:cNvSpPr/>
           <p:nvPr/>
         </p:nvSpPr>
         <p:spPr>
           <a:xfrm>
-            <a:off x="1596992" y="3813018"/>
+            <a:off x="1133614" y="2515559"/>
             <a:ext cx="397042" cy="409074"/>
           </a:xfrm>
           <a:prstGeom prst="rect">
             <a:avLst/>
           </a:prstGeom>
           <a:solidFill>
-            <a:schemeClr val="accent2">
-              <a:lumMod val="60000"/>
-              <a:lumOff val="40000"/>
+            <a:schemeClr val="accent4">
+              <a:lumMod val="40000"/>
+              <a:lumOff val="60000"/>
             </a:schemeClr>
           </a:solidFill>
+          <a:ln>
+            <a:solidFill>
+              <a:schemeClr val="tx1"/>
+            </a:solidFill>
+          </a:ln>
         </p:spPr>
         <p:style>
           <a:lnRef idx="2">
@@ -4319,24 +3486,35 @@
       </p:sp>
       <p:sp>
         <p:nvSpPr>
-          <p:cNvPr id="6" name="Rectangle 5"/>
+          <p:cNvPr id="6" name="Rectangle 5">
+            <a:extLst>
+              <a:ext uri="{FF2B5EF4-FFF2-40B4-BE49-F238E27FC236}">
+                <a16:creationId xmlns:a16="http://schemas.microsoft.com/office/drawing/2014/main" id="{A8A92C0B-78CE-448F-BBCC-C1798C487667}"/>
+              </a:ext>
+            </a:extLst>
+          </p:cNvPr>
           <p:cNvSpPr/>
           <p:nvPr/>
         </p:nvSpPr>
         <p:spPr>
           <a:xfrm>
-            <a:off x="1990024" y="3813018"/>
+            <a:off x="1526646" y="2515559"/>
             <a:ext cx="397042" cy="409074"/>
           </a:xfrm>
           <a:prstGeom prst="rect">
             <a:avLst/>
           </a:prstGeom>
           <a:solidFill>
-            <a:schemeClr val="accent2">
-              <a:lumMod val="60000"/>
-              <a:lumOff val="40000"/>
+            <a:schemeClr val="accent4">
+              <a:lumMod val="40000"/>
+              <a:lumOff val="60000"/>
             </a:schemeClr>
           </a:solidFill>
+          <a:ln>
+            <a:solidFill>
+              <a:schemeClr val="tx1"/>
+            </a:solidFill>
+          </a:ln>
         </p:spPr>
         <p:style>
           <a:lnRef idx="2">
@@ -4372,24 +3550,35 @@
       </p:sp>
       <p:sp>
         <p:nvSpPr>
-          <p:cNvPr id="7" name="Rectangle 6"/>
+          <p:cNvPr id="7" name="Rectangle 6">
+            <a:extLst>
+              <a:ext uri="{FF2B5EF4-FFF2-40B4-BE49-F238E27FC236}">
+                <a16:creationId xmlns:a16="http://schemas.microsoft.com/office/drawing/2014/main" id="{836C61F5-23B1-4679-B813-ECD82351B015}"/>
+              </a:ext>
+            </a:extLst>
+          </p:cNvPr>
           <p:cNvSpPr/>
           <p:nvPr/>
         </p:nvSpPr>
         <p:spPr>
           <a:xfrm>
-            <a:off x="2387066" y="3813018"/>
+            <a:off x="1923688" y="2515559"/>
             <a:ext cx="397042" cy="409074"/>
           </a:xfrm>
           <a:prstGeom prst="rect">
             <a:avLst/>
           </a:prstGeom>
           <a:solidFill>
-            <a:schemeClr val="accent2">
-              <a:lumMod val="60000"/>
-              <a:lumOff val="40000"/>
+            <a:schemeClr val="accent4">
+              <a:lumMod val="40000"/>
+              <a:lumOff val="60000"/>
             </a:schemeClr>
           </a:solidFill>
+          <a:ln>
+            <a:solidFill>
+              <a:schemeClr val="tx1"/>
+            </a:solidFill>
+          </a:ln>
         </p:spPr>
         <p:style>
           <a:lnRef idx="2">
@@ -4425,24 +3614,35 @@
       </p:sp>
       <p:sp>
         <p:nvSpPr>
-          <p:cNvPr id="8" name="Rectangle 7"/>
+          <p:cNvPr id="8" name="Rectangle 7">
+            <a:extLst>
+              <a:ext uri="{FF2B5EF4-FFF2-40B4-BE49-F238E27FC236}">
+                <a16:creationId xmlns:a16="http://schemas.microsoft.com/office/drawing/2014/main" id="{F08634DD-EC44-4E3F-B674-3672451A4FEF}"/>
+              </a:ext>
+            </a:extLst>
+          </p:cNvPr>
           <p:cNvSpPr/>
           <p:nvPr/>
         </p:nvSpPr>
         <p:spPr>
           <a:xfrm>
-            <a:off x="2784108" y="3813018"/>
+            <a:off x="2320730" y="2515559"/>
             <a:ext cx="397042" cy="409074"/>
           </a:xfrm>
           <a:prstGeom prst="rect">
             <a:avLst/>
           </a:prstGeom>
           <a:solidFill>
-            <a:schemeClr val="accent2">
-              <a:lumMod val="60000"/>
-              <a:lumOff val="40000"/>
+            <a:schemeClr val="accent4">
+              <a:lumMod val="40000"/>
+              <a:lumOff val="60000"/>
             </a:schemeClr>
           </a:solidFill>
+          <a:ln>
+            <a:solidFill>
+              <a:schemeClr val="tx1"/>
+            </a:solidFill>
+          </a:ln>
         </p:spPr>
         <p:style>
           <a:lnRef idx="2">
@@ -4478,24 +3678,35 @@
       </p:sp>
       <p:sp>
         <p:nvSpPr>
-          <p:cNvPr id="9" name="Rectangle 8"/>
+          <p:cNvPr id="9" name="Rectangle 8">
+            <a:extLst>
+              <a:ext uri="{FF2B5EF4-FFF2-40B4-BE49-F238E27FC236}">
+                <a16:creationId xmlns:a16="http://schemas.microsoft.com/office/drawing/2014/main" id="{5C87A874-8AEB-4E8E-B03D-D0C73DFB62BB}"/>
+              </a:ext>
+            </a:extLst>
+          </p:cNvPr>
           <p:cNvSpPr/>
           <p:nvPr/>
         </p:nvSpPr>
         <p:spPr>
           <a:xfrm>
-            <a:off x="3177140" y="3813018"/>
+            <a:off x="2713762" y="2515559"/>
             <a:ext cx="397042" cy="409074"/>
           </a:xfrm>
           <a:prstGeom prst="rect">
             <a:avLst/>
           </a:prstGeom>
           <a:solidFill>
-            <a:schemeClr val="accent2">
-              <a:lumMod val="60000"/>
-              <a:lumOff val="40000"/>
+            <a:schemeClr val="accent4">
+              <a:lumMod val="40000"/>
+              <a:lumOff val="60000"/>
             </a:schemeClr>
           </a:solidFill>
+          <a:ln>
+            <a:solidFill>
+              <a:schemeClr val="tx1"/>
+            </a:solidFill>
+          </a:ln>
         </p:spPr>
         <p:style>
           <a:lnRef idx="2">
@@ -4531,24 +3742,35 @@
       </p:sp>
       <p:sp>
         <p:nvSpPr>
-          <p:cNvPr id="10" name="Rectangle 9"/>
+          <p:cNvPr id="10" name="Rectangle 9">
+            <a:extLst>
+              <a:ext uri="{FF2B5EF4-FFF2-40B4-BE49-F238E27FC236}">
+                <a16:creationId xmlns:a16="http://schemas.microsoft.com/office/drawing/2014/main" id="{18C07134-D6B1-4211-9134-B09781832F3F}"/>
+              </a:ext>
+            </a:extLst>
+          </p:cNvPr>
           <p:cNvSpPr/>
           <p:nvPr/>
         </p:nvSpPr>
         <p:spPr>
           <a:xfrm>
-            <a:off x="3574182" y="3813018"/>
+            <a:off x="3110804" y="2515559"/>
             <a:ext cx="397042" cy="409074"/>
           </a:xfrm>
           <a:prstGeom prst="rect">
             <a:avLst/>
           </a:prstGeom>
           <a:solidFill>
-            <a:schemeClr val="accent4">
-              <a:lumMod val="20000"/>
-              <a:lumOff val="80000"/>
+            <a:schemeClr val="accent6">
+              <a:lumMod val="40000"/>
+              <a:lumOff val="60000"/>
             </a:schemeClr>
           </a:solidFill>
+          <a:ln>
+            <a:solidFill>
+              <a:schemeClr val="tx1"/>
+            </a:solidFill>
+          </a:ln>
         </p:spPr>
         <p:style>
           <a:lnRef idx="2">
@@ -4584,24 +3806,35 @@
       </p:sp>
       <p:sp>
         <p:nvSpPr>
-          <p:cNvPr id="11" name="Rectangle 10"/>
+          <p:cNvPr id="11" name="Rectangle 10">
+            <a:extLst>
+              <a:ext uri="{FF2B5EF4-FFF2-40B4-BE49-F238E27FC236}">
+                <a16:creationId xmlns:a16="http://schemas.microsoft.com/office/drawing/2014/main" id="{3CE388C8-2C4A-452A-871F-F5F7EA564952}"/>
+              </a:ext>
+            </a:extLst>
+          </p:cNvPr>
           <p:cNvSpPr/>
           <p:nvPr/>
         </p:nvSpPr>
         <p:spPr>
           <a:xfrm>
-            <a:off x="3967214" y="3813018"/>
+            <a:off x="3503836" y="2515559"/>
             <a:ext cx="397042" cy="409074"/>
           </a:xfrm>
           <a:prstGeom prst="rect">
             <a:avLst/>
           </a:prstGeom>
           <a:solidFill>
-            <a:schemeClr val="accent4">
-              <a:lumMod val="20000"/>
-              <a:lumOff val="80000"/>
+            <a:schemeClr val="accent6">
+              <a:lumMod val="40000"/>
+              <a:lumOff val="60000"/>
             </a:schemeClr>
           </a:solidFill>
+          <a:ln>
+            <a:solidFill>
+              <a:schemeClr val="tx1"/>
+            </a:solidFill>
+          </a:ln>
         </p:spPr>
         <p:style>
           <a:lnRef idx="2">
@@ -4637,24 +3870,35 @@
       </p:sp>
       <p:sp>
         <p:nvSpPr>
-          <p:cNvPr id="14" name="Rectangle 13"/>
+          <p:cNvPr id="12" name="Rectangle 11">
+            <a:extLst>
+              <a:ext uri="{FF2B5EF4-FFF2-40B4-BE49-F238E27FC236}">
+                <a16:creationId xmlns:a16="http://schemas.microsoft.com/office/drawing/2014/main" id="{FDE9BD01-029D-4FC6-858F-C8DF4EF5A8FA}"/>
+              </a:ext>
+            </a:extLst>
+          </p:cNvPr>
           <p:cNvSpPr/>
           <p:nvPr/>
         </p:nvSpPr>
         <p:spPr>
           <a:xfrm>
-            <a:off x="4361696" y="3813018"/>
+            <a:off x="3898318" y="2515559"/>
             <a:ext cx="397042" cy="409074"/>
           </a:xfrm>
           <a:prstGeom prst="rect">
             <a:avLst/>
           </a:prstGeom>
           <a:solidFill>
-            <a:schemeClr val="accent2">
-              <a:lumMod val="60000"/>
-              <a:lumOff val="40000"/>
+            <a:schemeClr val="accent4">
+              <a:lumMod val="40000"/>
+              <a:lumOff val="60000"/>
             </a:schemeClr>
           </a:solidFill>
+          <a:ln>
+            <a:solidFill>
+              <a:schemeClr val="tx1"/>
+            </a:solidFill>
+          </a:ln>
         </p:spPr>
         <p:style>
           <a:lnRef idx="2">
@@ -4690,24 +3934,35 @@
       </p:sp>
       <p:sp>
         <p:nvSpPr>
-          <p:cNvPr id="29" name="Rectangle 28"/>
+          <p:cNvPr id="13" name="Rectangle 12">
+            <a:extLst>
+              <a:ext uri="{FF2B5EF4-FFF2-40B4-BE49-F238E27FC236}">
+                <a16:creationId xmlns:a16="http://schemas.microsoft.com/office/drawing/2014/main" id="{4AC7A3DD-333A-43D5-A38E-D8DFBD7B64FD}"/>
+              </a:ext>
+            </a:extLst>
+          </p:cNvPr>
           <p:cNvSpPr/>
           <p:nvPr/>
         </p:nvSpPr>
         <p:spPr>
           <a:xfrm>
-            <a:off x="1596992" y="4222092"/>
+            <a:off x="1133614" y="2924633"/>
             <a:ext cx="397042" cy="409074"/>
           </a:xfrm>
           <a:prstGeom prst="rect">
             <a:avLst/>
           </a:prstGeom>
           <a:solidFill>
-            <a:schemeClr val="accent2">
-              <a:lumMod val="60000"/>
-              <a:lumOff val="40000"/>
+            <a:schemeClr val="accent4">
+              <a:lumMod val="40000"/>
+              <a:lumOff val="60000"/>
             </a:schemeClr>
           </a:solidFill>
+          <a:ln>
+            <a:solidFill>
+              <a:schemeClr val="tx1"/>
+            </a:solidFill>
+          </a:ln>
         </p:spPr>
         <p:style>
           <a:lnRef idx="2">
@@ -4743,24 +3998,35 @@
       </p:sp>
       <p:sp>
         <p:nvSpPr>
-          <p:cNvPr id="30" name="Rectangle 29"/>
+          <p:cNvPr id="14" name="Rectangle 13">
+            <a:extLst>
+              <a:ext uri="{FF2B5EF4-FFF2-40B4-BE49-F238E27FC236}">
+                <a16:creationId xmlns:a16="http://schemas.microsoft.com/office/drawing/2014/main" id="{6BA2190A-9ECD-48CA-AA9F-DE1E4535025A}"/>
+              </a:ext>
+            </a:extLst>
+          </p:cNvPr>
           <p:cNvSpPr/>
           <p:nvPr/>
         </p:nvSpPr>
         <p:spPr>
           <a:xfrm>
-            <a:off x="1990024" y="4222092"/>
+            <a:off x="1526646" y="2924633"/>
             <a:ext cx="397042" cy="409074"/>
           </a:xfrm>
           <a:prstGeom prst="rect">
             <a:avLst/>
           </a:prstGeom>
           <a:solidFill>
-            <a:schemeClr val="accent2">
-              <a:lumMod val="60000"/>
-              <a:lumOff val="40000"/>
+            <a:schemeClr val="accent4">
+              <a:lumMod val="40000"/>
+              <a:lumOff val="60000"/>
             </a:schemeClr>
           </a:solidFill>
+          <a:ln>
+            <a:solidFill>
+              <a:schemeClr val="tx1"/>
+            </a:solidFill>
+          </a:ln>
         </p:spPr>
         <p:style>
           <a:lnRef idx="2">
@@ -4796,24 +4062,35 @@
       </p:sp>
       <p:sp>
         <p:nvSpPr>
-          <p:cNvPr id="31" name="Rectangle 30"/>
+          <p:cNvPr id="15" name="Rectangle 14">
+            <a:extLst>
+              <a:ext uri="{FF2B5EF4-FFF2-40B4-BE49-F238E27FC236}">
+                <a16:creationId xmlns:a16="http://schemas.microsoft.com/office/drawing/2014/main" id="{FAD53774-8BDF-4650-9438-95C4F1AB8815}"/>
+              </a:ext>
+            </a:extLst>
+          </p:cNvPr>
           <p:cNvSpPr/>
           <p:nvPr/>
         </p:nvSpPr>
         <p:spPr>
           <a:xfrm>
-            <a:off x="2387066" y="4222092"/>
+            <a:off x="1923688" y="2924633"/>
             <a:ext cx="397042" cy="409074"/>
           </a:xfrm>
           <a:prstGeom prst="rect">
             <a:avLst/>
           </a:prstGeom>
           <a:solidFill>
-            <a:schemeClr val="accent2">
-              <a:lumMod val="60000"/>
-              <a:lumOff val="40000"/>
+            <a:schemeClr val="accent4">
+              <a:lumMod val="40000"/>
+              <a:lumOff val="60000"/>
             </a:schemeClr>
           </a:solidFill>
+          <a:ln>
+            <a:solidFill>
+              <a:schemeClr val="tx1"/>
+            </a:solidFill>
+          </a:ln>
         </p:spPr>
         <p:style>
           <a:lnRef idx="2">
@@ -4849,24 +4126,35 @@
       </p:sp>
       <p:sp>
         <p:nvSpPr>
-          <p:cNvPr id="32" name="Rectangle 31"/>
+          <p:cNvPr id="16" name="Rectangle 15">
+            <a:extLst>
+              <a:ext uri="{FF2B5EF4-FFF2-40B4-BE49-F238E27FC236}">
+                <a16:creationId xmlns:a16="http://schemas.microsoft.com/office/drawing/2014/main" id="{1BFB2E5A-3C21-4A29-8B92-125B14AD8A39}"/>
+              </a:ext>
+            </a:extLst>
+          </p:cNvPr>
           <p:cNvSpPr/>
           <p:nvPr/>
         </p:nvSpPr>
         <p:spPr>
           <a:xfrm>
-            <a:off x="2784108" y="4222092"/>
+            <a:off x="2320730" y="2924633"/>
             <a:ext cx="397042" cy="409074"/>
           </a:xfrm>
           <a:prstGeom prst="rect">
             <a:avLst/>
           </a:prstGeom>
           <a:solidFill>
-            <a:schemeClr val="accent2">
-              <a:lumMod val="60000"/>
-              <a:lumOff val="40000"/>
+            <a:schemeClr val="accent4">
+              <a:lumMod val="40000"/>
+              <a:lumOff val="60000"/>
             </a:schemeClr>
           </a:solidFill>
+          <a:ln>
+            <a:solidFill>
+              <a:schemeClr val="tx1"/>
+            </a:solidFill>
+          </a:ln>
         </p:spPr>
         <p:style>
           <a:lnRef idx="2">
@@ -4902,24 +4190,35 @@
       </p:sp>
       <p:sp>
         <p:nvSpPr>
-          <p:cNvPr id="33" name="Rectangle 32"/>
+          <p:cNvPr id="17" name="Rectangle 16">
+            <a:extLst>
+              <a:ext uri="{FF2B5EF4-FFF2-40B4-BE49-F238E27FC236}">
+                <a16:creationId xmlns:a16="http://schemas.microsoft.com/office/drawing/2014/main" id="{C0F1907E-F619-4113-B6A8-709F6831540A}"/>
+              </a:ext>
+            </a:extLst>
+          </p:cNvPr>
           <p:cNvSpPr/>
           <p:nvPr/>
         </p:nvSpPr>
         <p:spPr>
           <a:xfrm>
-            <a:off x="3177140" y="4222092"/>
+            <a:off x="2713762" y="2924633"/>
             <a:ext cx="397042" cy="409074"/>
           </a:xfrm>
           <a:prstGeom prst="rect">
             <a:avLst/>
           </a:prstGeom>
           <a:solidFill>
-            <a:schemeClr val="accent4">
-              <a:lumMod val="20000"/>
-              <a:lumOff val="80000"/>
+            <a:schemeClr val="accent6">
+              <a:lumMod val="40000"/>
+              <a:lumOff val="60000"/>
             </a:schemeClr>
           </a:solidFill>
+          <a:ln>
+            <a:solidFill>
+              <a:schemeClr val="tx1"/>
+            </a:solidFill>
+          </a:ln>
         </p:spPr>
         <p:style>
           <a:lnRef idx="2">
@@ -4955,24 +4254,35 @@
       </p:sp>
       <p:sp>
         <p:nvSpPr>
-          <p:cNvPr id="34" name="Rectangle 33"/>
+          <p:cNvPr id="18" name="Rectangle 17">
+            <a:extLst>
+              <a:ext uri="{FF2B5EF4-FFF2-40B4-BE49-F238E27FC236}">
+                <a16:creationId xmlns:a16="http://schemas.microsoft.com/office/drawing/2014/main" id="{C8B8F87A-5ACD-4BE3-88C5-E14C3B72DF64}"/>
+              </a:ext>
+            </a:extLst>
+          </p:cNvPr>
           <p:cNvSpPr/>
           <p:nvPr/>
         </p:nvSpPr>
         <p:spPr>
           <a:xfrm>
-            <a:off x="3574182" y="4222092"/>
+            <a:off x="3110804" y="2924633"/>
             <a:ext cx="397042" cy="409074"/>
           </a:xfrm>
           <a:prstGeom prst="rect">
             <a:avLst/>
           </a:prstGeom>
           <a:solidFill>
-            <a:schemeClr val="accent4">
-              <a:lumMod val="20000"/>
-              <a:lumOff val="80000"/>
+            <a:schemeClr val="accent6">
+              <a:lumMod val="40000"/>
+              <a:lumOff val="60000"/>
             </a:schemeClr>
           </a:solidFill>
+          <a:ln>
+            <a:solidFill>
+              <a:schemeClr val="tx1"/>
+            </a:solidFill>
+          </a:ln>
         </p:spPr>
         <p:style>
           <a:lnRef idx="2">
@@ -5008,24 +4318,35 @@
       </p:sp>
       <p:sp>
         <p:nvSpPr>
-          <p:cNvPr id="35" name="Rectangle 34"/>
+          <p:cNvPr id="19" name="Rectangle 18">
+            <a:extLst>
+              <a:ext uri="{FF2B5EF4-FFF2-40B4-BE49-F238E27FC236}">
+                <a16:creationId xmlns:a16="http://schemas.microsoft.com/office/drawing/2014/main" id="{1C952EE8-D60C-4FCD-9C81-3F8B06B3C3A9}"/>
+              </a:ext>
+            </a:extLst>
+          </p:cNvPr>
           <p:cNvSpPr/>
           <p:nvPr/>
         </p:nvSpPr>
         <p:spPr>
           <a:xfrm>
-            <a:off x="3967214" y="4222092"/>
+            <a:off x="3503836" y="2924633"/>
             <a:ext cx="397042" cy="409074"/>
           </a:xfrm>
           <a:prstGeom prst="rect">
             <a:avLst/>
           </a:prstGeom>
           <a:solidFill>
-            <a:schemeClr val="accent4">
-              <a:lumMod val="20000"/>
-              <a:lumOff val="80000"/>
+            <a:schemeClr val="accent6">
+              <a:lumMod val="40000"/>
+              <a:lumOff val="60000"/>
             </a:schemeClr>
           </a:solidFill>
+          <a:ln>
+            <a:solidFill>
+              <a:schemeClr val="tx1"/>
+            </a:solidFill>
+          </a:ln>
         </p:spPr>
         <p:style>
           <a:lnRef idx="2">
@@ -5061,24 +4382,35 @@
       </p:sp>
       <p:sp>
         <p:nvSpPr>
-          <p:cNvPr id="36" name="Rectangle 35"/>
+          <p:cNvPr id="20" name="Rectangle 19">
+            <a:extLst>
+              <a:ext uri="{FF2B5EF4-FFF2-40B4-BE49-F238E27FC236}">
+                <a16:creationId xmlns:a16="http://schemas.microsoft.com/office/drawing/2014/main" id="{284D9C92-B67D-4B5E-A8C4-A637FCD6546E}"/>
+              </a:ext>
+            </a:extLst>
+          </p:cNvPr>
           <p:cNvSpPr/>
           <p:nvPr/>
         </p:nvSpPr>
         <p:spPr>
           <a:xfrm>
-            <a:off x="4361696" y="4222092"/>
+            <a:off x="3898318" y="2924633"/>
             <a:ext cx="397042" cy="409074"/>
           </a:xfrm>
           <a:prstGeom prst="rect">
             <a:avLst/>
           </a:prstGeom>
           <a:solidFill>
-            <a:schemeClr val="accent4">
-              <a:lumMod val="20000"/>
-              <a:lumOff val="80000"/>
+            <a:schemeClr val="accent6">
+              <a:lumMod val="40000"/>
+              <a:lumOff val="60000"/>
             </a:schemeClr>
           </a:solidFill>
+          <a:ln>
+            <a:solidFill>
+              <a:schemeClr val="tx1"/>
+            </a:solidFill>
+          </a:ln>
         </p:spPr>
         <p:style>
           <a:lnRef idx="2">
@@ -5114,24 +4446,35 @@
       </p:sp>
       <p:sp>
         <p:nvSpPr>
-          <p:cNvPr id="42" name="Rectangle 41"/>
+          <p:cNvPr id="21" name="Rectangle 20">
+            <a:extLst>
+              <a:ext uri="{FF2B5EF4-FFF2-40B4-BE49-F238E27FC236}">
+                <a16:creationId xmlns:a16="http://schemas.microsoft.com/office/drawing/2014/main" id="{64275419-AB48-417D-A136-304DA0A074AB}"/>
+              </a:ext>
+            </a:extLst>
+          </p:cNvPr>
           <p:cNvSpPr/>
           <p:nvPr/>
         </p:nvSpPr>
         <p:spPr>
           <a:xfrm>
-            <a:off x="1600691" y="4631166"/>
+            <a:off x="1137313" y="3333707"/>
             <a:ext cx="397042" cy="409074"/>
           </a:xfrm>
           <a:prstGeom prst="rect">
             <a:avLst/>
           </a:prstGeom>
           <a:solidFill>
-            <a:schemeClr val="accent2">
-              <a:lumMod val="60000"/>
-              <a:lumOff val="40000"/>
+            <a:schemeClr val="accent4">
+              <a:lumMod val="40000"/>
+              <a:lumOff val="60000"/>
             </a:schemeClr>
           </a:solidFill>
+          <a:ln>
+            <a:solidFill>
+              <a:schemeClr val="tx1"/>
+            </a:solidFill>
+          </a:ln>
         </p:spPr>
         <p:style>
           <a:lnRef idx="2">
@@ -5167,24 +4510,35 @@
       </p:sp>
       <p:sp>
         <p:nvSpPr>
-          <p:cNvPr id="43" name="Rectangle 42"/>
+          <p:cNvPr id="22" name="Rectangle 21">
+            <a:extLst>
+              <a:ext uri="{FF2B5EF4-FFF2-40B4-BE49-F238E27FC236}">
+                <a16:creationId xmlns:a16="http://schemas.microsoft.com/office/drawing/2014/main" id="{8477BA1D-FC6F-4F44-9FC2-575094F08D50}"/>
+              </a:ext>
+            </a:extLst>
+          </p:cNvPr>
           <p:cNvSpPr/>
           <p:nvPr/>
         </p:nvSpPr>
         <p:spPr>
           <a:xfrm>
-            <a:off x="1992868" y="4631166"/>
+            <a:off x="1529490" y="3333707"/>
             <a:ext cx="397042" cy="409074"/>
           </a:xfrm>
           <a:prstGeom prst="rect">
             <a:avLst/>
           </a:prstGeom>
           <a:solidFill>
-            <a:schemeClr val="accent2">
-              <a:lumMod val="60000"/>
-              <a:lumOff val="40000"/>
+            <a:schemeClr val="accent4">
+              <a:lumMod val="40000"/>
+              <a:lumOff val="60000"/>
             </a:schemeClr>
           </a:solidFill>
+          <a:ln>
+            <a:solidFill>
+              <a:schemeClr val="tx1"/>
+            </a:solidFill>
+          </a:ln>
         </p:spPr>
         <p:style>
           <a:lnRef idx="2">
@@ -5220,24 +4574,35 @@
       </p:sp>
       <p:sp>
         <p:nvSpPr>
-          <p:cNvPr id="44" name="Rectangle 43"/>
+          <p:cNvPr id="23" name="Rectangle 22">
+            <a:extLst>
+              <a:ext uri="{FF2B5EF4-FFF2-40B4-BE49-F238E27FC236}">
+                <a16:creationId xmlns:a16="http://schemas.microsoft.com/office/drawing/2014/main" id="{4A1771F7-B2AA-46DD-A2F6-105D774B4CA0}"/>
+              </a:ext>
+            </a:extLst>
+          </p:cNvPr>
           <p:cNvSpPr/>
           <p:nvPr/>
         </p:nvSpPr>
         <p:spPr>
           <a:xfrm>
-            <a:off x="2388969" y="4631166"/>
+            <a:off x="1925591" y="3333707"/>
             <a:ext cx="396769" cy="409074"/>
           </a:xfrm>
           <a:prstGeom prst="rect">
             <a:avLst/>
           </a:prstGeom>
           <a:solidFill>
-            <a:schemeClr val="accent2">
-              <a:lumMod val="60000"/>
-              <a:lumOff val="40000"/>
+            <a:schemeClr val="accent4">
+              <a:lumMod val="40000"/>
+              <a:lumOff val="60000"/>
             </a:schemeClr>
           </a:solidFill>
+          <a:ln>
+            <a:solidFill>
+              <a:schemeClr val="tx1"/>
+            </a:solidFill>
+          </a:ln>
         </p:spPr>
         <p:style>
           <a:lnRef idx="2">
@@ -5273,24 +4638,35 @@
       </p:sp>
       <p:sp>
         <p:nvSpPr>
-          <p:cNvPr id="45" name="Rectangle 44"/>
+          <p:cNvPr id="24" name="Rectangle 23">
+            <a:extLst>
+              <a:ext uri="{FF2B5EF4-FFF2-40B4-BE49-F238E27FC236}">
+                <a16:creationId xmlns:a16="http://schemas.microsoft.com/office/drawing/2014/main" id="{1913927A-CC76-4CB7-98B3-4B2B1C195A40}"/>
+              </a:ext>
+            </a:extLst>
+          </p:cNvPr>
           <p:cNvSpPr/>
           <p:nvPr/>
         </p:nvSpPr>
         <p:spPr>
           <a:xfrm>
-            <a:off x="2785738" y="4631166"/>
+            <a:off x="2322360" y="3333707"/>
             <a:ext cx="403468" cy="409074"/>
           </a:xfrm>
           <a:prstGeom prst="rect">
             <a:avLst/>
           </a:prstGeom>
           <a:solidFill>
-            <a:schemeClr val="accent2">
-              <a:lumMod val="60000"/>
-              <a:lumOff val="40000"/>
+            <a:schemeClr val="accent4">
+              <a:lumMod val="40000"/>
+              <a:lumOff val="60000"/>
             </a:schemeClr>
           </a:solidFill>
+          <a:ln>
+            <a:solidFill>
+              <a:schemeClr val="tx1"/>
+            </a:solidFill>
+          </a:ln>
         </p:spPr>
         <p:style>
           <a:lnRef idx="2">
@@ -5326,24 +4702,35 @@
       </p:sp>
       <p:sp>
         <p:nvSpPr>
-          <p:cNvPr id="46" name="Rectangle 45"/>
+          <p:cNvPr id="25" name="Rectangle 24">
+            <a:extLst>
+              <a:ext uri="{FF2B5EF4-FFF2-40B4-BE49-F238E27FC236}">
+                <a16:creationId xmlns:a16="http://schemas.microsoft.com/office/drawing/2014/main" id="{7CC489A8-D829-40BA-8EF2-B616B52393B8}"/>
+              </a:ext>
+            </a:extLst>
+          </p:cNvPr>
           <p:cNvSpPr/>
           <p:nvPr/>
         </p:nvSpPr>
         <p:spPr>
           <a:xfrm>
-            <a:off x="3176028" y="4631166"/>
+            <a:off x="2712650" y="3333707"/>
             <a:ext cx="397042" cy="409074"/>
           </a:xfrm>
           <a:prstGeom prst="rect">
             <a:avLst/>
           </a:prstGeom>
           <a:solidFill>
-            <a:schemeClr val="accent2">
-              <a:lumMod val="60000"/>
-              <a:lumOff val="40000"/>
+            <a:schemeClr val="accent4">
+              <a:lumMod val="40000"/>
+              <a:lumOff val="60000"/>
             </a:schemeClr>
           </a:solidFill>
+          <a:ln>
+            <a:solidFill>
+              <a:schemeClr val="tx1"/>
+            </a:solidFill>
+          </a:ln>
         </p:spPr>
         <p:style>
           <a:lnRef idx="2">
@@ -5379,24 +4766,35 @@
       </p:sp>
       <p:sp>
         <p:nvSpPr>
-          <p:cNvPr id="48" name="Rectangle 47"/>
+          <p:cNvPr id="26" name="Rectangle 25">
+            <a:extLst>
+              <a:ext uri="{FF2B5EF4-FFF2-40B4-BE49-F238E27FC236}">
+                <a16:creationId xmlns:a16="http://schemas.microsoft.com/office/drawing/2014/main" id="{8DCA67C6-3D0A-4B1F-9424-31C815F796F7}"/>
+              </a:ext>
+            </a:extLst>
+          </p:cNvPr>
           <p:cNvSpPr/>
           <p:nvPr/>
         </p:nvSpPr>
         <p:spPr>
           <a:xfrm>
-            <a:off x="3573625" y="4631166"/>
+            <a:off x="3110247" y="3333707"/>
             <a:ext cx="397042" cy="409074"/>
           </a:xfrm>
           <a:prstGeom prst="rect">
             <a:avLst/>
           </a:prstGeom>
           <a:solidFill>
-            <a:schemeClr val="accent4">
-              <a:lumMod val="20000"/>
-              <a:lumOff val="80000"/>
+            <a:schemeClr val="accent6">
+              <a:lumMod val="40000"/>
+              <a:lumOff val="60000"/>
             </a:schemeClr>
           </a:solidFill>
+          <a:ln>
+            <a:solidFill>
+              <a:schemeClr val="tx1"/>
+            </a:solidFill>
+          </a:ln>
         </p:spPr>
         <p:style>
           <a:lnRef idx="2">
@@ -5432,24 +4830,35 @@
       </p:sp>
       <p:sp>
         <p:nvSpPr>
-          <p:cNvPr id="49" name="Rectangle 48"/>
+          <p:cNvPr id="27" name="Rectangle 26">
+            <a:extLst>
+              <a:ext uri="{FF2B5EF4-FFF2-40B4-BE49-F238E27FC236}">
+                <a16:creationId xmlns:a16="http://schemas.microsoft.com/office/drawing/2014/main" id="{4F2A90DA-D278-445E-B600-7D3DD24F5938}"/>
+              </a:ext>
+            </a:extLst>
+          </p:cNvPr>
           <p:cNvSpPr/>
           <p:nvPr/>
         </p:nvSpPr>
         <p:spPr>
           <a:xfrm>
-            <a:off x="3966657" y="4631166"/>
+            <a:off x="3503279" y="3333707"/>
             <a:ext cx="397042" cy="409074"/>
           </a:xfrm>
           <a:prstGeom prst="rect">
             <a:avLst/>
           </a:prstGeom>
           <a:solidFill>
-            <a:schemeClr val="accent4">
-              <a:lumMod val="20000"/>
-              <a:lumOff val="80000"/>
+            <a:schemeClr val="accent6">
+              <a:lumMod val="40000"/>
+              <a:lumOff val="60000"/>
             </a:schemeClr>
           </a:solidFill>
+          <a:ln>
+            <a:solidFill>
+              <a:schemeClr val="tx1"/>
+            </a:solidFill>
+          </a:ln>
         </p:spPr>
         <p:style>
           <a:lnRef idx="2">
@@ -5485,24 +4894,35 @@
       </p:sp>
       <p:sp>
         <p:nvSpPr>
-          <p:cNvPr id="50" name="Rectangle 49"/>
+          <p:cNvPr id="28" name="Rectangle 27">
+            <a:extLst>
+              <a:ext uri="{FF2B5EF4-FFF2-40B4-BE49-F238E27FC236}">
+                <a16:creationId xmlns:a16="http://schemas.microsoft.com/office/drawing/2014/main" id="{8BA333A0-AFF5-4489-AFDE-8B94328C836B}"/>
+              </a:ext>
+            </a:extLst>
+          </p:cNvPr>
           <p:cNvSpPr/>
           <p:nvPr/>
         </p:nvSpPr>
         <p:spPr>
           <a:xfrm>
-            <a:off x="4361696" y="4631166"/>
+            <a:off x="3898318" y="3333707"/>
             <a:ext cx="397042" cy="409074"/>
           </a:xfrm>
           <a:prstGeom prst="rect">
             <a:avLst/>
           </a:prstGeom>
           <a:solidFill>
-            <a:schemeClr val="accent4">
-              <a:lumMod val="20000"/>
-              <a:lumOff val="80000"/>
+            <a:schemeClr val="accent6">
+              <a:lumMod val="40000"/>
+              <a:lumOff val="60000"/>
             </a:schemeClr>
           </a:solidFill>
+          <a:ln>
+            <a:solidFill>
+              <a:schemeClr val="tx1"/>
+            </a:solidFill>
+          </a:ln>
         </p:spPr>
         <p:style>
           <a:lnRef idx="2">
@@ -5538,13 +4958,19 @@
       </p:sp>
       <p:sp>
         <p:nvSpPr>
-          <p:cNvPr id="52" name="TextBox 51"/>
+          <p:cNvPr id="29" name="TextBox 28">
+            <a:extLst>
+              <a:ext uri="{FF2B5EF4-FFF2-40B4-BE49-F238E27FC236}">
+                <a16:creationId xmlns:a16="http://schemas.microsoft.com/office/drawing/2014/main" id="{BC94D5A2-4045-42E4-B99C-5C4698DB47AF}"/>
+              </a:ext>
+            </a:extLst>
+          </p:cNvPr>
           <p:cNvSpPr txBox="1"/>
           <p:nvPr/>
         </p:nvSpPr>
         <p:spPr>
           <a:xfrm>
-            <a:off x="1544394" y="3463557"/>
+            <a:off x="1081016" y="2166098"/>
             <a:ext cx="3674035" cy="369332"/>
           </a:xfrm>
           <a:prstGeom prst="rect">
@@ -5567,10 +4993,10 @@
       </p:sp>
       <p:sp>
         <p:nvSpPr>
-          <p:cNvPr id="3" name="Rectangle 2">
-            <a:extLst>
-              <a:ext uri="{FF2B5EF4-FFF2-40B4-BE49-F238E27FC236}">
-                <a16:creationId xmlns:a16="http://schemas.microsoft.com/office/drawing/2014/main" id="{CBFEF8AE-C682-4092-B562-0352E1C55690}"/>
+          <p:cNvPr id="30" name="Rectangle 29">
+            <a:extLst>
+              <a:ext uri="{FF2B5EF4-FFF2-40B4-BE49-F238E27FC236}">
+                <a16:creationId xmlns:a16="http://schemas.microsoft.com/office/drawing/2014/main" id="{CEE4196F-51EB-488B-B638-767AD9586695}"/>
               </a:ext>
             </a:extLst>
           </p:cNvPr>
@@ -5581,12 +5007,17 @@
         </p:nvSpPr>
         <p:spPr>
           <a:xfrm>
-            <a:off x="6347152" y="2946872"/>
+            <a:off x="5883774" y="1649413"/>
             <a:ext cx="5506454" cy="3829773"/>
           </a:xfrm>
           <a:prstGeom prst="rect">
             <a:avLst/>
           </a:prstGeom>
+          <a:ln w="12700">
+            <a:solidFill>
+              <a:srgbClr val="002060"/>
+            </a:solidFill>
+          </a:ln>
         </p:spPr>
         <p:style>
           <a:lnRef idx="2">
@@ -5615,10 +5046,10 @@
       </p:sp>
       <p:sp>
         <p:nvSpPr>
-          <p:cNvPr id="12" name="Arrow: Right 11">
-            <a:extLst>
-              <a:ext uri="{FF2B5EF4-FFF2-40B4-BE49-F238E27FC236}">
-                <a16:creationId xmlns:a16="http://schemas.microsoft.com/office/drawing/2014/main" id="{23E8FFD9-464C-4546-83B2-C899A2C1ABDC}"/>
+          <p:cNvPr id="31" name="Arrow: Right 30">
+            <a:extLst>
+              <a:ext uri="{FF2B5EF4-FFF2-40B4-BE49-F238E27FC236}">
+                <a16:creationId xmlns:a16="http://schemas.microsoft.com/office/drawing/2014/main" id="{D2E86D57-DF97-4042-BD67-E3B72186D37B}"/>
               </a:ext>
             </a:extLst>
           </p:cNvPr>
@@ -5627,24 +5058,37 @@
         </p:nvSpPr>
         <p:spPr>
           <a:xfrm>
-            <a:off x="5006972" y="4487301"/>
+            <a:off x="4543594" y="3189842"/>
             <a:ext cx="1126603" cy="717631"/>
           </a:xfrm>
           <a:prstGeom prst="rightArrow">
             <a:avLst/>
           </a:prstGeom>
+          <a:solidFill>
+            <a:schemeClr val="accent6">
+              <a:lumMod val="40000"/>
+              <a:lumOff val="60000"/>
+            </a:schemeClr>
+          </a:solidFill>
+          <a:ln w="22225">
+            <a:solidFill>
+              <a:schemeClr val="accent6">
+                <a:lumMod val="75000"/>
+              </a:schemeClr>
+            </a:solidFill>
+          </a:ln>
         </p:spPr>
         <p:style>
           <a:lnRef idx="2">
-            <a:schemeClr val="accent1">
+            <a:schemeClr val="accent6">
               <a:shade val="50000"/>
             </a:schemeClr>
           </a:lnRef>
           <a:fillRef idx="1">
-            <a:schemeClr val="accent1"/>
+            <a:schemeClr val="accent6"/>
           </a:fillRef>
           <a:effectRef idx="0">
-            <a:schemeClr val="accent1"/>
+            <a:schemeClr val="accent6"/>
           </a:effectRef>
           <a:fontRef idx="minor">
             <a:schemeClr val="lt1"/>
@@ -5661,10 +5105,10 @@
       </p:sp>
       <p:sp>
         <p:nvSpPr>
-          <p:cNvPr id="13" name="TextBox 12">
-            <a:extLst>
-              <a:ext uri="{FF2B5EF4-FFF2-40B4-BE49-F238E27FC236}">
-                <a16:creationId xmlns:a16="http://schemas.microsoft.com/office/drawing/2014/main" id="{F4CCE221-52A7-4814-991C-8F023C0952CB}"/>
+          <p:cNvPr id="32" name="TextBox 31">
+            <a:extLst>
+              <a:ext uri="{FF2B5EF4-FFF2-40B4-BE49-F238E27FC236}">
+                <a16:creationId xmlns:a16="http://schemas.microsoft.com/office/drawing/2014/main" id="{622A5751-C656-47AB-83B7-CDC0408B9C1D}"/>
               </a:ext>
             </a:extLst>
           </p:cNvPr>
@@ -5673,7 +5117,7 @@
         </p:nvSpPr>
         <p:spPr>
           <a:xfrm>
-            <a:off x="8094087" y="2538506"/>
+            <a:off x="7630709" y="1241047"/>
             <a:ext cx="2236370" cy="369332"/>
           </a:xfrm>
           <a:prstGeom prst="rect">
@@ -5696,10 +5140,10 @@
       </p:sp>
       <p:sp>
         <p:nvSpPr>
-          <p:cNvPr id="16" name="TextBox 15">
-            <a:extLst>
-              <a:ext uri="{FF2B5EF4-FFF2-40B4-BE49-F238E27FC236}">
-                <a16:creationId xmlns:a16="http://schemas.microsoft.com/office/drawing/2014/main" id="{665FFFD0-F739-48E2-AD98-754137373516}"/>
+          <p:cNvPr id="33" name="TextBox 32">
+            <a:extLst>
+              <a:ext uri="{FF2B5EF4-FFF2-40B4-BE49-F238E27FC236}">
+                <a16:creationId xmlns:a16="http://schemas.microsoft.com/office/drawing/2014/main" id="{7D705EF5-8777-4C5A-82DB-9D68EB997315}"/>
               </a:ext>
             </a:extLst>
           </p:cNvPr>
@@ -5708,8 +5152,8 @@
         </p:nvSpPr>
         <p:spPr>
           <a:xfrm>
-            <a:off x="9575656" y="3798034"/>
-            <a:ext cx="1346522" cy="307777"/>
+            <a:off x="8984862" y="2425625"/>
+            <a:ext cx="2045245" cy="369332"/>
           </a:xfrm>
           <a:prstGeom prst="rect">
             <a:avLst/>
@@ -5723,9 +5167,9 @@
           <a:lstStyle/>
           <a:p>
             <a:r>
-              <a:rPr lang="en-US" sz="1400" dirty="0">
+              <a:rPr lang="en-US" b="1" dirty="0">
                 <a:solidFill>
-                  <a:srgbClr val="C00000"/>
+                  <a:srgbClr val="FFC000"/>
                 </a:solidFill>
               </a:rPr>
               <a:t>High Speed</a:t>
@@ -5735,10 +5179,10 @@
       </p:sp>
       <p:pic>
         <p:nvPicPr>
-          <p:cNvPr id="13314" name="Picture 2" descr="Image result for cloud cartoon">
-            <a:extLst>
-              <a:ext uri="{FF2B5EF4-FFF2-40B4-BE49-F238E27FC236}">
-                <a16:creationId xmlns:a16="http://schemas.microsoft.com/office/drawing/2014/main" id="{40F08FBF-5DF5-4833-A0F8-63F19460AEB0}"/>
+          <p:cNvPr id="34" name="Picture 2" descr="Image result for cloud cartoon">
+            <a:extLst>
+              <a:ext uri="{FF2B5EF4-FFF2-40B4-BE49-F238E27FC236}">
+                <a16:creationId xmlns:a16="http://schemas.microsoft.com/office/drawing/2014/main" id="{066AE021-AD7A-4D59-B963-8630BBE6A290}"/>
               </a:ext>
             </a:extLst>
           </p:cNvPr>
@@ -5762,7 +5206,7 @@
         </p:blipFill>
         <p:spPr bwMode="auto">
           <a:xfrm>
-            <a:off x="7819833" y="5589059"/>
+            <a:off x="7356455" y="4291600"/>
             <a:ext cx="648978" cy="548800"/>
           </a:xfrm>
           <a:prstGeom prst="rect">
@@ -5782,10 +5226,10 @@
       </p:pic>
       <p:pic>
         <p:nvPicPr>
-          <p:cNvPr id="60" name="Picture 2" descr="Image result for cloud cartoon">
-            <a:extLst>
-              <a:ext uri="{FF2B5EF4-FFF2-40B4-BE49-F238E27FC236}">
-                <a16:creationId xmlns:a16="http://schemas.microsoft.com/office/drawing/2014/main" id="{FE27DF7C-8E92-441A-88E7-D8630325FDEB}"/>
+          <p:cNvPr id="35" name="Picture 2" descr="Image result for cloud cartoon">
+            <a:extLst>
+              <a:ext uri="{FF2B5EF4-FFF2-40B4-BE49-F238E27FC236}">
+                <a16:creationId xmlns:a16="http://schemas.microsoft.com/office/drawing/2014/main" id="{0836A6D2-AB2B-497E-AD59-2170F9FAB200}"/>
               </a:ext>
             </a:extLst>
           </p:cNvPr>
@@ -5809,7 +5253,7 @@
         </p:blipFill>
         <p:spPr bwMode="auto">
           <a:xfrm>
-            <a:off x="6947316" y="4427821"/>
+            <a:off x="6483938" y="3130362"/>
             <a:ext cx="513149" cy="433938"/>
           </a:xfrm>
           <a:prstGeom prst="rect">
@@ -5829,10 +5273,10 @@
       </p:pic>
       <p:pic>
         <p:nvPicPr>
-          <p:cNvPr id="61" name="Picture 2" descr="Image result for cloud cartoon">
-            <a:extLst>
-              <a:ext uri="{FF2B5EF4-FFF2-40B4-BE49-F238E27FC236}">
-                <a16:creationId xmlns:a16="http://schemas.microsoft.com/office/drawing/2014/main" id="{04ACED3D-DDBC-4BE5-92DF-6C377E52CBF7}"/>
+          <p:cNvPr id="36" name="Picture 2" descr="Image result for cloud cartoon">
+            <a:extLst>
+              <a:ext uri="{FF2B5EF4-FFF2-40B4-BE49-F238E27FC236}">
+                <a16:creationId xmlns:a16="http://schemas.microsoft.com/office/drawing/2014/main" id="{04E50775-0DBA-4A65-A353-3806507FA5B0}"/>
               </a:ext>
             </a:extLst>
           </p:cNvPr>
@@ -5856,7 +5300,7 @@
         </p:blipFill>
         <p:spPr bwMode="auto">
           <a:xfrm>
-            <a:off x="10330457" y="5830028"/>
+            <a:off x="9867079" y="4532569"/>
             <a:ext cx="648978" cy="548800"/>
           </a:xfrm>
           <a:prstGeom prst="rect">
@@ -5876,10 +5320,10 @@
       </p:pic>
       <p:sp>
         <p:nvSpPr>
-          <p:cNvPr id="62" name="TextBox 61">
-            <a:extLst>
-              <a:ext uri="{FF2B5EF4-FFF2-40B4-BE49-F238E27FC236}">
-                <a16:creationId xmlns:a16="http://schemas.microsoft.com/office/drawing/2014/main" id="{179E3003-91AC-4A07-B1CA-74D87AC7E07A}"/>
+          <p:cNvPr id="37" name="TextBox 36">
+            <a:extLst>
+              <a:ext uri="{FF2B5EF4-FFF2-40B4-BE49-F238E27FC236}">
+                <a16:creationId xmlns:a16="http://schemas.microsoft.com/office/drawing/2014/main" id="{ADC786B9-5C15-4485-95DB-86E36C4F344A}"/>
               </a:ext>
             </a:extLst>
           </p:cNvPr>
@@ -5888,8 +5332,8 @@
         </p:nvSpPr>
         <p:spPr>
           <a:xfrm>
-            <a:off x="6737979" y="4150822"/>
-            <a:ext cx="931822" cy="276999"/>
+            <a:off x="6147185" y="2778413"/>
+            <a:ext cx="1415353" cy="338554"/>
           </a:xfrm>
           <a:prstGeom prst="rect">
             <a:avLst/>
@@ -5903,9 +5347,9 @@
           <a:lstStyle/>
           <a:p>
             <a:r>
-              <a:rPr lang="en-US" sz="1200" dirty="0">
+              <a:rPr lang="en-US" sz="1600" b="1" dirty="0">
                 <a:solidFill>
-                  <a:srgbClr val="FFFF00"/>
+                  <a:srgbClr val="92D050"/>
                 </a:solidFill>
               </a:rPr>
               <a:t>Low Speed</a:t>
@@ -5915,10 +5359,10 @@
       </p:sp>
       <p:sp>
         <p:nvSpPr>
-          <p:cNvPr id="63" name="TextBox 62">
-            <a:extLst>
-              <a:ext uri="{FF2B5EF4-FFF2-40B4-BE49-F238E27FC236}">
-                <a16:creationId xmlns:a16="http://schemas.microsoft.com/office/drawing/2014/main" id="{3BF6A8C5-573B-4A15-A63F-3268671D588E}"/>
+          <p:cNvPr id="38" name="TextBox 37">
+            <a:extLst>
+              <a:ext uri="{FF2B5EF4-FFF2-40B4-BE49-F238E27FC236}">
+                <a16:creationId xmlns:a16="http://schemas.microsoft.com/office/drawing/2014/main" id="{75E6EC44-F013-4B52-B72D-71AB132161DE}"/>
               </a:ext>
             </a:extLst>
           </p:cNvPr>
@@ -5927,8 +5371,8 @@
         </p:nvSpPr>
         <p:spPr>
           <a:xfrm>
-            <a:off x="7691585" y="5332451"/>
-            <a:ext cx="931822" cy="276999"/>
+            <a:off x="7100791" y="3960042"/>
+            <a:ext cx="1415353" cy="338554"/>
           </a:xfrm>
           <a:prstGeom prst="rect">
             <a:avLst/>
@@ -5942,9 +5386,9 @@
           <a:lstStyle/>
           <a:p>
             <a:r>
-              <a:rPr lang="en-US" sz="1200" dirty="0">
+              <a:rPr lang="en-US" sz="1600" b="1" dirty="0">
                 <a:solidFill>
-                  <a:srgbClr val="FFFF00"/>
+                  <a:srgbClr val="92D050"/>
                 </a:solidFill>
               </a:rPr>
               <a:t>Low Speed</a:t>
@@ -5954,10 +5398,10 @@
       </p:sp>
       <p:sp>
         <p:nvSpPr>
-          <p:cNvPr id="64" name="TextBox 63">
-            <a:extLst>
-              <a:ext uri="{FF2B5EF4-FFF2-40B4-BE49-F238E27FC236}">
-                <a16:creationId xmlns:a16="http://schemas.microsoft.com/office/drawing/2014/main" id="{A54A4D22-8DAC-4169-BF24-F6AC61D7A9AE}"/>
+          <p:cNvPr id="39" name="TextBox 38">
+            <a:extLst>
+              <a:ext uri="{FF2B5EF4-FFF2-40B4-BE49-F238E27FC236}">
+                <a16:creationId xmlns:a16="http://schemas.microsoft.com/office/drawing/2014/main" id="{96CD7682-F373-4ECE-A5BD-F8DC944A4B45}"/>
               </a:ext>
             </a:extLst>
           </p:cNvPr>
@@ -5966,8 +5410,8 @@
         </p:nvSpPr>
         <p:spPr>
           <a:xfrm>
-            <a:off x="10189035" y="5609450"/>
-            <a:ext cx="931822" cy="276999"/>
+            <a:off x="9598241" y="4237041"/>
+            <a:ext cx="1415353" cy="338554"/>
           </a:xfrm>
           <a:prstGeom prst="rect">
             <a:avLst/>
@@ -5981,9 +5425,9 @@
           <a:lstStyle/>
           <a:p>
             <a:r>
-              <a:rPr lang="en-US" sz="1200" dirty="0">
+              <a:rPr lang="en-US" sz="1600" b="1" dirty="0">
                 <a:solidFill>
-                  <a:srgbClr val="FFFF00"/>
+                  <a:srgbClr val="92D050"/>
                 </a:solidFill>
               </a:rPr>
               <a:t>Low Speed</a:t>
@@ -5993,10 +5437,10 @@
       </p:sp>
       <p:pic>
         <p:nvPicPr>
-          <p:cNvPr id="13318" name="Picture 6" descr="Image result for plane cartoon">
-            <a:extLst>
-              <a:ext uri="{FF2B5EF4-FFF2-40B4-BE49-F238E27FC236}">
-                <a16:creationId xmlns:a16="http://schemas.microsoft.com/office/drawing/2014/main" id="{0B0E9F1C-82E9-4122-9011-E669E741DB31}"/>
+          <p:cNvPr id="40" name="Picture 6" descr="Image result for plane cartoon">
+            <a:extLst>
+              <a:ext uri="{FF2B5EF4-FFF2-40B4-BE49-F238E27FC236}">
+                <a16:creationId xmlns:a16="http://schemas.microsoft.com/office/drawing/2014/main" id="{B8E7F6B2-FCDC-48F0-9BE7-14F4503E93D6}"/>
               </a:ext>
             </a:extLst>
           </p:cNvPr>
@@ -6020,7 +5464,7 @@
         </p:blipFill>
         <p:spPr bwMode="auto">
           <a:xfrm>
-            <a:off x="9124228" y="3945635"/>
+            <a:off x="8660850" y="2648176"/>
             <a:ext cx="1679115" cy="872207"/>
           </a:xfrm>
           <a:prstGeom prst="rect">
@@ -6041,7 +5485,7 @@
     </p:spTree>
     <p:extLst>
       <p:ext uri="{BB962C8B-B14F-4D97-AF65-F5344CB8AC3E}">
-        <p14:creationId xmlns:p14="http://schemas.microsoft.com/office/powerpoint/2010/main" val="3282943242"/>
+        <p14:creationId xmlns:p14="http://schemas.microsoft.com/office/powerpoint/2010/main" val="116680608"/>
       </p:ext>
     </p:extLst>
   </p:cSld>
@@ -6052,264 +5496,6 @@
 </file>
 
 <file path=ppt/theme/theme1.xml><?xml version="1.0" encoding="utf-8"?>
-<a:theme xmlns:a="http://schemas.openxmlformats.org/drawingml/2006/main" name="Crop">
-  <a:themeElements>
-    <a:clrScheme name="Crop">
-      <a:dk1>
-        <a:sysClr val="windowText" lastClr="000000"/>
-      </a:dk1>
-      <a:lt1>
-        <a:sysClr val="window" lastClr="FFFFFF"/>
-      </a:lt1>
-      <a:dk2>
-        <a:srgbClr val="1A2E40"/>
-      </a:dk2>
-      <a:lt2>
-        <a:srgbClr val="EBE7DD"/>
-      </a:lt2>
-      <a:accent1>
-        <a:srgbClr val="69A1AB"/>
-      </a:accent1>
-      <a:accent2>
-        <a:srgbClr val="F2C418"/>
-      </a:accent2>
-      <a:accent3>
-        <a:srgbClr val="87492C"/>
-      </a:accent3>
-      <a:accent4>
-        <a:srgbClr val="4A845E"/>
-      </a:accent4>
-      <a:accent5>
-        <a:srgbClr val="DC9528"/>
-      </a:accent5>
-      <a:accent6>
-        <a:srgbClr val="9A5D78"/>
-      </a:accent6>
-      <a:hlink>
-        <a:srgbClr val="66C8E3"/>
-      </a:hlink>
-      <a:folHlink>
-        <a:srgbClr val="B162A1"/>
-      </a:folHlink>
-    </a:clrScheme>
-    <a:fontScheme name="Crop">
-      <a:majorFont>
-        <a:latin typeface="Franklin Gothic Book" panose="020B0503020102020204"/>
-        <a:ea typeface=""/>
-        <a:cs typeface=""/>
-        <a:font script="Jpan" typeface="メイリオ"/>
-        <a:font script="Hang" typeface="돋움"/>
-        <a:font script="Hans" typeface="华文楷体"/>
-        <a:font script="Hant" typeface="微軟正黑體"/>
-        <a:font script="Arab" typeface="Tahoma"/>
-        <a:font script="Hebr" typeface="Aharoni"/>
-        <a:font script="Thai" typeface="LilyUPC"/>
-        <a:font script="Ethi" typeface="Nyala"/>
-        <a:font script="Beng" typeface="Vrinda"/>
-        <a:font script="Gujr" typeface="Shruti"/>
-        <a:font script="Khmr" typeface="DaunPenh"/>
-        <a:font script="Knda" typeface="Tunga"/>
-        <a:font script="Guru" typeface="Raavi"/>
-        <a:font script="Cans" typeface="Euphemia"/>
-        <a:font script="Cher" typeface="Plantagenet Cherokee"/>
-        <a:font script="Yiii" typeface="Microsoft Yi Baiti"/>
-        <a:font script="Tibt" typeface="Microsoft Himalaya"/>
-        <a:font script="Thaa" typeface="MV Boli"/>
-        <a:font script="Deva" typeface="Mangal"/>
-        <a:font script="Telu" typeface="Gautami"/>
-        <a:font script="Taml" typeface="Latha"/>
-        <a:font script="Syrc" typeface="Estrangelo Edessa"/>
-        <a:font script="Orya" typeface="Kalinga"/>
-        <a:font script="Mlym" typeface="Kartika"/>
-        <a:font script="Laoo" typeface="DokChampa"/>
-        <a:font script="Sinh" typeface="Iskoola Pota"/>
-        <a:font script="Mong" typeface="Mongolian Baiti"/>
-        <a:font script="Viet" typeface="Tahoma"/>
-        <a:font script="Uigh" typeface="Microsoft Uighur"/>
-        <a:font script="Geor" typeface="Sylfaen"/>
-      </a:majorFont>
-      <a:minorFont>
-        <a:latin typeface="Franklin Gothic Book" panose="020B0503020102020204"/>
-        <a:ea typeface=""/>
-        <a:cs typeface=""/>
-        <a:font script="Jpan" typeface="メイリオ"/>
-        <a:font script="Hang" typeface="돋움"/>
-        <a:font script="Hans" typeface="华文楷体"/>
-        <a:font script="Hant" typeface="微軟正黑體"/>
-        <a:font script="Arab" typeface="Tahoma"/>
-        <a:font script="Hebr" typeface="Aharoni"/>
-        <a:font script="Thai" typeface="LilyUPC"/>
-        <a:font script="Ethi" typeface="Nyala"/>
-        <a:font script="Beng" typeface="Vrinda"/>
-        <a:font script="Gujr" typeface="Shruti"/>
-        <a:font script="Khmr" typeface="DaunPenh"/>
-        <a:font script="Knda" typeface="Tunga"/>
-        <a:font script="Guru" typeface="Raavi"/>
-        <a:font script="Cans" typeface="Euphemia"/>
-        <a:font script="Cher" typeface="Plantagenet Cherokee"/>
-        <a:font script="Yiii" typeface="Microsoft Yi Baiti"/>
-        <a:font script="Tibt" typeface="Microsoft Himalaya"/>
-        <a:font script="Thaa" typeface="MV Boli"/>
-        <a:font script="Deva" typeface="Mangal"/>
-        <a:font script="Telu" typeface="Gautami"/>
-        <a:font script="Taml" typeface="Latha"/>
-        <a:font script="Syrc" typeface="Estrangelo Edessa"/>
-        <a:font script="Orya" typeface="Kalinga"/>
-        <a:font script="Mlym" typeface="Kartika"/>
-        <a:font script="Laoo" typeface="DokChampa"/>
-        <a:font script="Sinh" typeface="Iskoola Pota"/>
-        <a:font script="Mong" typeface="Mongolian Baiti"/>
-        <a:font script="Viet" typeface="Tahoma"/>
-        <a:font script="Uigh" typeface="Microsoft Uighur"/>
-        <a:font script="Geor" typeface="Sylfaen"/>
-      </a:minorFont>
-    </a:fontScheme>
-    <a:fmtScheme name="Crop">
-      <a:fillStyleLst>
-        <a:solidFill>
-          <a:schemeClr val="phClr"/>
-        </a:solidFill>
-        <a:gradFill rotWithShape="1">
-          <a:gsLst>
-            <a:gs pos="0">
-              <a:schemeClr val="phClr">
-                <a:tint val="67000"/>
-                <a:satMod val="105000"/>
-                <a:lumMod val="110000"/>
-              </a:schemeClr>
-            </a:gs>
-            <a:gs pos="50000">
-              <a:schemeClr val="phClr">
-                <a:tint val="73000"/>
-                <a:satMod val="103000"/>
-                <a:lumMod val="105000"/>
-              </a:schemeClr>
-            </a:gs>
-            <a:gs pos="100000">
-              <a:schemeClr val="phClr">
-                <a:tint val="81000"/>
-                <a:satMod val="109000"/>
-                <a:lumMod val="105000"/>
-              </a:schemeClr>
-            </a:gs>
-          </a:gsLst>
-          <a:lin ang="5400000" scaled="0"/>
-        </a:gradFill>
-        <a:gradFill rotWithShape="1">
-          <a:gsLst>
-            <a:gs pos="0">
-              <a:schemeClr val="phClr">
-                <a:tint val="94000"/>
-                <a:satMod val="103000"/>
-                <a:lumMod val="102000"/>
-              </a:schemeClr>
-            </a:gs>
-            <a:gs pos="50000">
-              <a:schemeClr val="phClr">
-                <a:shade val="100000"/>
-                <a:satMod val="110000"/>
-                <a:lumMod val="100000"/>
-              </a:schemeClr>
-            </a:gs>
-            <a:gs pos="100000">
-              <a:schemeClr val="phClr">
-                <a:shade val="78000"/>
-                <a:satMod val="120000"/>
-                <a:lumMod val="99000"/>
-              </a:schemeClr>
-            </a:gs>
-          </a:gsLst>
-          <a:lin ang="5400000" scaled="0"/>
-        </a:gradFill>
-      </a:fillStyleLst>
-      <a:lnStyleLst>
-        <a:ln w="6350" cap="flat" cmpd="sng" algn="in">
-          <a:solidFill>
-            <a:schemeClr val="phClr"/>
-          </a:solidFill>
-          <a:prstDash val="solid"/>
-        </a:ln>
-        <a:ln w="34925" cap="flat" cmpd="sng" algn="in">
-          <a:solidFill>
-            <a:schemeClr val="phClr"/>
-          </a:solidFill>
-          <a:prstDash val="solid"/>
-        </a:ln>
-        <a:ln w="19050" cap="flat" cmpd="sng" algn="in">
-          <a:solidFill>
-            <a:schemeClr val="phClr"/>
-          </a:solidFill>
-          <a:prstDash val="solid"/>
-        </a:ln>
-      </a:lnStyleLst>
-      <a:effectStyleLst>
-        <a:effectStyle>
-          <a:effectLst/>
-        </a:effectStyle>
-        <a:effectStyle>
-          <a:effectLst/>
-        </a:effectStyle>
-        <a:effectStyle>
-          <a:effectLst>
-            <a:outerShdw blurRad="57150" dist="19050" dir="5400000" algn="ctr" rotWithShape="0">
-              <a:srgbClr val="000000">
-                <a:alpha val="35000"/>
-              </a:srgbClr>
-            </a:outerShdw>
-          </a:effectLst>
-        </a:effectStyle>
-      </a:effectStyleLst>
-      <a:bgFillStyleLst>
-        <a:solidFill>
-          <a:schemeClr val="phClr"/>
-        </a:solidFill>
-        <a:solidFill>
-          <a:schemeClr val="phClr">
-            <a:tint val="95000"/>
-            <a:satMod val="170000"/>
-          </a:schemeClr>
-        </a:solidFill>
-        <a:gradFill rotWithShape="1">
-          <a:gsLst>
-            <a:gs pos="0">
-              <a:schemeClr val="phClr">
-                <a:tint val="93000"/>
-                <a:shade val="98000"/>
-                <a:satMod val="150000"/>
-                <a:lumMod val="102000"/>
-              </a:schemeClr>
-            </a:gs>
-            <a:gs pos="50000">
-              <a:schemeClr val="phClr">
-                <a:tint val="98000"/>
-                <a:shade val="90000"/>
-                <a:satMod val="130000"/>
-                <a:lumMod val="103000"/>
-              </a:schemeClr>
-            </a:gs>
-            <a:gs pos="100000">
-              <a:schemeClr val="phClr">
-                <a:shade val="63000"/>
-                <a:satMod val="120000"/>
-              </a:schemeClr>
-            </a:gs>
-          </a:gsLst>
-          <a:lin ang="5400000" scaled="0"/>
-        </a:gradFill>
-      </a:bgFillStyleLst>
-    </a:fmtScheme>
-  </a:themeElements>
-  <a:objectDefaults/>
-  <a:extraClrSchemeLst/>
-  <a:extLst>
-    <a:ext uri="{05A4C25C-085E-4340-85A3-A5531E510DB2}">
-      <thm15:themeFamily xmlns:thm15="http://schemas.microsoft.com/office/thememl/2012/main" name="Crop" id="{EC9488ED-E761-4D60-9AC4-764D1FE2C171}" vid="{17F9D331-421E-442F-B033-AF5B21A44854}"/>
-    </a:ext>
-  </a:extLst>
-</a:theme>
-</file>
-
-<file path=ppt/theme/theme2.xml><?xml version="1.0" encoding="utf-8"?>
 <a:theme xmlns:a="http://schemas.openxmlformats.org/drawingml/2006/main" name="Office Theme">
   <a:themeElements>
     <a:clrScheme name="Office">
@@ -6326,7 +5512,7 @@
         <a:srgbClr val="E7E6E6"/>
       </a:lt2>
       <a:accent1>
-        <a:srgbClr val="5B9BD5"/>
+        <a:srgbClr val="4472C4"/>
       </a:accent1>
       <a:accent2>
         <a:srgbClr val="ED7D31"/>
@@ -6338,7 +5524,7 @@
         <a:srgbClr val="FFC000"/>
       </a:accent4>
       <a:accent5>
-        <a:srgbClr val="4472C4"/>
+        <a:srgbClr val="5B9BD5"/>
       </a:accent5>
       <a:accent6>
         <a:srgbClr val="70AD47"/>
@@ -6385,6 +5571,23 @@
         <a:font script="Viet" typeface="Times New Roman"/>
         <a:font script="Uigh" typeface="Microsoft Uighur"/>
         <a:font script="Geor" typeface="Sylfaen"/>
+        <a:font script="Armn" typeface="Arial"/>
+        <a:font script="Bugi" typeface="Leelawadee UI"/>
+        <a:font script="Bopo" typeface="Microsoft JhengHei"/>
+        <a:font script="Java" typeface="Javanese Text"/>
+        <a:font script="Lisu" typeface="Segoe UI"/>
+        <a:font script="Mymr" typeface="Myanmar Text"/>
+        <a:font script="Nkoo" typeface="Ebrima"/>
+        <a:font script="Olck" typeface="Nirmala UI"/>
+        <a:font script="Osma" typeface="Ebrima"/>
+        <a:font script="Phag" typeface="Phagspa"/>
+        <a:font script="Syrn" typeface="Estrangelo Edessa"/>
+        <a:font script="Syrj" typeface="Estrangelo Edessa"/>
+        <a:font script="Syre" typeface="Estrangelo Edessa"/>
+        <a:font script="Sora" typeface="Nirmala UI"/>
+        <a:font script="Tale" typeface="Microsoft Tai Le"/>
+        <a:font script="Talu" typeface="Microsoft New Tai Lue"/>
+        <a:font script="Tfng" typeface="Ebrima"/>
       </a:majorFont>
       <a:minorFont>
         <a:latin typeface="Calibri" panose="020F0502020204030204"/>
@@ -6420,6 +5623,23 @@
         <a:font script="Viet" typeface="Arial"/>
         <a:font script="Uigh" typeface="Microsoft Uighur"/>
         <a:font script="Geor" typeface="Sylfaen"/>
+        <a:font script="Armn" typeface="Arial"/>
+        <a:font script="Bugi" typeface="Leelawadee UI"/>
+        <a:font script="Bopo" typeface="Microsoft JhengHei"/>
+        <a:font script="Java" typeface="Javanese Text"/>
+        <a:font script="Lisu" typeface="Segoe UI"/>
+        <a:font script="Mymr" typeface="Myanmar Text"/>
+        <a:font script="Nkoo" typeface="Ebrima"/>
+        <a:font script="Olck" typeface="Nirmala UI"/>
+        <a:font script="Osma" typeface="Ebrima"/>
+        <a:font script="Phag" typeface="Phagspa"/>
+        <a:font script="Syrn" typeface="Estrangelo Edessa"/>
+        <a:font script="Syrj" typeface="Estrangelo Edessa"/>
+        <a:font script="Syre" typeface="Estrangelo Edessa"/>
+        <a:font script="Sora" typeface="Nirmala UI"/>
+        <a:font script="Tale" typeface="Microsoft Tai Le"/>
+        <a:font script="Talu" typeface="Microsoft New Tai Lue"/>
+        <a:font script="Tfng" typeface="Ebrima"/>
       </a:minorFont>
     </a:fontScheme>
     <a:fmtScheme name="Office">

--- a/fig/embedded_frame_to_emitter.pptx
+++ b/fig/embedded_frame_to_emitter.pptx
@@ -104,6 +104,11 @@
       </a:defRPr>
     </a:lvl9pPr>
   </p:defaultTextStyle>
+  <p:extLst>
+    <p:ext uri="{EFAFB233-063F-42B5-8137-9DF3F51BA10A}">
+      <p15:sldGuideLst xmlns:p15="http://schemas.microsoft.com/office/powerpoint/2012/main"/>
+    </p:ext>
+  </p:extLst>
 </p:presentation>
 </file>
 
@@ -3335,8 +3340,8 @@
         </p:nvSpPr>
         <p:spPr>
           <a:xfrm>
-            <a:off x="1133614" y="2515559"/>
-            <a:ext cx="3162119" cy="2095099"/>
+            <a:off x="1147374" y="2515559"/>
+            <a:ext cx="3145426" cy="2095099"/>
           </a:xfrm>
           <a:prstGeom prst="rect">
             <a:avLst/>
@@ -3347,6 +3352,11 @@
               <a:lumOff val="60000"/>
             </a:schemeClr>
           </a:solidFill>
+          <a:ln>
+            <a:solidFill>
+              <a:schemeClr val="tx1"/>
+            </a:solidFill>
+          </a:ln>
         </p:spPr>
         <p:style>
           <a:lnRef idx="2">
@@ -3434,8 +3444,8 @@
         </p:nvSpPr>
         <p:spPr>
           <a:xfrm>
-            <a:off x="1133614" y="2515559"/>
-            <a:ext cx="397042" cy="409074"/>
+            <a:off x="1147373" y="2515559"/>
+            <a:ext cx="393192" cy="409074"/>
           </a:xfrm>
           <a:prstGeom prst="rect">
             <a:avLst/>
@@ -3498,8 +3508,8 @@
         </p:nvSpPr>
         <p:spPr>
           <a:xfrm>
-            <a:off x="1526646" y="2515559"/>
-            <a:ext cx="397042" cy="409074"/>
+            <a:off x="1540407" y="2515559"/>
+            <a:ext cx="393192" cy="409074"/>
           </a:xfrm>
           <a:prstGeom prst="rect">
             <a:avLst/>
@@ -3562,8 +3572,8 @@
         </p:nvSpPr>
         <p:spPr>
           <a:xfrm>
-            <a:off x="1923688" y="2515559"/>
-            <a:ext cx="397042" cy="409074"/>
+            <a:off x="1933215" y="2515559"/>
+            <a:ext cx="393192" cy="409074"/>
           </a:xfrm>
           <a:prstGeom prst="rect">
             <a:avLst/>
@@ -3626,8 +3636,8 @@
         </p:nvSpPr>
         <p:spPr>
           <a:xfrm>
-            <a:off x="2320730" y="2515559"/>
-            <a:ext cx="397042" cy="409074"/>
+            <a:off x="2324964" y="2515559"/>
+            <a:ext cx="393192" cy="409074"/>
           </a:xfrm>
           <a:prstGeom prst="rect">
             <a:avLst/>
@@ -3690,8 +3700,8 @@
         </p:nvSpPr>
         <p:spPr>
           <a:xfrm>
-            <a:off x="2713762" y="2515559"/>
-            <a:ext cx="397042" cy="409074"/>
+            <a:off x="2717996" y="2515559"/>
+            <a:ext cx="393192" cy="409074"/>
           </a:xfrm>
           <a:prstGeom prst="rect">
             <a:avLst/>
@@ -3755,7 +3765,7 @@
         <p:spPr>
           <a:xfrm>
             <a:off x="3110804" y="2515559"/>
-            <a:ext cx="397042" cy="409074"/>
+            <a:ext cx="393192" cy="409074"/>
           </a:xfrm>
           <a:prstGeom prst="rect">
             <a:avLst/>
@@ -3819,7 +3829,7 @@
         <p:spPr>
           <a:xfrm>
             <a:off x="3503836" y="2515559"/>
-            <a:ext cx="397042" cy="409074"/>
+            <a:ext cx="393192" cy="409074"/>
           </a:xfrm>
           <a:prstGeom prst="rect">
             <a:avLst/>
@@ -3883,7 +3893,7 @@
         <p:spPr>
           <a:xfrm>
             <a:off x="3898318" y="2515559"/>
-            <a:ext cx="397042" cy="409074"/>
+            <a:ext cx="393192" cy="409074"/>
           </a:xfrm>
           <a:prstGeom prst="rect">
             <a:avLst/>
@@ -3946,8 +3956,8 @@
         </p:nvSpPr>
         <p:spPr>
           <a:xfrm>
-            <a:off x="1133614" y="2924633"/>
-            <a:ext cx="397042" cy="409074"/>
+            <a:off x="1147375" y="2924633"/>
+            <a:ext cx="393192" cy="409074"/>
           </a:xfrm>
           <a:prstGeom prst="rect">
             <a:avLst/>
@@ -4010,8 +4020,8 @@
         </p:nvSpPr>
         <p:spPr>
           <a:xfrm>
-            <a:off x="1526646" y="2924633"/>
-            <a:ext cx="397042" cy="409074"/>
+            <a:off x="1540404" y="2924633"/>
+            <a:ext cx="393192" cy="409074"/>
           </a:xfrm>
           <a:prstGeom prst="rect">
             <a:avLst/>
@@ -4074,8 +4084,8 @@
         </p:nvSpPr>
         <p:spPr>
           <a:xfrm>
-            <a:off x="1923688" y="2924633"/>
-            <a:ext cx="397042" cy="409074"/>
+            <a:off x="1933215" y="2924633"/>
+            <a:ext cx="393192" cy="409074"/>
           </a:xfrm>
           <a:prstGeom prst="rect">
             <a:avLst/>
@@ -4138,8 +4148,8 @@
         </p:nvSpPr>
         <p:spPr>
           <a:xfrm>
-            <a:off x="2320730" y="2924633"/>
-            <a:ext cx="397042" cy="409074"/>
+            <a:off x="2324964" y="2924633"/>
+            <a:ext cx="393192" cy="409074"/>
           </a:xfrm>
           <a:prstGeom prst="rect">
             <a:avLst/>
@@ -4202,8 +4212,8 @@
         </p:nvSpPr>
         <p:spPr>
           <a:xfrm>
-            <a:off x="2713762" y="2924633"/>
-            <a:ext cx="397042" cy="409074"/>
+            <a:off x="2717996" y="2924633"/>
+            <a:ext cx="393192" cy="409074"/>
           </a:xfrm>
           <a:prstGeom prst="rect">
             <a:avLst/>
@@ -4267,7 +4277,7 @@
         <p:spPr>
           <a:xfrm>
             <a:off x="3110804" y="2924633"/>
-            <a:ext cx="397042" cy="409074"/>
+            <a:ext cx="393192" cy="409074"/>
           </a:xfrm>
           <a:prstGeom prst="rect">
             <a:avLst/>
@@ -4331,7 +4341,7 @@
         <p:spPr>
           <a:xfrm>
             <a:off x="3503836" y="2924633"/>
-            <a:ext cx="397042" cy="409074"/>
+            <a:ext cx="393192" cy="409074"/>
           </a:xfrm>
           <a:prstGeom prst="rect">
             <a:avLst/>
@@ -4395,7 +4405,7 @@
         <p:spPr>
           <a:xfrm>
             <a:off x="3898318" y="2924633"/>
-            <a:ext cx="397042" cy="409074"/>
+            <a:ext cx="393192" cy="409074"/>
           </a:xfrm>
           <a:prstGeom prst="rect">
             <a:avLst/>
@@ -4458,8 +4468,8 @@
         </p:nvSpPr>
         <p:spPr>
           <a:xfrm>
-            <a:off x="1137313" y="3333707"/>
-            <a:ext cx="397042" cy="409074"/>
+            <a:off x="1147898" y="3333707"/>
+            <a:ext cx="393192" cy="409074"/>
           </a:xfrm>
           <a:prstGeom prst="rect">
             <a:avLst/>
@@ -4522,8 +4532,8 @@
         </p:nvSpPr>
         <p:spPr>
           <a:xfrm>
-            <a:off x="1529490" y="3333707"/>
-            <a:ext cx="397042" cy="409074"/>
+            <a:off x="1540071" y="3333707"/>
+            <a:ext cx="393192" cy="409074"/>
           </a:xfrm>
           <a:prstGeom prst="rect">
             <a:avLst/>
@@ -4586,8 +4596,8 @@
         </p:nvSpPr>
         <p:spPr>
           <a:xfrm>
-            <a:off x="1925591" y="3333707"/>
-            <a:ext cx="396769" cy="409074"/>
+            <a:off x="1931939" y="3333707"/>
+            <a:ext cx="393192" cy="409074"/>
           </a:xfrm>
           <a:prstGeom prst="rect">
             <a:avLst/>
@@ -4650,8 +4660,8 @@
         </p:nvSpPr>
         <p:spPr>
           <a:xfrm>
-            <a:off x="2322360" y="3333707"/>
-            <a:ext cx="403468" cy="409074"/>
+            <a:off x="2324477" y="3333707"/>
+            <a:ext cx="393192" cy="409074"/>
           </a:xfrm>
           <a:prstGeom prst="rect">
             <a:avLst/>
@@ -4714,8 +4724,8 @@
         </p:nvSpPr>
         <p:spPr>
           <a:xfrm>
-            <a:off x="2712650" y="3333707"/>
-            <a:ext cx="397042" cy="409074"/>
+            <a:off x="2716884" y="3333707"/>
+            <a:ext cx="393192" cy="409074"/>
           </a:xfrm>
           <a:prstGeom prst="rect">
             <a:avLst/>
@@ -4779,7 +4789,7 @@
         <p:spPr>
           <a:xfrm>
             <a:off x="3110247" y="3333707"/>
-            <a:ext cx="397042" cy="409074"/>
+            <a:ext cx="393192" cy="409074"/>
           </a:xfrm>
           <a:prstGeom prst="rect">
             <a:avLst/>
@@ -4843,7 +4853,7 @@
         <p:spPr>
           <a:xfrm>
             <a:off x="3503279" y="3333707"/>
-            <a:ext cx="397042" cy="409074"/>
+            <a:ext cx="393192" cy="409074"/>
           </a:xfrm>
           <a:prstGeom prst="rect">
             <a:avLst/>
@@ -4907,7 +4917,7 @@
         <p:spPr>
           <a:xfrm>
             <a:off x="3898318" y="3333707"/>
-            <a:ext cx="397042" cy="409074"/>
+            <a:ext cx="393192" cy="409074"/>
           </a:xfrm>
           <a:prstGeom prst="rect">
             <a:avLst/>
